--- a/shellcoding.pptx
+++ b/shellcoding.pptx
@@ -198,7 +198,7 @@
           <a:bodyPr lIns="0" rIns="0" tIns="0" bIns="0" anchor="b"/>
           <a:p>
             <a:pPr algn="r"/>
-            <a:fld id="{1B4C6577-F49E-421A-AD0D-1FC2C0453E68}" type="slidenum">
+            <a:fld id="{F76811F2-672C-4309-B554-3C72B36686D7}" type="slidenum">
               <a:rPr lang="fr-FR" sz="1400">
                 <a:latin typeface="Times New Roman"/>
               </a:rPr>
@@ -244,7 +244,7 @@
         <p:spPr>
           <a:xfrm>
             <a:off x="685800" y="4400640"/>
-            <a:ext cx="5485320" cy="3599280"/>
+            <a:ext cx="5484960" cy="3598920"/>
           </a:xfrm>
           <a:prstGeom prst="rect">
             <a:avLst/>
@@ -266,7 +266,7 @@
         <p:spPr>
           <a:xfrm>
             <a:off x="3884760" y="8685360"/>
-            <a:ext cx="2970720" cy="457560"/>
+            <a:ext cx="2970360" cy="457200"/>
           </a:xfrm>
           <a:prstGeom prst="rect">
             <a:avLst/>
@@ -290,7 +290,7 @@
                 <a:spcPct val="100000"/>
               </a:lnSpc>
             </a:pPr>
-            <a:fld id="{C4FC128B-E8B8-4049-AFD5-B2B807CD460E}" type="slidenum">
+            <a:fld id="{40477638-DD90-4646-8A2C-50BA4EFD4EB2}" type="slidenum">
               <a:rPr lang="fr-FR" sz="1200" strike="noStrike">
                 <a:solidFill>
                   <a:srgbClr val="000000"/>
@@ -339,7 +339,7 @@
         <p:spPr>
           <a:xfrm>
             <a:off x="685800" y="4400640"/>
-            <a:ext cx="5485320" cy="3599280"/>
+            <a:ext cx="5484960" cy="3598920"/>
           </a:xfrm>
           <a:prstGeom prst="rect">
             <a:avLst/>
@@ -361,7 +361,7 @@
         <p:spPr>
           <a:xfrm>
             <a:off x="3884760" y="8685360"/>
-            <a:ext cx="2970720" cy="457560"/>
+            <a:ext cx="2970360" cy="457200"/>
           </a:xfrm>
           <a:prstGeom prst="rect">
             <a:avLst/>
@@ -385,7 +385,7 @@
                 <a:spcPct val="100000"/>
               </a:lnSpc>
             </a:pPr>
-            <a:fld id="{1AA0B6B7-EDBA-4F17-889C-5B86348B69DE}" type="slidenum">
+            <a:fld id="{8FF49886-A875-4DFA-BE03-3B572055BAE3}" type="slidenum">
               <a:rPr lang="fr-FR" sz="1200" strike="noStrike">
                 <a:solidFill>
                   <a:srgbClr val="000000"/>
@@ -434,7 +434,7 @@
         <p:spPr>
           <a:xfrm>
             <a:off x="685800" y="4400640"/>
-            <a:ext cx="5485320" cy="3599280"/>
+            <a:ext cx="5484960" cy="3598920"/>
           </a:xfrm>
           <a:prstGeom prst="rect">
             <a:avLst/>
@@ -456,7 +456,7 @@
         <p:spPr>
           <a:xfrm>
             <a:off x="3884760" y="8685360"/>
-            <a:ext cx="2970720" cy="457560"/>
+            <a:ext cx="2970360" cy="457200"/>
           </a:xfrm>
           <a:prstGeom prst="rect">
             <a:avLst/>
@@ -480,7 +480,7 @@
                 <a:spcPct val="100000"/>
               </a:lnSpc>
             </a:pPr>
-            <a:fld id="{A4DC8B74-5945-4289-89DF-208A7F61A311}" type="slidenum">
+            <a:fld id="{84F6A98F-FCA0-4141-8B89-595A56A8FEF0}" type="slidenum">
               <a:rPr lang="fr-FR" sz="1200" strike="noStrike">
                 <a:solidFill>
                   <a:srgbClr val="000000"/>
@@ -529,7 +529,7 @@
         <p:spPr>
           <a:xfrm>
             <a:off x="685800" y="4400640"/>
-            <a:ext cx="5485320" cy="3599280"/>
+            <a:ext cx="5484960" cy="3598920"/>
           </a:xfrm>
           <a:prstGeom prst="rect">
             <a:avLst/>
@@ -551,7 +551,7 @@
         <p:spPr>
           <a:xfrm>
             <a:off x="3884760" y="8685360"/>
-            <a:ext cx="2970720" cy="457560"/>
+            <a:ext cx="2970360" cy="457200"/>
           </a:xfrm>
           <a:prstGeom prst="rect">
             <a:avLst/>
@@ -575,7 +575,7 @@
                 <a:spcPct val="100000"/>
               </a:lnSpc>
             </a:pPr>
-            <a:fld id="{FF6EC91D-305A-43DF-AF37-DA12052FC547}" type="slidenum">
+            <a:fld id="{4C8A3F93-C0A1-4CD6-97B1-F9455FC19879}" type="slidenum">
               <a:rPr lang="fr-FR" sz="1200" strike="noStrike">
                 <a:solidFill>
                   <a:srgbClr val="000000"/>
@@ -624,7 +624,7 @@
         <p:spPr>
           <a:xfrm>
             <a:off x="685800" y="4400640"/>
-            <a:ext cx="5485320" cy="3599280"/>
+            <a:ext cx="5484960" cy="3598920"/>
           </a:xfrm>
           <a:prstGeom prst="rect">
             <a:avLst/>
@@ -646,7 +646,7 @@
         <p:spPr>
           <a:xfrm>
             <a:off x="3884760" y="8685360"/>
-            <a:ext cx="2970720" cy="457560"/>
+            <a:ext cx="2970360" cy="457200"/>
           </a:xfrm>
           <a:prstGeom prst="rect">
             <a:avLst/>
@@ -670,7 +670,7 @@
                 <a:spcPct val="100000"/>
               </a:lnSpc>
             </a:pPr>
-            <a:fld id="{764D30CF-70BA-4FB1-A218-2F6A1D1C5AD7}" type="slidenum">
+            <a:fld id="{8908D660-96B9-4DC9-842A-77CD89A6B127}" type="slidenum">
               <a:rPr lang="fr-FR" sz="1200" strike="noStrike">
                 <a:solidFill>
                   <a:srgbClr val="000000"/>
@@ -719,7 +719,7 @@
         <p:spPr>
           <a:xfrm>
             <a:off x="685800" y="4400640"/>
-            <a:ext cx="5485320" cy="3599280"/>
+            <a:ext cx="5484960" cy="3598920"/>
           </a:xfrm>
           <a:prstGeom prst="rect">
             <a:avLst/>
@@ -741,7 +741,7 @@
         <p:spPr>
           <a:xfrm>
             <a:off x="3884760" y="8685360"/>
-            <a:ext cx="2970720" cy="457560"/>
+            <a:ext cx="2970360" cy="457200"/>
           </a:xfrm>
           <a:prstGeom prst="rect">
             <a:avLst/>
@@ -765,7 +765,7 @@
                 <a:spcPct val="100000"/>
               </a:lnSpc>
             </a:pPr>
-            <a:fld id="{D3CE3A7E-ED8F-4399-9572-0F0BAAFB0871}" type="slidenum">
+            <a:fld id="{8B6D4D0D-8F22-4796-8B40-2999C333D323}" type="slidenum">
               <a:rPr lang="fr-FR" sz="1200" strike="noStrike">
                 <a:solidFill>
                   <a:srgbClr val="000000"/>
@@ -814,7 +814,7 @@
         <p:spPr>
           <a:xfrm>
             <a:off x="685800" y="4400640"/>
-            <a:ext cx="5485320" cy="3599280"/>
+            <a:ext cx="5484960" cy="3598920"/>
           </a:xfrm>
           <a:prstGeom prst="rect">
             <a:avLst/>
@@ -836,7 +836,7 @@
         <p:spPr>
           <a:xfrm>
             <a:off x="3884760" y="8685360"/>
-            <a:ext cx="2970720" cy="457560"/>
+            <a:ext cx="2970360" cy="457200"/>
           </a:xfrm>
           <a:prstGeom prst="rect">
             <a:avLst/>
@@ -860,7 +860,7 @@
                 <a:spcPct val="100000"/>
               </a:lnSpc>
             </a:pPr>
-            <a:fld id="{4B75C629-1D85-40E2-8246-E77E956C0622}" type="slidenum">
+            <a:fld id="{E0B5F176-3F10-4EF5-A786-8BB4E3E809DF}" type="slidenum">
               <a:rPr lang="fr-FR" sz="1200" strike="noStrike">
                 <a:solidFill>
                   <a:srgbClr val="000000"/>
@@ -909,7 +909,7 @@
         <p:spPr>
           <a:xfrm>
             <a:off x="685800" y="4400640"/>
-            <a:ext cx="5485320" cy="3599280"/>
+            <a:ext cx="5484960" cy="3598920"/>
           </a:xfrm>
           <a:prstGeom prst="rect">
             <a:avLst/>
@@ -931,7 +931,7 @@
         <p:spPr>
           <a:xfrm>
             <a:off x="3884760" y="8685360"/>
-            <a:ext cx="2970720" cy="457560"/>
+            <a:ext cx="2970360" cy="457200"/>
           </a:xfrm>
           <a:prstGeom prst="rect">
             <a:avLst/>
@@ -955,7 +955,7 @@
                 <a:spcPct val="100000"/>
               </a:lnSpc>
             </a:pPr>
-            <a:fld id="{54429434-9DE1-4FB6-9312-9FECEF0FAC74}" type="slidenum">
+            <a:fld id="{2FE7662C-639E-4DBB-A512-3D7565067B91}" type="slidenum">
               <a:rPr lang="fr-FR" sz="1200" strike="noStrike">
                 <a:solidFill>
                   <a:srgbClr val="000000"/>
@@ -1004,7 +1004,7 @@
         <p:spPr>
           <a:xfrm>
             <a:off x="685800" y="4400640"/>
-            <a:ext cx="5485320" cy="3599280"/>
+            <a:ext cx="5484960" cy="3598920"/>
           </a:xfrm>
           <a:prstGeom prst="rect">
             <a:avLst/>
@@ -1026,7 +1026,7 @@
         <p:spPr>
           <a:xfrm>
             <a:off x="3884760" y="8685360"/>
-            <a:ext cx="2970720" cy="457560"/>
+            <a:ext cx="2970360" cy="457200"/>
           </a:xfrm>
           <a:prstGeom prst="rect">
             <a:avLst/>
@@ -1050,7 +1050,7 @@
                 <a:spcPct val="100000"/>
               </a:lnSpc>
             </a:pPr>
-            <a:fld id="{D1CC7174-63A9-45C8-A594-81087AF91350}" type="slidenum">
+            <a:fld id="{C98C9A29-CDFD-4283-8A73-7854233D0CA5}" type="slidenum">
               <a:rPr lang="fr-FR" sz="1200" strike="noStrike">
                 <a:solidFill>
                   <a:srgbClr val="000000"/>
@@ -1099,7 +1099,7 @@
         <p:spPr>
           <a:xfrm>
             <a:off x="685800" y="4400640"/>
-            <a:ext cx="5485320" cy="3599280"/>
+            <a:ext cx="5484960" cy="3598920"/>
           </a:xfrm>
           <a:prstGeom prst="rect">
             <a:avLst/>
@@ -1121,7 +1121,7 @@
         <p:spPr>
           <a:xfrm>
             <a:off x="3884760" y="8685360"/>
-            <a:ext cx="2970720" cy="457560"/>
+            <a:ext cx="2970360" cy="457200"/>
           </a:xfrm>
           <a:prstGeom prst="rect">
             <a:avLst/>
@@ -1145,7 +1145,7 @@
                 <a:spcPct val="100000"/>
               </a:lnSpc>
             </a:pPr>
-            <a:fld id="{B6EFA77B-9F1B-4359-BD2A-EDDD2B1A81E8}" type="slidenum">
+            <a:fld id="{3469D95A-C4E1-4DB5-A342-451E8A8E6678}" type="slidenum">
               <a:rPr lang="fr-FR" sz="1200" strike="noStrike">
                 <a:solidFill>
                   <a:srgbClr val="000000"/>
@@ -4659,7 +4659,7 @@
         <p:spPr>
           <a:xfrm>
             <a:off x="0" y="6400800"/>
-            <a:ext cx="12191040" cy="456120"/>
+            <a:ext cx="12190680" cy="455760"/>
           </a:xfrm>
           <a:prstGeom prst="rect">
             <a:avLst/>
@@ -4695,7 +4695,7 @@
         <p:spPr>
           <a:xfrm>
             <a:off x="0" y="6334200"/>
-            <a:ext cx="12191040" cy="64800"/>
+            <a:ext cx="12190680" cy="64440"/>
           </a:xfrm>
           <a:prstGeom prst="rect">
             <a:avLst/>
@@ -4756,7 +4756,7 @@
         <p:spPr>
           <a:xfrm>
             <a:off x="3240" y="6400800"/>
-            <a:ext cx="12187800" cy="456120"/>
+            <a:ext cx="12187440" cy="455760"/>
           </a:xfrm>
           <a:prstGeom prst="rect">
             <a:avLst/>
@@ -4792,7 +4792,7 @@
         <p:spPr>
           <a:xfrm>
             <a:off x="0" y="6334200"/>
-            <a:ext cx="12187800" cy="63000"/>
+            <a:ext cx="12187440" cy="62640"/>
           </a:xfrm>
           <a:prstGeom prst="rect">
             <a:avLst/>
@@ -4857,7 +4857,7 @@
         <p:spPr>
           <a:xfrm>
             <a:off x="609480" y="273600"/>
-            <a:ext cx="10972080" cy="1144440"/>
+            <a:ext cx="10972440" cy="1144800"/>
           </a:xfrm>
           <a:prstGeom prst="rect">
             <a:avLst/>
@@ -4866,8 +4866,9 @@
         <p:txBody>
           <a:bodyPr lIns="0" rIns="0" tIns="0" bIns="0" anchor="ctr"/>
           <a:p>
-            <a:r>
-              <a:rPr lang="fr-FR">
+            <a:pPr algn="ctr"/>
+            <a:r>
+              <a:rPr lang="fr-FR" sz="4400">
                 <a:latin typeface="Arial"/>
               </a:rPr>
               <a:t>Click to edit the title text format</a:t>
@@ -4889,7 +4890,7 @@
         <p:spPr>
           <a:xfrm>
             <a:off x="609480" y="1604520"/>
-            <a:ext cx="10972080" cy="3976920"/>
+            <a:ext cx="10972440" cy="3977280"/>
           </a:xfrm>
           <a:prstGeom prst="rect">
             <a:avLst/>
@@ -4904,7 +4905,7 @@
               <a:buChar char=""/>
             </a:pPr>
             <a:r>
-              <a:rPr lang="fr-FR">
+              <a:rPr lang="fr-FR" sz="3200">
                 <a:latin typeface="Arial"/>
               </a:rPr>
               <a:t>Click to edit the outline text format</a:t>
@@ -4918,7 +4919,7 @@
               <a:buChar char=""/>
             </a:pPr>
             <a:r>
-              <a:rPr lang="fr-FR">
+              <a:rPr lang="fr-FR" sz="2800">
                 <a:latin typeface="Arial"/>
               </a:rPr>
               <a:t>Second Outline Level</a:t>
@@ -4932,7 +4933,7 @@
               <a:buChar char=""/>
             </a:pPr>
             <a:r>
-              <a:rPr lang="fr-FR">
+              <a:rPr lang="fr-FR" sz="2400">
                 <a:latin typeface="Arial"/>
               </a:rPr>
               <a:t>Third Outline Level</a:t>
@@ -4946,7 +4947,7 @@
               <a:buChar char=""/>
             </a:pPr>
             <a:r>
-              <a:rPr lang="fr-FR">
+              <a:rPr lang="fr-FR" sz="2000">
                 <a:latin typeface="Arial"/>
               </a:rPr>
               <a:t>Fourth Outline Level</a:t>
@@ -4960,7 +4961,7 @@
               <a:buChar char=""/>
             </a:pPr>
             <a:r>
-              <a:rPr lang="fr-FR">
+              <a:rPr lang="fr-FR" sz="2000">
                 <a:latin typeface="Arial"/>
               </a:rPr>
               <a:t>Fifth Outline Level</a:t>
@@ -4974,7 +4975,7 @@
               <a:buChar char=""/>
             </a:pPr>
             <a:r>
-              <a:rPr lang="fr-FR">
+              <a:rPr lang="fr-FR" sz="2000">
                 <a:latin typeface="Arial"/>
               </a:rPr>
               <a:t>Sixth Outline Level</a:t>
@@ -4988,7 +4989,7 @@
               <a:buChar char=""/>
             </a:pPr>
             <a:r>
-              <a:rPr lang="fr-FR">
+              <a:rPr lang="fr-FR" sz="2000">
                 <a:latin typeface="Arial"/>
               </a:rPr>
               <a:t>Seventh Outline Level</a:t>
@@ -5050,7 +5051,7 @@
         <p:spPr>
           <a:xfrm>
             <a:off x="0" y="6400800"/>
-            <a:ext cx="12191040" cy="456120"/>
+            <a:ext cx="12190680" cy="455760"/>
           </a:xfrm>
           <a:prstGeom prst="rect">
             <a:avLst/>
@@ -5086,7 +5087,7 @@
         <p:spPr>
           <a:xfrm>
             <a:off x="0" y="6334200"/>
-            <a:ext cx="12191040" cy="64800"/>
+            <a:ext cx="12190680" cy="64440"/>
           </a:xfrm>
           <a:prstGeom prst="rect">
             <a:avLst/>
@@ -5345,7 +5346,7 @@
         <p:spPr>
           <a:xfrm>
             <a:off x="0" y="6400800"/>
-            <a:ext cx="12191040" cy="456120"/>
+            <a:ext cx="12190680" cy="455760"/>
           </a:xfrm>
           <a:prstGeom prst="rect">
             <a:avLst/>
@@ -5381,7 +5382,7 @@
         <p:spPr>
           <a:xfrm>
             <a:off x="0" y="6334200"/>
-            <a:ext cx="12191040" cy="64800"/>
+            <a:ext cx="12190680" cy="64440"/>
           </a:xfrm>
           <a:prstGeom prst="rect">
             <a:avLst/>
@@ -5633,7 +5634,7 @@
         <p:spPr>
           <a:xfrm>
             <a:off x="1097280" y="758880"/>
-            <a:ext cx="10057320" cy="3565080"/>
+            <a:ext cx="10056960" cy="3564720"/>
           </a:xfrm>
           <a:prstGeom prst="rect">
             <a:avLst/>
@@ -5680,7 +5681,7 @@
         <p:spPr>
           <a:xfrm>
             <a:off x="1100160" y="4455720"/>
-            <a:ext cx="10057320" cy="1141920"/>
+            <a:ext cx="10056960" cy="1141560"/>
           </a:xfrm>
           <a:prstGeom prst="rect">
             <a:avLst/>
@@ -5724,6 +5725,32 @@
             </a:pPr>
             <a:endParaRPr/>
           </a:p>
+          <a:p>
+            <a:pPr>
+              <a:lnSpc>
+                <a:spcPct val="100000"/>
+              </a:lnSpc>
+            </a:pPr>
+            <a:r>
+              <a:rPr lang="fr-FR" sz="2400" strike="noStrike">
+                <a:solidFill>
+                  <a:srgbClr val="775f55"/>
+                </a:solidFill>
+                <a:latin typeface="Calibri Light"/>
+                <a:ea typeface="DejaVu Sans"/>
+              </a:rPr>
+              <a:t>https://github.com/zeuhl/Shellcoding.git</a:t>
+            </a:r>
+            <a:endParaRPr/>
+          </a:p>
+          <a:p>
+            <a:pPr>
+              <a:lnSpc>
+                <a:spcPct val="100000"/>
+              </a:lnSpc>
+            </a:pPr>
+            <a:endParaRPr/>
+          </a:p>
         </p:txBody>
       </p:sp>
       <p:sp>
@@ -5735,7 +5762,7 @@
         <p:spPr>
           <a:xfrm>
             <a:off x="0" y="0"/>
-            <a:ext cx="10057320" cy="1141920"/>
+            <a:ext cx="10056960" cy="1141560"/>
           </a:xfrm>
           <a:prstGeom prst="rect">
             <a:avLst/>
@@ -5839,7 +5866,7 @@
         <p:spPr>
           <a:xfrm>
             <a:off x="3686040" y="6459840"/>
-            <a:ext cx="4821840" cy="363960"/>
+            <a:ext cx="4821480" cy="363600"/>
           </a:xfrm>
           <a:prstGeom prst="rect">
             <a:avLst/>
@@ -5886,7 +5913,7 @@
         <p:spPr>
           <a:xfrm>
             <a:off x="9900360" y="6459840"/>
-            <a:ext cx="1311120" cy="363960"/>
+            <a:ext cx="1310760" cy="363600"/>
           </a:xfrm>
           <a:prstGeom prst="rect">
             <a:avLst/>
@@ -5910,7 +5937,7 @@
                 <a:spcPct val="100000"/>
               </a:lnSpc>
             </a:pPr>
-            <a:fld id="{F85B7077-5212-41C0-ACA5-67CF1F4D756C}" type="slidenum">
+            <a:fld id="{31107594-D253-416F-A96E-3D07BE27F109}" type="slidenum">
               <a:rPr lang="fr-FR" sz="1050" strike="noStrike">
                 <a:solidFill>
                   <a:srgbClr val="ffffff"/>
@@ -5937,7 +5964,7 @@
         <p:spPr>
           <a:xfrm>
             <a:off x="432000" y="216000"/>
-            <a:ext cx="6623280" cy="6017760"/>
+            <a:ext cx="6622920" cy="6017400"/>
           </a:xfrm>
           <a:prstGeom prst="rect">
             <a:avLst/>
@@ -5956,7 +5983,7 @@
         <p:spPr>
           <a:xfrm>
             <a:off x="6948000" y="1253880"/>
-            <a:ext cx="4643280" cy="1001160"/>
+            <a:ext cx="4642920" cy="1000800"/>
           </a:xfrm>
           <a:prstGeom prst="rect">
             <a:avLst/>
@@ -6047,7 +6074,7 @@
         <p:spPr>
           <a:xfrm>
             <a:off x="1097280" y="286560"/>
-            <a:ext cx="10057320" cy="1449720"/>
+            <a:ext cx="10056960" cy="1449360"/>
           </a:xfrm>
           <a:prstGeom prst="rect">
             <a:avLst/>
@@ -6094,7 +6121,7 @@
         <p:spPr>
           <a:xfrm>
             <a:off x="1097280" y="1845720"/>
-            <a:ext cx="10057320" cy="4022280"/>
+            <a:ext cx="10056960" cy="4021920"/>
           </a:xfrm>
           <a:prstGeom prst="rect">
             <a:avLst/>
@@ -6308,7 +6335,7 @@
         <p:spPr>
           <a:xfrm>
             <a:off x="3686040" y="6459840"/>
-            <a:ext cx="4821840" cy="363960"/>
+            <a:ext cx="4821480" cy="363600"/>
           </a:xfrm>
           <a:prstGeom prst="rect">
             <a:avLst/>
@@ -6355,7 +6382,7 @@
         <p:spPr>
           <a:xfrm>
             <a:off x="9900360" y="6459840"/>
-            <a:ext cx="1311120" cy="363960"/>
+            <a:ext cx="1310760" cy="363600"/>
           </a:xfrm>
           <a:prstGeom prst="rect">
             <a:avLst/>
@@ -6379,7 +6406,7 @@
                 <a:spcPct val="100000"/>
               </a:lnSpc>
             </a:pPr>
-            <a:fld id="{482E42D7-CDD1-4549-B644-031C24118065}" type="slidenum">
+            <a:fld id="{36897F60-4711-4C3C-B22B-846D5D3B7746}" type="slidenum">
               <a:rPr lang="fr-FR" sz="1050" strike="noStrike">
                 <a:solidFill>
                   <a:srgbClr val="ffffff"/>
@@ -6406,7 +6433,7 @@
         <p:spPr>
           <a:xfrm>
             <a:off x="1348200" y="3240000"/>
-            <a:ext cx="9883440" cy="895320"/>
+            <a:ext cx="9883080" cy="894960"/>
           </a:xfrm>
           <a:prstGeom prst="rect">
             <a:avLst/>
@@ -6474,7 +6501,7 @@
         <p:spPr>
           <a:xfrm>
             <a:off x="1097280" y="286560"/>
-            <a:ext cx="10057320" cy="1449720"/>
+            <a:ext cx="10056960" cy="1449360"/>
           </a:xfrm>
           <a:prstGeom prst="rect">
             <a:avLst/>
@@ -6521,7 +6548,7 @@
         <p:spPr>
           <a:xfrm>
             <a:off x="1097280" y="1845720"/>
-            <a:ext cx="10057320" cy="4022280"/>
+            <a:ext cx="10056960" cy="4021920"/>
           </a:xfrm>
           <a:prstGeom prst="rect">
             <a:avLst/>
@@ -6827,7 +6854,7 @@
         <p:spPr>
           <a:xfrm>
             <a:off x="3686040" y="6459840"/>
-            <a:ext cx="4821840" cy="363960"/>
+            <a:ext cx="4821480" cy="363600"/>
           </a:xfrm>
           <a:prstGeom prst="rect">
             <a:avLst/>
@@ -6874,7 +6901,7 @@
         <p:spPr>
           <a:xfrm>
             <a:off x="9900360" y="6459840"/>
-            <a:ext cx="1311120" cy="363960"/>
+            <a:ext cx="1310760" cy="363600"/>
           </a:xfrm>
           <a:prstGeom prst="rect">
             <a:avLst/>
@@ -6898,7 +6925,7 @@
                 <a:spcPct val="100000"/>
               </a:lnSpc>
             </a:pPr>
-            <a:fld id="{91DF65AC-B5D0-42F8-859D-A960D6E13CF5}" type="slidenum">
+            <a:fld id="{D0755273-29A1-4601-AA33-0856EBEF057C}" type="slidenum">
               <a:rPr lang="fr-FR" sz="1050" strike="noStrike">
                 <a:solidFill>
                   <a:srgbClr val="ffffff"/>
@@ -6921,7 +6948,7 @@
         <p:spPr>
           <a:xfrm>
             <a:off x="5364000" y="3924000"/>
-            <a:ext cx="6359400" cy="601560"/>
+            <a:ext cx="6359040" cy="601200"/>
           </a:xfrm>
           <a:prstGeom prst="rect">
             <a:avLst/>
@@ -7012,7 +7039,7 @@
         <p:spPr>
           <a:xfrm>
             <a:off x="1097280" y="286560"/>
-            <a:ext cx="10057320" cy="1449720"/>
+            <a:ext cx="10056960" cy="1449360"/>
           </a:xfrm>
           <a:prstGeom prst="rect">
             <a:avLst/>
@@ -7059,7 +7086,7 @@
         <p:spPr>
           <a:xfrm>
             <a:off x="1097280" y="1485720"/>
-            <a:ext cx="10057320" cy="4022280"/>
+            <a:ext cx="10056960" cy="4021920"/>
           </a:xfrm>
           <a:prstGeom prst="rect">
             <a:avLst/>
@@ -7568,7 +7595,7 @@
         <p:spPr>
           <a:xfrm>
             <a:off x="3686040" y="6459840"/>
-            <a:ext cx="4821840" cy="363960"/>
+            <a:ext cx="4821480" cy="363600"/>
           </a:xfrm>
           <a:prstGeom prst="rect">
             <a:avLst/>
@@ -7615,7 +7642,7 @@
         <p:spPr>
           <a:xfrm>
             <a:off x="9900360" y="6459840"/>
-            <a:ext cx="1311120" cy="363960"/>
+            <a:ext cx="1310760" cy="363600"/>
           </a:xfrm>
           <a:prstGeom prst="rect">
             <a:avLst/>
@@ -7639,7 +7666,7 @@
                 <a:spcPct val="100000"/>
               </a:lnSpc>
             </a:pPr>
-            <a:fld id="{CF6079E1-3B18-4B9F-8EF0-1A12756B6CDA}" type="slidenum">
+            <a:fld id="{E5684196-4055-4872-9BA8-CCC39F067849}" type="slidenum">
               <a:rPr lang="fr-FR" sz="1050" strike="noStrike">
                 <a:solidFill>
                   <a:srgbClr val="ffffff"/>
@@ -7711,7 +7738,7 @@
         <p:spPr>
           <a:xfrm>
             <a:off x="1097280" y="286560"/>
-            <a:ext cx="10057320" cy="1449720"/>
+            <a:ext cx="10056960" cy="1449360"/>
           </a:xfrm>
           <a:prstGeom prst="rect">
             <a:avLst/>
@@ -7758,7 +7785,7 @@
         <p:spPr>
           <a:xfrm>
             <a:off x="1097280" y="1845720"/>
-            <a:ext cx="10057320" cy="4022280"/>
+            <a:ext cx="10056960" cy="4021920"/>
           </a:xfrm>
           <a:prstGeom prst="rect">
             <a:avLst/>
@@ -7955,7 +7982,7 @@
         <p:spPr>
           <a:xfrm>
             <a:off x="3686040" y="6459840"/>
-            <a:ext cx="4821840" cy="363960"/>
+            <a:ext cx="4821480" cy="363600"/>
           </a:xfrm>
           <a:prstGeom prst="rect">
             <a:avLst/>
@@ -8002,7 +8029,7 @@
         <p:spPr>
           <a:xfrm>
             <a:off x="9900360" y="6459840"/>
-            <a:ext cx="1311120" cy="363960"/>
+            <a:ext cx="1310760" cy="363600"/>
           </a:xfrm>
           <a:prstGeom prst="rect">
             <a:avLst/>
@@ -8026,7 +8053,7 @@
                 <a:spcPct val="100000"/>
               </a:lnSpc>
             </a:pPr>
-            <a:fld id="{B2BA17DA-7595-4CDE-B407-BCE587EE6B3E}" type="slidenum">
+            <a:fld id="{D5B96944-2D7E-46EF-8543-77D1AD37044C}" type="slidenum">
               <a:rPr lang="fr-FR" sz="1050" strike="noStrike">
                 <a:solidFill>
                   <a:srgbClr val="ffffff"/>
@@ -8098,7 +8125,7 @@
         <p:spPr>
           <a:xfrm>
             <a:off x="1097280" y="286560"/>
-            <a:ext cx="10057320" cy="1449720"/>
+            <a:ext cx="10056960" cy="1449360"/>
           </a:xfrm>
           <a:prstGeom prst="rect">
             <a:avLst/>
@@ -8145,7 +8172,7 @@
         <p:spPr>
           <a:xfrm>
             <a:off x="1097280" y="1845720"/>
-            <a:ext cx="10057320" cy="4022280"/>
+            <a:ext cx="10056960" cy="4021920"/>
           </a:xfrm>
           <a:prstGeom prst="rect">
             <a:avLst/>
@@ -8384,7 +8411,7 @@
         <p:spPr>
           <a:xfrm>
             <a:off x="3686040" y="6459840"/>
-            <a:ext cx="4821840" cy="363960"/>
+            <a:ext cx="4821480" cy="363600"/>
           </a:xfrm>
           <a:prstGeom prst="rect">
             <a:avLst/>
@@ -8431,7 +8458,7 @@
         <p:spPr>
           <a:xfrm>
             <a:off x="9900360" y="6459840"/>
-            <a:ext cx="1311120" cy="363960"/>
+            <a:ext cx="1310760" cy="363600"/>
           </a:xfrm>
           <a:prstGeom prst="rect">
             <a:avLst/>
@@ -8455,7 +8482,7 @@
                 <a:spcPct val="100000"/>
               </a:lnSpc>
             </a:pPr>
-            <a:fld id="{A6969F23-F834-4D62-9287-C1815B533650}" type="slidenum">
+            <a:fld id="{9B1B0BBB-F18F-4A8A-BFB4-224B1D4EA6AF}" type="slidenum">
               <a:rPr lang="fr-FR" sz="1050" strike="noStrike">
                 <a:solidFill>
                   <a:srgbClr val="ffffff"/>
@@ -8527,7 +8554,7 @@
         <p:spPr>
           <a:xfrm>
             <a:off x="1097280" y="286560"/>
-            <a:ext cx="10057320" cy="1449720"/>
+            <a:ext cx="10056960" cy="1449360"/>
           </a:xfrm>
           <a:prstGeom prst="rect">
             <a:avLst/>
@@ -8574,7 +8601,7 @@
         <p:spPr>
           <a:xfrm>
             <a:off x="1097280" y="1845720"/>
-            <a:ext cx="10057320" cy="4022280"/>
+            <a:ext cx="10056960" cy="4021920"/>
           </a:xfrm>
           <a:prstGeom prst="rect">
             <a:avLst/>
@@ -8805,7 +8832,7 @@
         <p:spPr>
           <a:xfrm>
             <a:off x="3686040" y="6459840"/>
-            <a:ext cx="4821840" cy="363960"/>
+            <a:ext cx="4821480" cy="363600"/>
           </a:xfrm>
           <a:prstGeom prst="rect">
             <a:avLst/>
@@ -8852,7 +8879,7 @@
         <p:spPr>
           <a:xfrm>
             <a:off x="9900360" y="6459840"/>
-            <a:ext cx="1311120" cy="363960"/>
+            <a:ext cx="1310760" cy="363600"/>
           </a:xfrm>
           <a:prstGeom prst="rect">
             <a:avLst/>
@@ -8876,7 +8903,7 @@
                 <a:spcPct val="100000"/>
               </a:lnSpc>
             </a:pPr>
-            <a:fld id="{875AF021-FACC-4122-9979-E5A9685863BB}" type="slidenum">
+            <a:fld id="{EE9929E6-E833-41C5-A5A4-A7B463E44DEE}" type="slidenum">
               <a:rPr lang="fr-FR" sz="1050" strike="noStrike">
                 <a:solidFill>
                   <a:srgbClr val="ffffff"/>
@@ -8948,7 +8975,7 @@
         <p:spPr>
           <a:xfrm>
             <a:off x="1097280" y="286560"/>
-            <a:ext cx="10057320" cy="1449720"/>
+            <a:ext cx="10056960" cy="1449360"/>
           </a:xfrm>
           <a:prstGeom prst="rect">
             <a:avLst/>
@@ -8995,7 +9022,7 @@
         <p:spPr>
           <a:xfrm>
             <a:off x="1097280" y="1845720"/>
-            <a:ext cx="10057320" cy="4022280"/>
+            <a:ext cx="10056960" cy="4021920"/>
           </a:xfrm>
           <a:prstGeom prst="rect">
             <a:avLst/>
@@ -9250,7 +9277,7 @@
         <p:spPr>
           <a:xfrm>
             <a:off x="3686040" y="6459840"/>
-            <a:ext cx="4821840" cy="363960"/>
+            <a:ext cx="4821480" cy="363600"/>
           </a:xfrm>
           <a:prstGeom prst="rect">
             <a:avLst/>
@@ -9297,7 +9324,7 @@
         <p:spPr>
           <a:xfrm>
             <a:off x="9900360" y="6459840"/>
-            <a:ext cx="1311120" cy="363960"/>
+            <a:ext cx="1310760" cy="363600"/>
           </a:xfrm>
           <a:prstGeom prst="rect">
             <a:avLst/>
@@ -9321,7 +9348,7 @@
                 <a:spcPct val="100000"/>
               </a:lnSpc>
             </a:pPr>
-            <a:fld id="{A9BB4CDE-5604-4147-8523-EF36DFAB3895}" type="slidenum">
+            <a:fld id="{1754A73A-348F-4605-96F6-8A6E46C46061}" type="slidenum">
               <a:rPr lang="fr-FR" sz="1050" strike="noStrike">
                 <a:solidFill>
                   <a:srgbClr val="ffffff"/>
@@ -9393,7 +9420,7 @@
         <p:spPr>
           <a:xfrm>
             <a:off x="1097280" y="286560"/>
-            <a:ext cx="10057320" cy="1449720"/>
+            <a:ext cx="10056960" cy="1449360"/>
           </a:xfrm>
           <a:prstGeom prst="rect">
             <a:avLst/>
@@ -9440,7 +9467,7 @@
         <p:spPr>
           <a:xfrm>
             <a:off x="1097280" y="1845720"/>
-            <a:ext cx="10057320" cy="4022280"/>
+            <a:ext cx="10056960" cy="4021920"/>
           </a:xfrm>
           <a:prstGeom prst="rect">
             <a:avLst/>
@@ -9717,7 +9744,7 @@
         <p:spPr>
           <a:xfrm>
             <a:off x="3686040" y="6459840"/>
-            <a:ext cx="4821840" cy="363960"/>
+            <a:ext cx="4821480" cy="363600"/>
           </a:xfrm>
           <a:prstGeom prst="rect">
             <a:avLst/>
@@ -9764,7 +9791,7 @@
         <p:spPr>
           <a:xfrm>
             <a:off x="9900360" y="6459840"/>
-            <a:ext cx="1311120" cy="363960"/>
+            <a:ext cx="1310760" cy="363600"/>
           </a:xfrm>
           <a:prstGeom prst="rect">
             <a:avLst/>
@@ -9788,7 +9815,7 @@
                 <a:spcPct val="100000"/>
               </a:lnSpc>
             </a:pPr>
-            <a:fld id="{57E80FD1-BD23-40EE-9B74-743D74A615A7}" type="slidenum">
+            <a:fld id="{9C161361-E755-49C1-9DC5-394C2AC0B110}" type="slidenum">
               <a:rPr lang="fr-FR" sz="1050" strike="noStrike">
                 <a:solidFill>
                   <a:srgbClr val="ffffff"/>
@@ -9860,7 +9887,7 @@
         <p:spPr>
           <a:xfrm>
             <a:off x="1097280" y="286560"/>
-            <a:ext cx="10057320" cy="1449720"/>
+            <a:ext cx="10056960" cy="1449360"/>
           </a:xfrm>
           <a:prstGeom prst="rect">
             <a:avLst/>
@@ -9907,7 +9934,7 @@
         <p:spPr>
           <a:xfrm>
             <a:off x="1097280" y="1845720"/>
-            <a:ext cx="10057320" cy="4022280"/>
+            <a:ext cx="10056960" cy="4021920"/>
           </a:xfrm>
           <a:prstGeom prst="rect">
             <a:avLst/>
@@ -10044,7 +10071,7 @@
         <p:spPr>
           <a:xfrm>
             <a:off x="3686040" y="6459840"/>
-            <a:ext cx="4821840" cy="363960"/>
+            <a:ext cx="4821480" cy="363600"/>
           </a:xfrm>
           <a:prstGeom prst="rect">
             <a:avLst/>
@@ -10091,7 +10118,7 @@
         <p:spPr>
           <a:xfrm>
             <a:off x="9900360" y="6459840"/>
-            <a:ext cx="1311120" cy="363960"/>
+            <a:ext cx="1310760" cy="363600"/>
           </a:xfrm>
           <a:prstGeom prst="rect">
             <a:avLst/>
@@ -10115,7 +10142,7 @@
                 <a:spcPct val="100000"/>
               </a:lnSpc>
             </a:pPr>
-            <a:fld id="{BE053D6F-85B8-4626-99E0-44C3FA30D702}" type="slidenum">
+            <a:fld id="{BD4B8DE0-685E-4C46-ACA8-E44D36843155}" type="slidenum">
               <a:rPr lang="fr-FR" sz="1050" strike="noStrike">
                 <a:solidFill>
                   <a:srgbClr val="ffffff"/>
@@ -10142,7 +10169,7 @@
         <p:spPr>
           <a:xfrm>
             <a:off x="1514520" y="3692520"/>
-            <a:ext cx="2084760" cy="2570760"/>
+            <a:ext cx="2084400" cy="2570400"/>
           </a:xfrm>
           <a:prstGeom prst="rect">
             <a:avLst/>
@@ -10183,7 +10210,7 @@
         <p:spPr>
           <a:xfrm>
             <a:off x="5688000" y="5904000"/>
-            <a:ext cx="5543280" cy="289440"/>
+            <a:ext cx="5542920" cy="289080"/>
           </a:xfrm>
           <a:prstGeom prst="rect">
             <a:avLst/>
@@ -10247,7 +10274,7 @@
         <p:spPr>
           <a:xfrm>
             <a:off x="5688000" y="5724000"/>
-            <a:ext cx="5543280" cy="289440"/>
+            <a:ext cx="5542920" cy="289080"/>
           </a:xfrm>
           <a:prstGeom prst="rect">
             <a:avLst/>
@@ -10289,7 +10316,7 @@
         <p:spPr>
           <a:xfrm>
             <a:off x="3456000" y="4464000"/>
-            <a:ext cx="503280" cy="1295280"/>
+            <a:ext cx="502920" cy="1294920"/>
           </a:xfrm>
           <a:prstGeom prst="rightBrace">
             <a:avLst>
@@ -10320,7 +10347,7 @@
         <p:spPr>
           <a:xfrm>
             <a:off x="3996000" y="4932000"/>
-            <a:ext cx="5543280" cy="289440"/>
+            <a:ext cx="5542920" cy="289080"/>
           </a:xfrm>
           <a:prstGeom prst="rect">
             <a:avLst/>
@@ -10362,7 +10389,7 @@
         <p:spPr>
           <a:xfrm>
             <a:off x="3456000" y="3744000"/>
-            <a:ext cx="647280" cy="719280"/>
+            <a:ext cx="646920" cy="718920"/>
           </a:xfrm>
           <a:prstGeom prst="rightBrace">
             <a:avLst>
@@ -10393,7 +10420,7 @@
         <p:spPr>
           <a:xfrm>
             <a:off x="4176000" y="3960000"/>
-            <a:ext cx="5543280" cy="289440"/>
+            <a:ext cx="5542920" cy="289080"/>
           </a:xfrm>
           <a:prstGeom prst="rect">
             <a:avLst/>
@@ -10484,7 +10511,7 @@
         <p:spPr>
           <a:xfrm>
             <a:off x="1097280" y="286560"/>
-            <a:ext cx="10057320" cy="1449720"/>
+            <a:ext cx="10056960" cy="1449360"/>
           </a:xfrm>
           <a:prstGeom prst="rect">
             <a:avLst/>
@@ -10531,7 +10558,7 @@
         <p:spPr>
           <a:xfrm>
             <a:off x="1102320" y="1872000"/>
-            <a:ext cx="10057320" cy="4022280"/>
+            <a:ext cx="10056960" cy="4021920"/>
           </a:xfrm>
           <a:prstGeom prst="rect">
             <a:avLst/>
@@ -10626,7 +10653,7 @@
         <p:spPr>
           <a:xfrm>
             <a:off x="3686040" y="6459840"/>
-            <a:ext cx="4821840" cy="363960"/>
+            <a:ext cx="4821480" cy="363600"/>
           </a:xfrm>
           <a:prstGeom prst="rect">
             <a:avLst/>
@@ -10673,7 +10700,7 @@
         <p:spPr>
           <a:xfrm>
             <a:off x="9900360" y="6459840"/>
-            <a:ext cx="1311120" cy="363960"/>
+            <a:ext cx="1310760" cy="363600"/>
           </a:xfrm>
           <a:prstGeom prst="rect">
             <a:avLst/>
@@ -10697,7 +10724,7 @@
                 <a:spcPct val="100000"/>
               </a:lnSpc>
             </a:pPr>
-            <a:fld id="{C22C7244-A4C6-48C1-A3AF-31438008FC83}" type="slidenum">
+            <a:fld id="{D9759B60-DA7D-4A1C-BF88-D66BC6D72F9A}" type="slidenum">
               <a:rPr lang="fr-FR" sz="1050" strike="noStrike">
                 <a:solidFill>
                   <a:srgbClr val="ffffff"/>
@@ -10724,7 +10751,7 @@
         <p:spPr>
           <a:xfrm>
             <a:off x="1411200" y="2801880"/>
-            <a:ext cx="7876080" cy="3066120"/>
+            <a:ext cx="7875720" cy="3065760"/>
           </a:xfrm>
           <a:prstGeom prst="rect">
             <a:avLst/>
@@ -10747,7 +10774,7 @@
         <p:spPr>
           <a:xfrm>
             <a:off x="4752000" y="2268000"/>
-            <a:ext cx="7307280" cy="1115280"/>
+            <a:ext cx="7306920" cy="1114920"/>
           </a:xfrm>
           <a:prstGeom prst="rect">
             <a:avLst/>
@@ -10815,7 +10842,7 @@
         <p:spPr>
           <a:xfrm>
             <a:off x="1097280" y="286560"/>
-            <a:ext cx="10057320" cy="1449720"/>
+            <a:ext cx="10056960" cy="1449360"/>
           </a:xfrm>
           <a:prstGeom prst="rect">
             <a:avLst/>
@@ -10862,7 +10889,7 @@
         <p:spPr>
           <a:xfrm>
             <a:off x="1097280" y="1845720"/>
-            <a:ext cx="10057320" cy="4022280"/>
+            <a:ext cx="10056960" cy="4021920"/>
           </a:xfrm>
           <a:prstGeom prst="rect">
             <a:avLst/>
@@ -11081,7 +11108,7 @@
         <p:spPr>
           <a:xfrm>
             <a:off x="3686040" y="6459840"/>
-            <a:ext cx="4821840" cy="363960"/>
+            <a:ext cx="4821480" cy="363600"/>
           </a:xfrm>
           <a:prstGeom prst="rect">
             <a:avLst/>
@@ -11128,7 +11155,7 @@
         <p:spPr>
           <a:xfrm>
             <a:off x="9900360" y="6459840"/>
-            <a:ext cx="1311120" cy="363960"/>
+            <a:ext cx="1310760" cy="363600"/>
           </a:xfrm>
           <a:prstGeom prst="rect">
             <a:avLst/>
@@ -11152,7 +11179,7 @@
                 <a:spcPct val="100000"/>
               </a:lnSpc>
             </a:pPr>
-            <a:fld id="{C78726D8-197A-4267-BC0D-C64213A19CC3}" type="slidenum">
+            <a:fld id="{79D79904-A3F2-4D7D-A828-3FEFB4092AF4}" type="slidenum">
               <a:rPr lang="fr-FR" sz="1050" strike="noStrike">
                 <a:solidFill>
                   <a:srgbClr val="ffffff"/>
@@ -11179,7 +11206,7 @@
         <p:spPr>
           <a:xfrm>
             <a:off x="144000" y="4176000"/>
-            <a:ext cx="11895480" cy="1665720"/>
+            <a:ext cx="11895120" cy="1665360"/>
           </a:xfrm>
           <a:prstGeom prst="rect">
             <a:avLst/>

--- a/shellcoding.pptx
+++ b/shellcoding.pptx
@@ -5,24 +5,27 @@
     <p:sldMasterId id="2147483648" r:id="rId2"/>
     <p:sldMasterId id="2147483661" r:id="rId3"/>
     <p:sldMasterId id="2147483674" r:id="rId4"/>
+    <p:sldMasterId id="2147483687" r:id="rId5"/>
   </p:sldMasterIdLst>
   <p:notesMasterIdLst>
-    <p:notesMasterId r:id="rId5"/>
+    <p:notesMasterId r:id="rId6"/>
   </p:notesMasterIdLst>
   <p:sldIdLst>
-    <p:sldId id="256" r:id="rId6"/>
-    <p:sldId id="257" r:id="rId7"/>
-    <p:sldId id="258" r:id="rId8"/>
-    <p:sldId id="259" r:id="rId9"/>
-    <p:sldId id="260" r:id="rId10"/>
-    <p:sldId id="261" r:id="rId11"/>
-    <p:sldId id="262" r:id="rId12"/>
-    <p:sldId id="263" r:id="rId13"/>
-    <p:sldId id="264" r:id="rId14"/>
-    <p:sldId id="265" r:id="rId15"/>
-    <p:sldId id="266" r:id="rId16"/>
-    <p:sldId id="267" r:id="rId17"/>
-    <p:sldId id="268" r:id="rId18"/>
+    <p:sldId id="256" r:id="rId7"/>
+    <p:sldId id="257" r:id="rId8"/>
+    <p:sldId id="258" r:id="rId9"/>
+    <p:sldId id="259" r:id="rId10"/>
+    <p:sldId id="260" r:id="rId11"/>
+    <p:sldId id="261" r:id="rId12"/>
+    <p:sldId id="262" r:id="rId13"/>
+    <p:sldId id="263" r:id="rId14"/>
+    <p:sldId id="264" r:id="rId15"/>
+    <p:sldId id="265" r:id="rId16"/>
+    <p:sldId id="266" r:id="rId17"/>
+    <p:sldId id="267" r:id="rId18"/>
+    <p:sldId id="268" r:id="rId19"/>
+    <p:sldId id="269" r:id="rId20"/>
+    <p:sldId id="270" r:id="rId21"/>
   </p:sldIdLst>
   <p:sldSz cx="12192000" cy="6858000"/>
   <p:notesSz cx="6858000" cy="9144000"/>
@@ -48,7 +51,7 @@
       </p:grpSpPr>
       <p:sp>
         <p:nvSpPr>
-          <p:cNvPr id="120" name="PlaceHolder 1"/>
+          <p:cNvPr id="162" name="PlaceHolder 1"/>
           <p:cNvSpPr>
             <a:spLocks noGrp="1"/>
           </p:cNvSpPr>
@@ -80,7 +83,7 @@
       </p:sp>
       <p:sp>
         <p:nvSpPr>
-          <p:cNvPr id="121" name="PlaceHolder 2"/>
+          <p:cNvPr id="163" name="PlaceHolder 2"/>
           <p:cNvSpPr>
             <a:spLocks noGrp="1"/>
           </p:cNvSpPr>
@@ -112,7 +115,7 @@
       </p:sp>
       <p:sp>
         <p:nvSpPr>
-          <p:cNvPr id="122" name="PlaceHolder 3"/>
+          <p:cNvPr id="164" name="PlaceHolder 3"/>
           <p:cNvSpPr>
             <a:spLocks noGrp="1"/>
           </p:cNvSpPr>
@@ -145,7 +148,7 @@
       </p:sp>
       <p:sp>
         <p:nvSpPr>
-          <p:cNvPr id="123" name="PlaceHolder 4"/>
+          <p:cNvPr id="165" name="PlaceHolder 4"/>
           <p:cNvSpPr>
             <a:spLocks noGrp="1"/>
           </p:cNvSpPr>
@@ -177,7 +180,7 @@
       </p:sp>
       <p:sp>
         <p:nvSpPr>
-          <p:cNvPr id="124" name="PlaceHolder 5"/>
+          <p:cNvPr id="166" name="PlaceHolder 5"/>
           <p:cNvSpPr>
             <a:spLocks noGrp="1"/>
           </p:cNvSpPr>
@@ -198,7 +201,7 @@
           <a:bodyPr lIns="0" rIns="0" tIns="0" bIns="0" anchor="b"/>
           <a:p>
             <a:pPr algn="r"/>
-            <a:fld id="{F76811F2-672C-4309-B554-3C72B36686D7}" type="slidenum">
+            <a:fld id="{4B8059ED-7201-4DB4-895B-97E524543B2E}" type="slidenum">
               <a:rPr lang="fr-FR" sz="1400">
                 <a:latin typeface="Times New Roman"/>
               </a:rPr>
@@ -233,7 +236,7 @@
       </p:grpSpPr>
       <p:sp>
         <p:nvSpPr>
-          <p:cNvPr id="204" name="PlaceHolder 1"/>
+          <p:cNvPr id="254" name="PlaceHolder 1"/>
           <p:cNvSpPr>
             <a:spLocks noGrp="1"/>
           </p:cNvSpPr>
@@ -244,7 +247,7 @@
         <p:spPr>
           <a:xfrm>
             <a:off x="685800" y="4400640"/>
-            <a:ext cx="5484960" cy="3598920"/>
+            <a:ext cx="5484600" cy="3598560"/>
           </a:xfrm>
           <a:prstGeom prst="rect">
             <a:avLst/>
@@ -259,14 +262,14 @@
       </p:sp>
       <p:sp>
         <p:nvSpPr>
-          <p:cNvPr id="205" name="CustomShape 2"/>
+          <p:cNvPr id="255" name="CustomShape 2"/>
           <p:cNvSpPr/>
           <p:nvPr/>
         </p:nvSpPr>
         <p:spPr>
           <a:xfrm>
             <a:off x="3884760" y="8685360"/>
-            <a:ext cx="2970360" cy="457200"/>
+            <a:ext cx="2970000" cy="456840"/>
           </a:xfrm>
           <a:prstGeom prst="rect">
             <a:avLst/>
@@ -290,7 +293,7 @@
                 <a:spcPct val="100000"/>
               </a:lnSpc>
             </a:pPr>
-            <a:fld id="{40477638-DD90-4646-8A2C-50BA4EFD4EB2}" type="slidenum">
+            <a:fld id="{1E24DC54-E24A-4E76-BD19-9D305448147F}" type="slidenum">
               <a:rPr lang="fr-FR" sz="1200" strike="noStrike">
                 <a:solidFill>
                   <a:srgbClr val="000000"/>
@@ -328,7 +331,7 @@
       </p:grpSpPr>
       <p:sp>
         <p:nvSpPr>
-          <p:cNvPr id="206" name="PlaceHolder 1"/>
+          <p:cNvPr id="256" name="PlaceHolder 1"/>
           <p:cNvSpPr>
             <a:spLocks noGrp="1"/>
           </p:cNvSpPr>
@@ -339,7 +342,7 @@
         <p:spPr>
           <a:xfrm>
             <a:off x="685800" y="4400640"/>
-            <a:ext cx="5484960" cy="3598920"/>
+            <a:ext cx="5484600" cy="3598560"/>
           </a:xfrm>
           <a:prstGeom prst="rect">
             <a:avLst/>
@@ -354,14 +357,14 @@
       </p:sp>
       <p:sp>
         <p:nvSpPr>
-          <p:cNvPr id="207" name="CustomShape 2"/>
+          <p:cNvPr id="257" name="CustomShape 2"/>
           <p:cNvSpPr/>
           <p:nvPr/>
         </p:nvSpPr>
         <p:spPr>
           <a:xfrm>
             <a:off x="3884760" y="8685360"/>
-            <a:ext cx="2970360" cy="457200"/>
+            <a:ext cx="2970000" cy="456840"/>
           </a:xfrm>
           <a:prstGeom prst="rect">
             <a:avLst/>
@@ -385,7 +388,7 @@
                 <a:spcPct val="100000"/>
               </a:lnSpc>
             </a:pPr>
-            <a:fld id="{8FF49886-A875-4DFA-BE03-3B572055BAE3}" type="slidenum">
+            <a:fld id="{D9335E97-9728-47CF-99C4-779425D6774F}" type="slidenum">
               <a:rPr lang="fr-FR" sz="1200" strike="noStrike">
                 <a:solidFill>
                   <a:srgbClr val="000000"/>
@@ -423,7 +426,7 @@
       </p:grpSpPr>
       <p:sp>
         <p:nvSpPr>
-          <p:cNvPr id="208" name="PlaceHolder 1"/>
+          <p:cNvPr id="258" name="PlaceHolder 1"/>
           <p:cNvSpPr>
             <a:spLocks noGrp="1"/>
           </p:cNvSpPr>
@@ -434,7 +437,7 @@
         <p:spPr>
           <a:xfrm>
             <a:off x="685800" y="4400640"/>
-            <a:ext cx="5484960" cy="3598920"/>
+            <a:ext cx="5484600" cy="3598560"/>
           </a:xfrm>
           <a:prstGeom prst="rect">
             <a:avLst/>
@@ -449,14 +452,14 @@
       </p:sp>
       <p:sp>
         <p:nvSpPr>
-          <p:cNvPr id="209" name="CustomShape 2"/>
+          <p:cNvPr id="259" name="CustomShape 2"/>
           <p:cNvSpPr/>
           <p:nvPr/>
         </p:nvSpPr>
         <p:spPr>
           <a:xfrm>
             <a:off x="3884760" y="8685360"/>
-            <a:ext cx="2970360" cy="457200"/>
+            <a:ext cx="2970000" cy="456840"/>
           </a:xfrm>
           <a:prstGeom prst="rect">
             <a:avLst/>
@@ -480,7 +483,197 @@
                 <a:spcPct val="100000"/>
               </a:lnSpc>
             </a:pPr>
-            <a:fld id="{84F6A98F-FCA0-4141-8B89-595A56A8FEF0}" type="slidenum">
+            <a:fld id="{0D526CC2-C825-4D2C-A923-B0E2D341F8B6}" type="slidenum">
+              <a:rPr lang="fr-FR" sz="1200" strike="noStrike">
+                <a:solidFill>
+                  <a:srgbClr val="000000"/>
+                </a:solidFill>
+                <a:latin typeface="+mn-lt"/>
+                <a:ea typeface="+mn-ea"/>
+              </a:rPr>
+              <a:t>&lt;number&gt;</a:t>
+            </a:fld>
+            <a:endParaRPr/>
+          </a:p>
+        </p:txBody>
+      </p:sp>
+    </p:spTree>
+  </p:cSld>
+</p:notes>
+</file>
+
+<file path=ppt/notesSlides/notesSlide13.xml><?xml version="1.0" encoding="utf-8"?>
+<p:notes xmlns:a="http://schemas.openxmlformats.org/drawingml/2006/main" xmlns:p="http://schemas.openxmlformats.org/presentationml/2006/main" xmlns:r="http://schemas.openxmlformats.org/officeDocument/2006/relationships">
+  <p:cSld>
+    <p:spTree>
+      <p:nvGrpSpPr>
+        <p:cNvPr id="1" name=""/>
+        <p:cNvGrpSpPr/>
+        <p:nvPr/>
+      </p:nvGrpSpPr>
+      <p:grpSpPr>
+        <a:xfrm>
+          <a:off x="0" y="0"/>
+          <a:ext cx="0" cy="0"/>
+          <a:chOff x="0" y="0"/>
+          <a:chExt cx="0" cy="0"/>
+        </a:xfrm>
+      </p:grpSpPr>
+      <p:sp>
+        <p:nvSpPr>
+          <p:cNvPr id="260" name="PlaceHolder 1"/>
+          <p:cNvSpPr>
+            <a:spLocks noGrp="1"/>
+          </p:cNvSpPr>
+          <p:nvPr>
+            <p:ph type="body"/>
+          </p:nvPr>
+        </p:nvSpPr>
+        <p:spPr>
+          <a:xfrm>
+            <a:off x="685800" y="4400640"/>
+            <a:ext cx="5484600" cy="3598560"/>
+          </a:xfrm>
+          <a:prstGeom prst="rect">
+            <a:avLst/>
+          </a:prstGeom>
+        </p:spPr>
+        <p:txBody>
+          <a:bodyPr lIns="0" rIns="0" tIns="0" bIns="0"/>
+          <a:p>
+            <a:endParaRPr/>
+          </a:p>
+        </p:txBody>
+      </p:sp>
+      <p:sp>
+        <p:nvSpPr>
+          <p:cNvPr id="261" name="CustomShape 2"/>
+          <p:cNvSpPr/>
+          <p:nvPr/>
+        </p:nvSpPr>
+        <p:spPr>
+          <a:xfrm>
+            <a:off x="3884760" y="8685360"/>
+            <a:ext cx="2970000" cy="456840"/>
+          </a:xfrm>
+          <a:prstGeom prst="rect">
+            <a:avLst/>
+          </a:prstGeom>
+          <a:noFill/>
+          <a:ln>
+            <a:noFill/>
+          </a:ln>
+        </p:spPr>
+        <p:style>
+          <a:lnRef idx="0"/>
+          <a:fillRef idx="0"/>
+          <a:effectRef idx="0"/>
+          <a:fontRef idx="minor"/>
+        </p:style>
+        <p:txBody>
+          <a:bodyPr lIns="90000" rIns="90000" tIns="45000" bIns="45000" anchor="b"/>
+          <a:p>
+            <a:pPr algn="r">
+              <a:lnSpc>
+                <a:spcPct val="100000"/>
+              </a:lnSpc>
+            </a:pPr>
+            <a:fld id="{419F3BE5-AC66-4B94-9483-EAD7901EB930}" type="slidenum">
+              <a:rPr lang="fr-FR" sz="1200" strike="noStrike">
+                <a:solidFill>
+                  <a:srgbClr val="000000"/>
+                </a:solidFill>
+                <a:latin typeface="+mn-lt"/>
+                <a:ea typeface="+mn-ea"/>
+              </a:rPr>
+              <a:t>&lt;number&gt;</a:t>
+            </a:fld>
+            <a:endParaRPr/>
+          </a:p>
+        </p:txBody>
+      </p:sp>
+    </p:spTree>
+  </p:cSld>
+</p:notes>
+</file>
+
+<file path=ppt/notesSlides/notesSlide14.xml><?xml version="1.0" encoding="utf-8"?>
+<p:notes xmlns:a="http://schemas.openxmlformats.org/drawingml/2006/main" xmlns:p="http://schemas.openxmlformats.org/presentationml/2006/main" xmlns:r="http://schemas.openxmlformats.org/officeDocument/2006/relationships">
+  <p:cSld>
+    <p:spTree>
+      <p:nvGrpSpPr>
+        <p:cNvPr id="1" name=""/>
+        <p:cNvGrpSpPr/>
+        <p:nvPr/>
+      </p:nvGrpSpPr>
+      <p:grpSpPr>
+        <a:xfrm>
+          <a:off x="0" y="0"/>
+          <a:ext cx="0" cy="0"/>
+          <a:chOff x="0" y="0"/>
+          <a:chExt cx="0" cy="0"/>
+        </a:xfrm>
+      </p:grpSpPr>
+      <p:sp>
+        <p:nvSpPr>
+          <p:cNvPr id="262" name="PlaceHolder 1"/>
+          <p:cNvSpPr>
+            <a:spLocks noGrp="1"/>
+          </p:cNvSpPr>
+          <p:nvPr>
+            <p:ph type="body"/>
+          </p:nvPr>
+        </p:nvSpPr>
+        <p:spPr>
+          <a:xfrm>
+            <a:off x="685800" y="4400640"/>
+            <a:ext cx="5484600" cy="3598560"/>
+          </a:xfrm>
+          <a:prstGeom prst="rect">
+            <a:avLst/>
+          </a:prstGeom>
+        </p:spPr>
+        <p:txBody>
+          <a:bodyPr lIns="0" rIns="0" tIns="0" bIns="0"/>
+          <a:p>
+            <a:endParaRPr/>
+          </a:p>
+        </p:txBody>
+      </p:sp>
+      <p:sp>
+        <p:nvSpPr>
+          <p:cNvPr id="263" name="CustomShape 2"/>
+          <p:cNvSpPr/>
+          <p:nvPr/>
+        </p:nvSpPr>
+        <p:spPr>
+          <a:xfrm>
+            <a:off x="3884760" y="8685360"/>
+            <a:ext cx="2970000" cy="456840"/>
+          </a:xfrm>
+          <a:prstGeom prst="rect">
+            <a:avLst/>
+          </a:prstGeom>
+          <a:noFill/>
+          <a:ln>
+            <a:noFill/>
+          </a:ln>
+        </p:spPr>
+        <p:style>
+          <a:lnRef idx="0"/>
+          <a:fillRef idx="0"/>
+          <a:effectRef idx="0"/>
+          <a:fontRef idx="minor"/>
+        </p:style>
+        <p:txBody>
+          <a:bodyPr lIns="90000" rIns="90000" tIns="45000" bIns="45000" anchor="b"/>
+          <a:p>
+            <a:pPr algn="r">
+              <a:lnSpc>
+                <a:spcPct val="100000"/>
+              </a:lnSpc>
+            </a:pPr>
+            <a:fld id="{7A9DDAD0-2B37-4840-99AF-4E6920A87C88}" type="slidenum">
               <a:rPr lang="fr-FR" sz="1200" strike="noStrike">
                 <a:solidFill>
                   <a:srgbClr val="000000"/>
@@ -518,7 +711,7 @@
       </p:grpSpPr>
       <p:sp>
         <p:nvSpPr>
-          <p:cNvPr id="190" name="PlaceHolder 1"/>
+          <p:cNvPr id="240" name="PlaceHolder 1"/>
           <p:cNvSpPr>
             <a:spLocks noGrp="1"/>
           </p:cNvSpPr>
@@ -529,7 +722,7 @@
         <p:spPr>
           <a:xfrm>
             <a:off x="685800" y="4400640"/>
-            <a:ext cx="5484960" cy="3598920"/>
+            <a:ext cx="5484600" cy="3598560"/>
           </a:xfrm>
           <a:prstGeom prst="rect">
             <a:avLst/>
@@ -544,14 +737,14 @@
       </p:sp>
       <p:sp>
         <p:nvSpPr>
-          <p:cNvPr id="191" name="CustomShape 2"/>
+          <p:cNvPr id="241" name="CustomShape 2"/>
           <p:cNvSpPr/>
           <p:nvPr/>
         </p:nvSpPr>
         <p:spPr>
           <a:xfrm>
             <a:off x="3884760" y="8685360"/>
-            <a:ext cx="2970360" cy="457200"/>
+            <a:ext cx="2970000" cy="456840"/>
           </a:xfrm>
           <a:prstGeom prst="rect">
             <a:avLst/>
@@ -575,7 +768,7 @@
                 <a:spcPct val="100000"/>
               </a:lnSpc>
             </a:pPr>
-            <a:fld id="{4C8A3F93-C0A1-4CD6-97B1-F9455FC19879}" type="slidenum">
+            <a:fld id="{87ED8E50-B30A-4839-A406-EEDA431DB53C}" type="slidenum">
               <a:rPr lang="fr-FR" sz="1200" strike="noStrike">
                 <a:solidFill>
                   <a:srgbClr val="000000"/>
@@ -613,7 +806,7 @@
       </p:grpSpPr>
       <p:sp>
         <p:nvSpPr>
-          <p:cNvPr id="192" name="PlaceHolder 1"/>
+          <p:cNvPr id="242" name="PlaceHolder 1"/>
           <p:cNvSpPr>
             <a:spLocks noGrp="1"/>
           </p:cNvSpPr>
@@ -624,7 +817,7 @@
         <p:spPr>
           <a:xfrm>
             <a:off x="685800" y="4400640"/>
-            <a:ext cx="5484960" cy="3598920"/>
+            <a:ext cx="5484600" cy="3598560"/>
           </a:xfrm>
           <a:prstGeom prst="rect">
             <a:avLst/>
@@ -639,14 +832,14 @@
       </p:sp>
       <p:sp>
         <p:nvSpPr>
-          <p:cNvPr id="193" name="CustomShape 2"/>
+          <p:cNvPr id="243" name="CustomShape 2"/>
           <p:cNvSpPr/>
           <p:nvPr/>
         </p:nvSpPr>
         <p:spPr>
           <a:xfrm>
             <a:off x="3884760" y="8685360"/>
-            <a:ext cx="2970360" cy="457200"/>
+            <a:ext cx="2970000" cy="456840"/>
           </a:xfrm>
           <a:prstGeom prst="rect">
             <a:avLst/>
@@ -670,7 +863,7 @@
                 <a:spcPct val="100000"/>
               </a:lnSpc>
             </a:pPr>
-            <a:fld id="{8908D660-96B9-4DC9-842A-77CD89A6B127}" type="slidenum">
+            <a:fld id="{F869B561-EA31-4D0D-BEFB-0D56B9D965E4}" type="slidenum">
               <a:rPr lang="fr-FR" sz="1200" strike="noStrike">
                 <a:solidFill>
                   <a:srgbClr val="000000"/>
@@ -708,7 +901,7 @@
       </p:grpSpPr>
       <p:sp>
         <p:nvSpPr>
-          <p:cNvPr id="194" name="PlaceHolder 1"/>
+          <p:cNvPr id="244" name="PlaceHolder 1"/>
           <p:cNvSpPr>
             <a:spLocks noGrp="1"/>
           </p:cNvSpPr>
@@ -719,7 +912,7 @@
         <p:spPr>
           <a:xfrm>
             <a:off x="685800" y="4400640"/>
-            <a:ext cx="5484960" cy="3598920"/>
+            <a:ext cx="5484600" cy="3598560"/>
           </a:xfrm>
           <a:prstGeom prst="rect">
             <a:avLst/>
@@ -734,14 +927,14 @@
       </p:sp>
       <p:sp>
         <p:nvSpPr>
-          <p:cNvPr id="195" name="CustomShape 2"/>
+          <p:cNvPr id="245" name="CustomShape 2"/>
           <p:cNvSpPr/>
           <p:nvPr/>
         </p:nvSpPr>
         <p:spPr>
           <a:xfrm>
             <a:off x="3884760" y="8685360"/>
-            <a:ext cx="2970360" cy="457200"/>
+            <a:ext cx="2970000" cy="456840"/>
           </a:xfrm>
           <a:prstGeom prst="rect">
             <a:avLst/>
@@ -765,7 +958,7 @@
                 <a:spcPct val="100000"/>
               </a:lnSpc>
             </a:pPr>
-            <a:fld id="{8B6D4D0D-8F22-4796-8B40-2999C333D323}" type="slidenum">
+            <a:fld id="{C18FEB00-6F7B-40E0-A5A0-520C0CF5A247}" type="slidenum">
               <a:rPr lang="fr-FR" sz="1200" strike="noStrike">
                 <a:solidFill>
                   <a:srgbClr val="000000"/>
@@ -803,7 +996,7 @@
       </p:grpSpPr>
       <p:sp>
         <p:nvSpPr>
-          <p:cNvPr id="196" name="PlaceHolder 1"/>
+          <p:cNvPr id="246" name="PlaceHolder 1"/>
           <p:cNvSpPr>
             <a:spLocks noGrp="1"/>
           </p:cNvSpPr>
@@ -814,7 +1007,7 @@
         <p:spPr>
           <a:xfrm>
             <a:off x="685800" y="4400640"/>
-            <a:ext cx="5484960" cy="3598920"/>
+            <a:ext cx="5484600" cy="3598560"/>
           </a:xfrm>
           <a:prstGeom prst="rect">
             <a:avLst/>
@@ -829,14 +1022,14 @@
       </p:sp>
       <p:sp>
         <p:nvSpPr>
-          <p:cNvPr id="197" name="CustomShape 2"/>
+          <p:cNvPr id="247" name="CustomShape 2"/>
           <p:cNvSpPr/>
           <p:nvPr/>
         </p:nvSpPr>
         <p:spPr>
           <a:xfrm>
             <a:off x="3884760" y="8685360"/>
-            <a:ext cx="2970360" cy="457200"/>
+            <a:ext cx="2970000" cy="456840"/>
           </a:xfrm>
           <a:prstGeom prst="rect">
             <a:avLst/>
@@ -860,7 +1053,7 @@
                 <a:spcPct val="100000"/>
               </a:lnSpc>
             </a:pPr>
-            <a:fld id="{E0B5F176-3F10-4EF5-A786-8BB4E3E809DF}" type="slidenum">
+            <a:fld id="{37840FF2-2B2F-478F-AFB0-E4C021DB2753}" type="slidenum">
               <a:rPr lang="fr-FR" sz="1200" strike="noStrike">
                 <a:solidFill>
                   <a:srgbClr val="000000"/>
@@ -898,7 +1091,7 @@
       </p:grpSpPr>
       <p:sp>
         <p:nvSpPr>
-          <p:cNvPr id="198" name="PlaceHolder 1"/>
+          <p:cNvPr id="248" name="PlaceHolder 1"/>
           <p:cNvSpPr>
             <a:spLocks noGrp="1"/>
           </p:cNvSpPr>
@@ -909,7 +1102,7 @@
         <p:spPr>
           <a:xfrm>
             <a:off x="685800" y="4400640"/>
-            <a:ext cx="5484960" cy="3598920"/>
+            <a:ext cx="5484600" cy="3598560"/>
           </a:xfrm>
           <a:prstGeom prst="rect">
             <a:avLst/>
@@ -924,14 +1117,14 @@
       </p:sp>
       <p:sp>
         <p:nvSpPr>
-          <p:cNvPr id="199" name="CustomShape 2"/>
+          <p:cNvPr id="249" name="CustomShape 2"/>
           <p:cNvSpPr/>
           <p:nvPr/>
         </p:nvSpPr>
         <p:spPr>
           <a:xfrm>
             <a:off x="3884760" y="8685360"/>
-            <a:ext cx="2970360" cy="457200"/>
+            <a:ext cx="2970000" cy="456840"/>
           </a:xfrm>
           <a:prstGeom prst="rect">
             <a:avLst/>
@@ -955,7 +1148,7 @@
                 <a:spcPct val="100000"/>
               </a:lnSpc>
             </a:pPr>
-            <a:fld id="{2FE7662C-639E-4DBB-A512-3D7565067B91}" type="slidenum">
+            <a:fld id="{848DAC11-D9C6-43EE-97B3-E26168300E30}" type="slidenum">
               <a:rPr lang="fr-FR" sz="1200" strike="noStrike">
                 <a:solidFill>
                   <a:srgbClr val="000000"/>
@@ -993,7 +1186,7 @@
       </p:grpSpPr>
       <p:sp>
         <p:nvSpPr>
-          <p:cNvPr id="200" name="PlaceHolder 1"/>
+          <p:cNvPr id="250" name="PlaceHolder 1"/>
           <p:cNvSpPr>
             <a:spLocks noGrp="1"/>
           </p:cNvSpPr>
@@ -1004,7 +1197,7 @@
         <p:spPr>
           <a:xfrm>
             <a:off x="685800" y="4400640"/>
-            <a:ext cx="5484960" cy="3598920"/>
+            <a:ext cx="5484600" cy="3598560"/>
           </a:xfrm>
           <a:prstGeom prst="rect">
             <a:avLst/>
@@ -1019,14 +1212,14 @@
       </p:sp>
       <p:sp>
         <p:nvSpPr>
-          <p:cNvPr id="201" name="CustomShape 2"/>
+          <p:cNvPr id="251" name="CustomShape 2"/>
           <p:cNvSpPr/>
           <p:nvPr/>
         </p:nvSpPr>
         <p:spPr>
           <a:xfrm>
             <a:off x="3884760" y="8685360"/>
-            <a:ext cx="2970360" cy="457200"/>
+            <a:ext cx="2970000" cy="456840"/>
           </a:xfrm>
           <a:prstGeom prst="rect">
             <a:avLst/>
@@ -1050,7 +1243,7 @@
                 <a:spcPct val="100000"/>
               </a:lnSpc>
             </a:pPr>
-            <a:fld id="{C98C9A29-CDFD-4283-8A73-7854233D0CA5}" type="slidenum">
+            <a:fld id="{7A3861B8-8A67-4F05-A6ED-1B9CFDAAAD7F}" type="slidenum">
               <a:rPr lang="fr-FR" sz="1200" strike="noStrike">
                 <a:solidFill>
                   <a:srgbClr val="000000"/>
@@ -1088,7 +1281,7 @@
       </p:grpSpPr>
       <p:sp>
         <p:nvSpPr>
-          <p:cNvPr id="202" name="PlaceHolder 1"/>
+          <p:cNvPr id="252" name="PlaceHolder 1"/>
           <p:cNvSpPr>
             <a:spLocks noGrp="1"/>
           </p:cNvSpPr>
@@ -1099,7 +1292,7 @@
         <p:spPr>
           <a:xfrm>
             <a:off x="685800" y="4400640"/>
-            <a:ext cx="5484960" cy="3598920"/>
+            <a:ext cx="5484600" cy="3598560"/>
           </a:xfrm>
           <a:prstGeom prst="rect">
             <a:avLst/>
@@ -1114,14 +1307,14 @@
       </p:sp>
       <p:sp>
         <p:nvSpPr>
-          <p:cNvPr id="203" name="CustomShape 2"/>
+          <p:cNvPr id="253" name="CustomShape 2"/>
           <p:cNvSpPr/>
           <p:nvPr/>
         </p:nvSpPr>
         <p:spPr>
           <a:xfrm>
             <a:off x="3884760" y="8685360"/>
-            <a:ext cx="2970360" cy="457200"/>
+            <a:ext cx="2970000" cy="456840"/>
           </a:xfrm>
           <a:prstGeom prst="rect">
             <a:avLst/>
@@ -1145,7 +1338,7 @@
                 <a:spcPct val="100000"/>
               </a:lnSpc>
             </a:pPr>
-            <a:fld id="{3469D95A-C4E1-4DB5-A342-451E8A8E6678}" type="slidenum">
+            <a:fld id="{9678481A-B3C3-443A-91E4-042AD1868869}" type="slidenum">
               <a:rPr lang="fr-FR" sz="1200" strike="noStrike">
                 <a:solidFill>
                   <a:srgbClr val="000000"/>
@@ -4046,6 +4239,179 @@
 </p:sldLayout>
 </file>
 
+<file path=ppt/slideLayouts/slideLayout37.xml><?xml version="1.0" encoding="utf-8"?>
+<p:sldLayout xmlns:a="http://schemas.openxmlformats.org/drawingml/2006/main" xmlns:p="http://schemas.openxmlformats.org/presentationml/2006/main" xmlns:r="http://schemas.openxmlformats.org/officeDocument/2006/relationships" type="blank" preserve="1">
+  <p:cSld name="Blank Slide">
+    <p:spTree>
+      <p:nvGrpSpPr>
+        <p:cNvPr id="1" name=""/>
+        <p:cNvGrpSpPr/>
+        <p:nvPr/>
+      </p:nvGrpSpPr>
+      <p:grpSpPr>
+        <a:xfrm>
+          <a:off x="0" y="0"/>
+          <a:ext cx="0" cy="0"/>
+          <a:chOff x="0" y="0"/>
+          <a:chExt cx="0" cy="0"/>
+        </a:xfrm>
+      </p:grpSpPr>
+    </p:spTree>
+  </p:cSld>
+</p:sldLayout>
+</file>
+
+<file path=ppt/slideLayouts/slideLayout38.xml><?xml version="1.0" encoding="utf-8"?>
+<p:sldLayout xmlns:a="http://schemas.openxmlformats.org/drawingml/2006/main" xmlns:p="http://schemas.openxmlformats.org/presentationml/2006/main" xmlns:r="http://schemas.openxmlformats.org/officeDocument/2006/relationships" type="tx" preserve="1">
+  <p:cSld name="Title Slide">
+    <p:spTree>
+      <p:nvGrpSpPr>
+        <p:cNvPr id="1" name=""/>
+        <p:cNvGrpSpPr/>
+        <p:nvPr/>
+      </p:nvGrpSpPr>
+      <p:grpSpPr>
+        <a:xfrm>
+          <a:off x="0" y="0"/>
+          <a:ext cx="0" cy="0"/>
+          <a:chOff x="0" y="0"/>
+          <a:chExt cx="0" cy="0"/>
+        </a:xfrm>
+      </p:grpSpPr>
+      <p:sp>
+        <p:nvSpPr>
+          <p:cNvPr id="128" name="PlaceHolder 1"/>
+          <p:cNvSpPr>
+            <a:spLocks noGrp="1"/>
+          </p:cNvSpPr>
+          <p:nvPr>
+            <p:ph type="title"/>
+          </p:nvPr>
+        </p:nvSpPr>
+        <p:spPr>
+          <a:xfrm>
+            <a:off x="609480" y="273600"/>
+            <a:ext cx="10972440" cy="1144800"/>
+          </a:xfrm>
+          <a:prstGeom prst="rect">
+            <a:avLst/>
+          </a:prstGeom>
+        </p:spPr>
+        <p:txBody>
+          <a:bodyPr lIns="0" rIns="0" tIns="0" bIns="0" anchor="ctr"/>
+          <a:p>
+            <a:pPr algn="ctr"/>
+            <a:endParaRPr/>
+          </a:p>
+        </p:txBody>
+      </p:sp>
+      <p:sp>
+        <p:nvSpPr>
+          <p:cNvPr id="129" name="PlaceHolder 2"/>
+          <p:cNvSpPr>
+            <a:spLocks noGrp="1"/>
+          </p:cNvSpPr>
+          <p:nvPr>
+            <p:ph type="subTitle"/>
+          </p:nvPr>
+        </p:nvSpPr>
+        <p:spPr>
+          <a:xfrm>
+            <a:off x="609480" y="1604520"/>
+            <a:ext cx="10972440" cy="3977280"/>
+          </a:xfrm>
+          <a:prstGeom prst="rect">
+            <a:avLst/>
+          </a:prstGeom>
+        </p:spPr>
+        <p:txBody>
+          <a:bodyPr lIns="0" rIns="0" tIns="0" bIns="0" anchor="ctr"/>
+          <a:p>
+            <a:pPr algn="ctr"/>
+            <a:endParaRPr/>
+          </a:p>
+        </p:txBody>
+      </p:sp>
+    </p:spTree>
+  </p:cSld>
+</p:sldLayout>
+</file>
+
+<file path=ppt/slideLayouts/slideLayout39.xml><?xml version="1.0" encoding="utf-8"?>
+<p:sldLayout xmlns:a="http://schemas.openxmlformats.org/drawingml/2006/main" xmlns:p="http://schemas.openxmlformats.org/presentationml/2006/main" xmlns:r="http://schemas.openxmlformats.org/officeDocument/2006/relationships" type="obj" preserve="1">
+  <p:cSld name="Title, Content">
+    <p:spTree>
+      <p:nvGrpSpPr>
+        <p:cNvPr id="1" name=""/>
+        <p:cNvGrpSpPr/>
+        <p:nvPr/>
+      </p:nvGrpSpPr>
+      <p:grpSpPr>
+        <a:xfrm>
+          <a:off x="0" y="0"/>
+          <a:ext cx="0" cy="0"/>
+          <a:chOff x="0" y="0"/>
+          <a:chExt cx="0" cy="0"/>
+        </a:xfrm>
+      </p:grpSpPr>
+      <p:sp>
+        <p:nvSpPr>
+          <p:cNvPr id="130" name="PlaceHolder 1"/>
+          <p:cNvSpPr>
+            <a:spLocks noGrp="1"/>
+          </p:cNvSpPr>
+          <p:nvPr>
+            <p:ph type="title"/>
+          </p:nvPr>
+        </p:nvSpPr>
+        <p:spPr>
+          <a:xfrm>
+            <a:off x="609480" y="273600"/>
+            <a:ext cx="10972440" cy="1144800"/>
+          </a:xfrm>
+          <a:prstGeom prst="rect">
+            <a:avLst/>
+          </a:prstGeom>
+        </p:spPr>
+        <p:txBody>
+          <a:bodyPr lIns="0" rIns="0" tIns="0" bIns="0" anchor="ctr"/>
+          <a:p>
+            <a:pPr algn="ctr"/>
+            <a:endParaRPr/>
+          </a:p>
+        </p:txBody>
+      </p:sp>
+      <p:sp>
+        <p:nvSpPr>
+          <p:cNvPr id="131" name="PlaceHolder 2"/>
+          <p:cNvSpPr>
+            <a:spLocks noGrp="1"/>
+          </p:cNvSpPr>
+          <p:nvPr>
+            <p:ph type="body"/>
+          </p:nvPr>
+        </p:nvSpPr>
+        <p:spPr>
+          <a:xfrm>
+            <a:off x="609480" y="1604520"/>
+            <a:ext cx="10972440" cy="3977280"/>
+          </a:xfrm>
+          <a:prstGeom prst="rect">
+            <a:avLst/>
+          </a:prstGeom>
+        </p:spPr>
+        <p:txBody>
+          <a:bodyPr lIns="0" rIns="0" tIns="0" bIns="0"/>
+          <a:p>
+            <a:endParaRPr/>
+          </a:p>
+        </p:txBody>
+      </p:sp>
+    </p:spTree>
+  </p:cSld>
+</p:sldLayout>
+</file>
+
 <file path=ppt/slideLayouts/slideLayout4.xml><?xml version="1.0" encoding="utf-8"?>
 <p:sldLayout xmlns:a="http://schemas.openxmlformats.org/drawingml/2006/main" xmlns:p="http://schemas.openxmlformats.org/presentationml/2006/main" xmlns:r="http://schemas.openxmlformats.org/officeDocument/2006/relationships" type="twoObj" preserve="1">
   <p:cSld name="Title, 2 Content">
@@ -4142,6 +4508,987 @@
           </a:p>
         </p:txBody>
       </p:sp>
+    </p:spTree>
+  </p:cSld>
+</p:sldLayout>
+</file>
+
+<file path=ppt/slideLayouts/slideLayout40.xml><?xml version="1.0" encoding="utf-8"?>
+<p:sldLayout xmlns:a="http://schemas.openxmlformats.org/drawingml/2006/main" xmlns:p="http://schemas.openxmlformats.org/presentationml/2006/main" xmlns:r="http://schemas.openxmlformats.org/officeDocument/2006/relationships" type="twoObj" preserve="1">
+  <p:cSld name="Title, 2 Content">
+    <p:spTree>
+      <p:nvGrpSpPr>
+        <p:cNvPr id="1" name=""/>
+        <p:cNvGrpSpPr/>
+        <p:nvPr/>
+      </p:nvGrpSpPr>
+      <p:grpSpPr>
+        <a:xfrm>
+          <a:off x="0" y="0"/>
+          <a:ext cx="0" cy="0"/>
+          <a:chOff x="0" y="0"/>
+          <a:chExt cx="0" cy="0"/>
+        </a:xfrm>
+      </p:grpSpPr>
+      <p:sp>
+        <p:nvSpPr>
+          <p:cNvPr id="132" name="PlaceHolder 1"/>
+          <p:cNvSpPr>
+            <a:spLocks noGrp="1"/>
+          </p:cNvSpPr>
+          <p:nvPr>
+            <p:ph type="title"/>
+          </p:nvPr>
+        </p:nvSpPr>
+        <p:spPr>
+          <a:xfrm>
+            <a:off x="609480" y="273600"/>
+            <a:ext cx="10972440" cy="1144800"/>
+          </a:xfrm>
+          <a:prstGeom prst="rect">
+            <a:avLst/>
+          </a:prstGeom>
+        </p:spPr>
+        <p:txBody>
+          <a:bodyPr lIns="0" rIns="0" tIns="0" bIns="0" anchor="ctr"/>
+          <a:p>
+            <a:pPr algn="ctr"/>
+            <a:endParaRPr/>
+          </a:p>
+        </p:txBody>
+      </p:sp>
+      <p:sp>
+        <p:nvSpPr>
+          <p:cNvPr id="133" name="PlaceHolder 2"/>
+          <p:cNvSpPr>
+            <a:spLocks noGrp="1"/>
+          </p:cNvSpPr>
+          <p:nvPr>
+            <p:ph type="body"/>
+          </p:nvPr>
+        </p:nvSpPr>
+        <p:spPr>
+          <a:xfrm>
+            <a:off x="609480" y="1604520"/>
+            <a:ext cx="5354280" cy="3977280"/>
+          </a:xfrm>
+          <a:prstGeom prst="rect">
+            <a:avLst/>
+          </a:prstGeom>
+        </p:spPr>
+        <p:txBody>
+          <a:bodyPr lIns="0" rIns="0" tIns="0" bIns="0"/>
+          <a:p>
+            <a:endParaRPr/>
+          </a:p>
+        </p:txBody>
+      </p:sp>
+      <p:sp>
+        <p:nvSpPr>
+          <p:cNvPr id="134" name="PlaceHolder 3"/>
+          <p:cNvSpPr>
+            <a:spLocks noGrp="1"/>
+          </p:cNvSpPr>
+          <p:nvPr>
+            <p:ph type="body"/>
+          </p:nvPr>
+        </p:nvSpPr>
+        <p:spPr>
+          <a:xfrm>
+            <a:off x="6231960" y="1604520"/>
+            <a:ext cx="5354280" cy="3977280"/>
+          </a:xfrm>
+          <a:prstGeom prst="rect">
+            <a:avLst/>
+          </a:prstGeom>
+        </p:spPr>
+        <p:txBody>
+          <a:bodyPr lIns="0" rIns="0" tIns="0" bIns="0"/>
+          <a:p>
+            <a:endParaRPr/>
+          </a:p>
+        </p:txBody>
+      </p:sp>
+    </p:spTree>
+  </p:cSld>
+</p:sldLayout>
+</file>
+
+<file path=ppt/slideLayouts/slideLayout41.xml><?xml version="1.0" encoding="utf-8"?>
+<p:sldLayout xmlns:a="http://schemas.openxmlformats.org/drawingml/2006/main" xmlns:p="http://schemas.openxmlformats.org/presentationml/2006/main" xmlns:r="http://schemas.openxmlformats.org/officeDocument/2006/relationships" type="titleOnly" preserve="1">
+  <p:cSld name="Title Only">
+    <p:spTree>
+      <p:nvGrpSpPr>
+        <p:cNvPr id="1" name=""/>
+        <p:cNvGrpSpPr/>
+        <p:nvPr/>
+      </p:nvGrpSpPr>
+      <p:grpSpPr>
+        <a:xfrm>
+          <a:off x="0" y="0"/>
+          <a:ext cx="0" cy="0"/>
+          <a:chOff x="0" y="0"/>
+          <a:chExt cx="0" cy="0"/>
+        </a:xfrm>
+      </p:grpSpPr>
+      <p:sp>
+        <p:nvSpPr>
+          <p:cNvPr id="135" name="PlaceHolder 1"/>
+          <p:cNvSpPr>
+            <a:spLocks noGrp="1"/>
+          </p:cNvSpPr>
+          <p:nvPr>
+            <p:ph type="title"/>
+          </p:nvPr>
+        </p:nvSpPr>
+        <p:spPr>
+          <a:xfrm>
+            <a:off x="609480" y="273600"/>
+            <a:ext cx="10972440" cy="1144800"/>
+          </a:xfrm>
+          <a:prstGeom prst="rect">
+            <a:avLst/>
+          </a:prstGeom>
+        </p:spPr>
+        <p:txBody>
+          <a:bodyPr lIns="0" rIns="0" tIns="0" bIns="0" anchor="ctr"/>
+          <a:p>
+            <a:pPr algn="ctr"/>
+            <a:endParaRPr/>
+          </a:p>
+        </p:txBody>
+      </p:sp>
+    </p:spTree>
+  </p:cSld>
+</p:sldLayout>
+</file>
+
+<file path=ppt/slideLayouts/slideLayout42.xml><?xml version="1.0" encoding="utf-8"?>
+<p:sldLayout xmlns:a="http://schemas.openxmlformats.org/drawingml/2006/main" xmlns:p="http://schemas.openxmlformats.org/presentationml/2006/main" xmlns:r="http://schemas.openxmlformats.org/officeDocument/2006/relationships" type="objOnly" preserve="1">
+  <p:cSld name="Centered Text">
+    <p:spTree>
+      <p:nvGrpSpPr>
+        <p:cNvPr id="1" name=""/>
+        <p:cNvGrpSpPr/>
+        <p:nvPr/>
+      </p:nvGrpSpPr>
+      <p:grpSpPr>
+        <a:xfrm>
+          <a:off x="0" y="0"/>
+          <a:ext cx="0" cy="0"/>
+          <a:chOff x="0" y="0"/>
+          <a:chExt cx="0" cy="0"/>
+        </a:xfrm>
+      </p:grpSpPr>
+      <p:sp>
+        <p:nvSpPr>
+          <p:cNvPr id="136" name="PlaceHolder 1"/>
+          <p:cNvSpPr>
+            <a:spLocks noGrp="1"/>
+          </p:cNvSpPr>
+          <p:nvPr>
+            <p:ph type="subTitle"/>
+          </p:nvPr>
+        </p:nvSpPr>
+        <p:spPr>
+          <a:xfrm>
+            <a:off x="609480" y="273600"/>
+            <a:ext cx="10972440" cy="5307840"/>
+          </a:xfrm>
+          <a:prstGeom prst="rect">
+            <a:avLst/>
+          </a:prstGeom>
+        </p:spPr>
+        <p:txBody>
+          <a:bodyPr lIns="0" rIns="0" tIns="0" bIns="0" anchor="ctr"/>
+          <a:p>
+            <a:pPr algn="ctr"/>
+            <a:endParaRPr/>
+          </a:p>
+        </p:txBody>
+      </p:sp>
+    </p:spTree>
+  </p:cSld>
+</p:sldLayout>
+</file>
+
+<file path=ppt/slideLayouts/slideLayout43.xml><?xml version="1.0" encoding="utf-8"?>
+<p:sldLayout xmlns:a="http://schemas.openxmlformats.org/drawingml/2006/main" xmlns:p="http://schemas.openxmlformats.org/presentationml/2006/main" xmlns:r="http://schemas.openxmlformats.org/officeDocument/2006/relationships" type="twoObjAndObj" preserve="1">
+  <p:cSld name="Title, 2 Content and Content">
+    <p:spTree>
+      <p:nvGrpSpPr>
+        <p:cNvPr id="1" name=""/>
+        <p:cNvGrpSpPr/>
+        <p:nvPr/>
+      </p:nvGrpSpPr>
+      <p:grpSpPr>
+        <a:xfrm>
+          <a:off x="0" y="0"/>
+          <a:ext cx="0" cy="0"/>
+          <a:chOff x="0" y="0"/>
+          <a:chExt cx="0" cy="0"/>
+        </a:xfrm>
+      </p:grpSpPr>
+      <p:sp>
+        <p:nvSpPr>
+          <p:cNvPr id="137" name="PlaceHolder 1"/>
+          <p:cNvSpPr>
+            <a:spLocks noGrp="1"/>
+          </p:cNvSpPr>
+          <p:nvPr>
+            <p:ph type="title"/>
+          </p:nvPr>
+        </p:nvSpPr>
+        <p:spPr>
+          <a:xfrm>
+            <a:off x="609480" y="273600"/>
+            <a:ext cx="10972440" cy="1144800"/>
+          </a:xfrm>
+          <a:prstGeom prst="rect">
+            <a:avLst/>
+          </a:prstGeom>
+        </p:spPr>
+        <p:txBody>
+          <a:bodyPr lIns="0" rIns="0" tIns="0" bIns="0" anchor="ctr"/>
+          <a:p>
+            <a:pPr algn="ctr"/>
+            <a:endParaRPr/>
+          </a:p>
+        </p:txBody>
+      </p:sp>
+      <p:sp>
+        <p:nvSpPr>
+          <p:cNvPr id="138" name="PlaceHolder 2"/>
+          <p:cNvSpPr>
+            <a:spLocks noGrp="1"/>
+          </p:cNvSpPr>
+          <p:nvPr>
+            <p:ph type="body"/>
+          </p:nvPr>
+        </p:nvSpPr>
+        <p:spPr>
+          <a:xfrm>
+            <a:off x="609480" y="1604520"/>
+            <a:ext cx="5354280" cy="1896840"/>
+          </a:xfrm>
+          <a:prstGeom prst="rect">
+            <a:avLst/>
+          </a:prstGeom>
+        </p:spPr>
+        <p:txBody>
+          <a:bodyPr lIns="0" rIns="0" tIns="0" bIns="0"/>
+          <a:p>
+            <a:endParaRPr/>
+          </a:p>
+        </p:txBody>
+      </p:sp>
+      <p:sp>
+        <p:nvSpPr>
+          <p:cNvPr id="139" name="PlaceHolder 3"/>
+          <p:cNvSpPr>
+            <a:spLocks noGrp="1"/>
+          </p:cNvSpPr>
+          <p:nvPr>
+            <p:ph type="body"/>
+          </p:nvPr>
+        </p:nvSpPr>
+        <p:spPr>
+          <a:xfrm>
+            <a:off x="609480" y="3682080"/>
+            <a:ext cx="5354280" cy="1896840"/>
+          </a:xfrm>
+          <a:prstGeom prst="rect">
+            <a:avLst/>
+          </a:prstGeom>
+        </p:spPr>
+        <p:txBody>
+          <a:bodyPr lIns="0" rIns="0" tIns="0" bIns="0"/>
+          <a:p>
+            <a:endParaRPr/>
+          </a:p>
+        </p:txBody>
+      </p:sp>
+      <p:sp>
+        <p:nvSpPr>
+          <p:cNvPr id="140" name="PlaceHolder 4"/>
+          <p:cNvSpPr>
+            <a:spLocks noGrp="1"/>
+          </p:cNvSpPr>
+          <p:nvPr>
+            <p:ph type="body"/>
+          </p:nvPr>
+        </p:nvSpPr>
+        <p:spPr>
+          <a:xfrm>
+            <a:off x="6231960" y="1604520"/>
+            <a:ext cx="5354280" cy="3977280"/>
+          </a:xfrm>
+          <a:prstGeom prst="rect">
+            <a:avLst/>
+          </a:prstGeom>
+        </p:spPr>
+        <p:txBody>
+          <a:bodyPr lIns="0" rIns="0" tIns="0" bIns="0"/>
+          <a:p>
+            <a:endParaRPr/>
+          </a:p>
+        </p:txBody>
+      </p:sp>
+    </p:spTree>
+  </p:cSld>
+</p:sldLayout>
+</file>
+
+<file path=ppt/slideLayouts/slideLayout44.xml><?xml version="1.0" encoding="utf-8"?>
+<p:sldLayout xmlns:a="http://schemas.openxmlformats.org/drawingml/2006/main" xmlns:p="http://schemas.openxmlformats.org/presentationml/2006/main" xmlns:r="http://schemas.openxmlformats.org/officeDocument/2006/relationships" type="objAndTwoObj" preserve="1">
+  <p:cSld name="Title Content and 2 Content">
+    <p:spTree>
+      <p:nvGrpSpPr>
+        <p:cNvPr id="1" name=""/>
+        <p:cNvGrpSpPr/>
+        <p:nvPr/>
+      </p:nvGrpSpPr>
+      <p:grpSpPr>
+        <a:xfrm>
+          <a:off x="0" y="0"/>
+          <a:ext cx="0" cy="0"/>
+          <a:chOff x="0" y="0"/>
+          <a:chExt cx="0" cy="0"/>
+        </a:xfrm>
+      </p:grpSpPr>
+      <p:sp>
+        <p:nvSpPr>
+          <p:cNvPr id="141" name="PlaceHolder 1"/>
+          <p:cNvSpPr>
+            <a:spLocks noGrp="1"/>
+          </p:cNvSpPr>
+          <p:nvPr>
+            <p:ph type="title"/>
+          </p:nvPr>
+        </p:nvSpPr>
+        <p:spPr>
+          <a:xfrm>
+            <a:off x="609480" y="273600"/>
+            <a:ext cx="10972440" cy="1144800"/>
+          </a:xfrm>
+          <a:prstGeom prst="rect">
+            <a:avLst/>
+          </a:prstGeom>
+        </p:spPr>
+        <p:txBody>
+          <a:bodyPr lIns="0" rIns="0" tIns="0" bIns="0" anchor="ctr"/>
+          <a:p>
+            <a:pPr algn="ctr"/>
+            <a:endParaRPr/>
+          </a:p>
+        </p:txBody>
+      </p:sp>
+      <p:sp>
+        <p:nvSpPr>
+          <p:cNvPr id="142" name="PlaceHolder 2"/>
+          <p:cNvSpPr>
+            <a:spLocks noGrp="1"/>
+          </p:cNvSpPr>
+          <p:nvPr>
+            <p:ph type="body"/>
+          </p:nvPr>
+        </p:nvSpPr>
+        <p:spPr>
+          <a:xfrm>
+            <a:off x="609480" y="1604520"/>
+            <a:ext cx="5354280" cy="3977280"/>
+          </a:xfrm>
+          <a:prstGeom prst="rect">
+            <a:avLst/>
+          </a:prstGeom>
+        </p:spPr>
+        <p:txBody>
+          <a:bodyPr lIns="0" rIns="0" tIns="0" bIns="0"/>
+          <a:p>
+            <a:endParaRPr/>
+          </a:p>
+        </p:txBody>
+      </p:sp>
+      <p:sp>
+        <p:nvSpPr>
+          <p:cNvPr id="143" name="PlaceHolder 3"/>
+          <p:cNvSpPr>
+            <a:spLocks noGrp="1"/>
+          </p:cNvSpPr>
+          <p:nvPr>
+            <p:ph type="body"/>
+          </p:nvPr>
+        </p:nvSpPr>
+        <p:spPr>
+          <a:xfrm>
+            <a:off x="6231960" y="1604520"/>
+            <a:ext cx="5354280" cy="1896840"/>
+          </a:xfrm>
+          <a:prstGeom prst="rect">
+            <a:avLst/>
+          </a:prstGeom>
+        </p:spPr>
+        <p:txBody>
+          <a:bodyPr lIns="0" rIns="0" tIns="0" bIns="0"/>
+          <a:p>
+            <a:endParaRPr/>
+          </a:p>
+        </p:txBody>
+      </p:sp>
+      <p:sp>
+        <p:nvSpPr>
+          <p:cNvPr id="144" name="PlaceHolder 4"/>
+          <p:cNvSpPr>
+            <a:spLocks noGrp="1"/>
+          </p:cNvSpPr>
+          <p:nvPr>
+            <p:ph type="body"/>
+          </p:nvPr>
+        </p:nvSpPr>
+        <p:spPr>
+          <a:xfrm>
+            <a:off x="6231960" y="3682080"/>
+            <a:ext cx="5354280" cy="1896840"/>
+          </a:xfrm>
+          <a:prstGeom prst="rect">
+            <a:avLst/>
+          </a:prstGeom>
+        </p:spPr>
+        <p:txBody>
+          <a:bodyPr lIns="0" rIns="0" tIns="0" bIns="0"/>
+          <a:p>
+            <a:endParaRPr/>
+          </a:p>
+        </p:txBody>
+      </p:sp>
+    </p:spTree>
+  </p:cSld>
+</p:sldLayout>
+</file>
+
+<file path=ppt/slideLayouts/slideLayout45.xml><?xml version="1.0" encoding="utf-8"?>
+<p:sldLayout xmlns:a="http://schemas.openxmlformats.org/drawingml/2006/main" xmlns:p="http://schemas.openxmlformats.org/presentationml/2006/main" xmlns:r="http://schemas.openxmlformats.org/officeDocument/2006/relationships" type="twoObjOverTx" preserve="1">
+  <p:cSld name="Title, 2 Content over Content">
+    <p:spTree>
+      <p:nvGrpSpPr>
+        <p:cNvPr id="1" name=""/>
+        <p:cNvGrpSpPr/>
+        <p:nvPr/>
+      </p:nvGrpSpPr>
+      <p:grpSpPr>
+        <a:xfrm>
+          <a:off x="0" y="0"/>
+          <a:ext cx="0" cy="0"/>
+          <a:chOff x="0" y="0"/>
+          <a:chExt cx="0" cy="0"/>
+        </a:xfrm>
+      </p:grpSpPr>
+      <p:sp>
+        <p:nvSpPr>
+          <p:cNvPr id="145" name="PlaceHolder 1"/>
+          <p:cNvSpPr>
+            <a:spLocks noGrp="1"/>
+          </p:cNvSpPr>
+          <p:nvPr>
+            <p:ph type="title"/>
+          </p:nvPr>
+        </p:nvSpPr>
+        <p:spPr>
+          <a:xfrm>
+            <a:off x="609480" y="273600"/>
+            <a:ext cx="10972440" cy="1144800"/>
+          </a:xfrm>
+          <a:prstGeom prst="rect">
+            <a:avLst/>
+          </a:prstGeom>
+        </p:spPr>
+        <p:txBody>
+          <a:bodyPr lIns="0" rIns="0" tIns="0" bIns="0" anchor="ctr"/>
+          <a:p>
+            <a:pPr algn="ctr"/>
+            <a:endParaRPr/>
+          </a:p>
+        </p:txBody>
+      </p:sp>
+      <p:sp>
+        <p:nvSpPr>
+          <p:cNvPr id="146" name="PlaceHolder 2"/>
+          <p:cNvSpPr>
+            <a:spLocks noGrp="1"/>
+          </p:cNvSpPr>
+          <p:nvPr>
+            <p:ph type="body"/>
+          </p:nvPr>
+        </p:nvSpPr>
+        <p:spPr>
+          <a:xfrm>
+            <a:off x="609480" y="1604520"/>
+            <a:ext cx="5354280" cy="1896840"/>
+          </a:xfrm>
+          <a:prstGeom prst="rect">
+            <a:avLst/>
+          </a:prstGeom>
+        </p:spPr>
+        <p:txBody>
+          <a:bodyPr lIns="0" rIns="0" tIns="0" bIns="0"/>
+          <a:p>
+            <a:endParaRPr/>
+          </a:p>
+        </p:txBody>
+      </p:sp>
+      <p:sp>
+        <p:nvSpPr>
+          <p:cNvPr id="147" name="PlaceHolder 3"/>
+          <p:cNvSpPr>
+            <a:spLocks noGrp="1"/>
+          </p:cNvSpPr>
+          <p:nvPr>
+            <p:ph type="body"/>
+          </p:nvPr>
+        </p:nvSpPr>
+        <p:spPr>
+          <a:xfrm>
+            <a:off x="6231960" y="1604520"/>
+            <a:ext cx="5354280" cy="1896840"/>
+          </a:xfrm>
+          <a:prstGeom prst="rect">
+            <a:avLst/>
+          </a:prstGeom>
+        </p:spPr>
+        <p:txBody>
+          <a:bodyPr lIns="0" rIns="0" tIns="0" bIns="0"/>
+          <a:p>
+            <a:endParaRPr/>
+          </a:p>
+        </p:txBody>
+      </p:sp>
+      <p:sp>
+        <p:nvSpPr>
+          <p:cNvPr id="148" name="PlaceHolder 4"/>
+          <p:cNvSpPr>
+            <a:spLocks noGrp="1"/>
+          </p:cNvSpPr>
+          <p:nvPr>
+            <p:ph type="body"/>
+          </p:nvPr>
+        </p:nvSpPr>
+        <p:spPr>
+          <a:xfrm>
+            <a:off x="609480" y="3682080"/>
+            <a:ext cx="10972440" cy="1896840"/>
+          </a:xfrm>
+          <a:prstGeom prst="rect">
+            <a:avLst/>
+          </a:prstGeom>
+        </p:spPr>
+        <p:txBody>
+          <a:bodyPr lIns="0" rIns="0" tIns="0" bIns="0"/>
+          <a:p>
+            <a:endParaRPr/>
+          </a:p>
+        </p:txBody>
+      </p:sp>
+    </p:spTree>
+  </p:cSld>
+</p:sldLayout>
+</file>
+
+<file path=ppt/slideLayouts/slideLayout46.xml><?xml version="1.0" encoding="utf-8"?>
+<p:sldLayout xmlns:a="http://schemas.openxmlformats.org/drawingml/2006/main" xmlns:p="http://schemas.openxmlformats.org/presentationml/2006/main" xmlns:r="http://schemas.openxmlformats.org/officeDocument/2006/relationships" type="objOverTx" preserve="1">
+  <p:cSld name="Title, Content over Content">
+    <p:spTree>
+      <p:nvGrpSpPr>
+        <p:cNvPr id="1" name=""/>
+        <p:cNvGrpSpPr/>
+        <p:nvPr/>
+      </p:nvGrpSpPr>
+      <p:grpSpPr>
+        <a:xfrm>
+          <a:off x="0" y="0"/>
+          <a:ext cx="0" cy="0"/>
+          <a:chOff x="0" y="0"/>
+          <a:chExt cx="0" cy="0"/>
+        </a:xfrm>
+      </p:grpSpPr>
+      <p:sp>
+        <p:nvSpPr>
+          <p:cNvPr id="149" name="PlaceHolder 1"/>
+          <p:cNvSpPr>
+            <a:spLocks noGrp="1"/>
+          </p:cNvSpPr>
+          <p:nvPr>
+            <p:ph type="title"/>
+          </p:nvPr>
+        </p:nvSpPr>
+        <p:spPr>
+          <a:xfrm>
+            <a:off x="609480" y="273600"/>
+            <a:ext cx="10972440" cy="1144800"/>
+          </a:xfrm>
+          <a:prstGeom prst="rect">
+            <a:avLst/>
+          </a:prstGeom>
+        </p:spPr>
+        <p:txBody>
+          <a:bodyPr lIns="0" rIns="0" tIns="0" bIns="0" anchor="ctr"/>
+          <a:p>
+            <a:pPr algn="ctr"/>
+            <a:endParaRPr/>
+          </a:p>
+        </p:txBody>
+      </p:sp>
+      <p:sp>
+        <p:nvSpPr>
+          <p:cNvPr id="150" name="PlaceHolder 2"/>
+          <p:cNvSpPr>
+            <a:spLocks noGrp="1"/>
+          </p:cNvSpPr>
+          <p:nvPr>
+            <p:ph type="body"/>
+          </p:nvPr>
+        </p:nvSpPr>
+        <p:spPr>
+          <a:xfrm>
+            <a:off x="609480" y="1604520"/>
+            <a:ext cx="10972440" cy="1896840"/>
+          </a:xfrm>
+          <a:prstGeom prst="rect">
+            <a:avLst/>
+          </a:prstGeom>
+        </p:spPr>
+        <p:txBody>
+          <a:bodyPr lIns="0" rIns="0" tIns="0" bIns="0"/>
+          <a:p>
+            <a:endParaRPr/>
+          </a:p>
+        </p:txBody>
+      </p:sp>
+      <p:sp>
+        <p:nvSpPr>
+          <p:cNvPr id="151" name="PlaceHolder 3"/>
+          <p:cNvSpPr>
+            <a:spLocks noGrp="1"/>
+          </p:cNvSpPr>
+          <p:nvPr>
+            <p:ph type="body"/>
+          </p:nvPr>
+        </p:nvSpPr>
+        <p:spPr>
+          <a:xfrm>
+            <a:off x="609480" y="3682080"/>
+            <a:ext cx="10972440" cy="1896840"/>
+          </a:xfrm>
+          <a:prstGeom prst="rect">
+            <a:avLst/>
+          </a:prstGeom>
+        </p:spPr>
+        <p:txBody>
+          <a:bodyPr lIns="0" rIns="0" tIns="0" bIns="0"/>
+          <a:p>
+            <a:endParaRPr/>
+          </a:p>
+        </p:txBody>
+      </p:sp>
+    </p:spTree>
+  </p:cSld>
+</p:sldLayout>
+</file>
+
+<file path=ppt/slideLayouts/slideLayout47.xml><?xml version="1.0" encoding="utf-8"?>
+<p:sldLayout xmlns:a="http://schemas.openxmlformats.org/drawingml/2006/main" xmlns:p="http://schemas.openxmlformats.org/presentationml/2006/main" xmlns:r="http://schemas.openxmlformats.org/officeDocument/2006/relationships" type="fourObj" preserve="1">
+  <p:cSld name="Title, 4 Content">
+    <p:spTree>
+      <p:nvGrpSpPr>
+        <p:cNvPr id="1" name=""/>
+        <p:cNvGrpSpPr/>
+        <p:nvPr/>
+      </p:nvGrpSpPr>
+      <p:grpSpPr>
+        <a:xfrm>
+          <a:off x="0" y="0"/>
+          <a:ext cx="0" cy="0"/>
+          <a:chOff x="0" y="0"/>
+          <a:chExt cx="0" cy="0"/>
+        </a:xfrm>
+      </p:grpSpPr>
+      <p:sp>
+        <p:nvSpPr>
+          <p:cNvPr id="152" name="PlaceHolder 1"/>
+          <p:cNvSpPr>
+            <a:spLocks noGrp="1"/>
+          </p:cNvSpPr>
+          <p:nvPr>
+            <p:ph type="title"/>
+          </p:nvPr>
+        </p:nvSpPr>
+        <p:spPr>
+          <a:xfrm>
+            <a:off x="609480" y="273600"/>
+            <a:ext cx="10972440" cy="1144800"/>
+          </a:xfrm>
+          <a:prstGeom prst="rect">
+            <a:avLst/>
+          </a:prstGeom>
+        </p:spPr>
+        <p:txBody>
+          <a:bodyPr lIns="0" rIns="0" tIns="0" bIns="0" anchor="ctr"/>
+          <a:p>
+            <a:pPr algn="ctr"/>
+            <a:endParaRPr/>
+          </a:p>
+        </p:txBody>
+      </p:sp>
+      <p:sp>
+        <p:nvSpPr>
+          <p:cNvPr id="153" name="PlaceHolder 2"/>
+          <p:cNvSpPr>
+            <a:spLocks noGrp="1"/>
+          </p:cNvSpPr>
+          <p:nvPr>
+            <p:ph type="body"/>
+          </p:nvPr>
+        </p:nvSpPr>
+        <p:spPr>
+          <a:xfrm>
+            <a:off x="609480" y="1604520"/>
+            <a:ext cx="5354280" cy="1896840"/>
+          </a:xfrm>
+          <a:prstGeom prst="rect">
+            <a:avLst/>
+          </a:prstGeom>
+        </p:spPr>
+        <p:txBody>
+          <a:bodyPr lIns="0" rIns="0" tIns="0" bIns="0"/>
+          <a:p>
+            <a:endParaRPr/>
+          </a:p>
+        </p:txBody>
+      </p:sp>
+      <p:sp>
+        <p:nvSpPr>
+          <p:cNvPr id="154" name="PlaceHolder 3"/>
+          <p:cNvSpPr>
+            <a:spLocks noGrp="1"/>
+          </p:cNvSpPr>
+          <p:nvPr>
+            <p:ph type="body"/>
+          </p:nvPr>
+        </p:nvSpPr>
+        <p:spPr>
+          <a:xfrm>
+            <a:off x="6231960" y="1604520"/>
+            <a:ext cx="5354280" cy="1896840"/>
+          </a:xfrm>
+          <a:prstGeom prst="rect">
+            <a:avLst/>
+          </a:prstGeom>
+        </p:spPr>
+        <p:txBody>
+          <a:bodyPr lIns="0" rIns="0" tIns="0" bIns="0"/>
+          <a:p>
+            <a:endParaRPr/>
+          </a:p>
+        </p:txBody>
+      </p:sp>
+      <p:sp>
+        <p:nvSpPr>
+          <p:cNvPr id="155" name="PlaceHolder 4"/>
+          <p:cNvSpPr>
+            <a:spLocks noGrp="1"/>
+          </p:cNvSpPr>
+          <p:nvPr>
+            <p:ph type="body"/>
+          </p:nvPr>
+        </p:nvSpPr>
+        <p:spPr>
+          <a:xfrm>
+            <a:off x="6231960" y="3682080"/>
+            <a:ext cx="5354280" cy="1896840"/>
+          </a:xfrm>
+          <a:prstGeom prst="rect">
+            <a:avLst/>
+          </a:prstGeom>
+        </p:spPr>
+        <p:txBody>
+          <a:bodyPr lIns="0" rIns="0" tIns="0" bIns="0"/>
+          <a:p>
+            <a:endParaRPr/>
+          </a:p>
+        </p:txBody>
+      </p:sp>
+      <p:sp>
+        <p:nvSpPr>
+          <p:cNvPr id="156" name="PlaceHolder 5"/>
+          <p:cNvSpPr>
+            <a:spLocks noGrp="1"/>
+          </p:cNvSpPr>
+          <p:nvPr>
+            <p:ph type="body"/>
+          </p:nvPr>
+        </p:nvSpPr>
+        <p:spPr>
+          <a:xfrm>
+            <a:off x="609480" y="3682080"/>
+            <a:ext cx="5354280" cy="1896840"/>
+          </a:xfrm>
+          <a:prstGeom prst="rect">
+            <a:avLst/>
+          </a:prstGeom>
+        </p:spPr>
+        <p:txBody>
+          <a:bodyPr lIns="0" rIns="0" tIns="0" bIns="0"/>
+          <a:p>
+            <a:endParaRPr/>
+          </a:p>
+        </p:txBody>
+      </p:sp>
+    </p:spTree>
+  </p:cSld>
+</p:sldLayout>
+</file>
+
+<file path=ppt/slideLayouts/slideLayout48.xml><?xml version="1.0" encoding="utf-8"?>
+<p:sldLayout xmlns:a="http://schemas.openxmlformats.org/drawingml/2006/main" xmlns:p="http://schemas.openxmlformats.org/presentationml/2006/main" xmlns:r="http://schemas.openxmlformats.org/officeDocument/2006/relationships" type="blank" preserve="1">
+  <p:cSld name="Title, 6 Content">
+    <p:spTree>
+      <p:nvGrpSpPr>
+        <p:cNvPr id="1" name=""/>
+        <p:cNvGrpSpPr/>
+        <p:nvPr/>
+      </p:nvGrpSpPr>
+      <p:grpSpPr>
+        <a:xfrm>
+          <a:off x="0" y="0"/>
+          <a:ext cx="0" cy="0"/>
+          <a:chOff x="0" y="0"/>
+          <a:chExt cx="0" cy="0"/>
+        </a:xfrm>
+      </p:grpSpPr>
+      <p:sp>
+        <p:nvSpPr>
+          <p:cNvPr id="157" name="PlaceHolder 1"/>
+          <p:cNvSpPr>
+            <a:spLocks noGrp="1"/>
+          </p:cNvSpPr>
+          <p:nvPr>
+            <p:ph type="title"/>
+          </p:nvPr>
+        </p:nvSpPr>
+        <p:spPr>
+          <a:xfrm>
+            <a:off x="609480" y="273600"/>
+            <a:ext cx="10972440" cy="1144800"/>
+          </a:xfrm>
+          <a:prstGeom prst="rect">
+            <a:avLst/>
+          </a:prstGeom>
+        </p:spPr>
+        <p:txBody>
+          <a:bodyPr lIns="0" rIns="0" tIns="0" bIns="0" anchor="ctr"/>
+          <a:p>
+            <a:pPr algn="ctr"/>
+            <a:endParaRPr/>
+          </a:p>
+        </p:txBody>
+      </p:sp>
+      <p:sp>
+        <p:nvSpPr>
+          <p:cNvPr id="158" name="PlaceHolder 2"/>
+          <p:cNvSpPr>
+            <a:spLocks noGrp="1"/>
+          </p:cNvSpPr>
+          <p:nvPr>
+            <p:ph type="body"/>
+          </p:nvPr>
+        </p:nvSpPr>
+        <p:spPr>
+          <a:xfrm>
+            <a:off x="609480" y="1604520"/>
+            <a:ext cx="10972440" cy="3977280"/>
+          </a:xfrm>
+          <a:prstGeom prst="rect">
+            <a:avLst/>
+          </a:prstGeom>
+        </p:spPr>
+        <p:txBody>
+          <a:bodyPr lIns="0" rIns="0" tIns="0" bIns="0"/>
+          <a:p>
+            <a:endParaRPr/>
+          </a:p>
+        </p:txBody>
+      </p:sp>
+      <p:sp>
+        <p:nvSpPr>
+          <p:cNvPr id="159" name="PlaceHolder 3"/>
+          <p:cNvSpPr>
+            <a:spLocks noGrp="1"/>
+          </p:cNvSpPr>
+          <p:nvPr>
+            <p:ph type="body"/>
+          </p:nvPr>
+        </p:nvSpPr>
+        <p:spPr>
+          <a:xfrm>
+            <a:off x="609480" y="1604520"/>
+            <a:ext cx="10972440" cy="3977280"/>
+          </a:xfrm>
+          <a:prstGeom prst="rect">
+            <a:avLst/>
+          </a:prstGeom>
+        </p:spPr>
+        <p:txBody>
+          <a:bodyPr lIns="0" rIns="0" tIns="0" bIns="0"/>
+          <a:p>
+            <a:endParaRPr/>
+          </a:p>
+        </p:txBody>
+      </p:sp>
+      <p:pic>
+        <p:nvPicPr>
+          <p:cNvPr id="160" name="" descr=""/>
+          <p:cNvPicPr/>
+          <p:nvPr/>
+        </p:nvPicPr>
+        <p:blipFill>
+          <a:blip r:embed="rId2"/>
+          <a:stretch/>
+        </p:blipFill>
+        <p:spPr>
+          <a:xfrm>
+            <a:off x="3602880" y="1604520"/>
+            <a:ext cx="4984920" cy="3977280"/>
+          </a:xfrm>
+          <a:prstGeom prst="rect">
+            <a:avLst/>
+          </a:prstGeom>
+          <a:ln>
+            <a:noFill/>
+          </a:ln>
+        </p:spPr>
+      </p:pic>
+      <p:pic>
+        <p:nvPicPr>
+          <p:cNvPr id="161" name="" descr=""/>
+          <p:cNvPicPr/>
+          <p:nvPr/>
+        </p:nvPicPr>
+        <p:blipFill>
+          <a:blip r:embed="rId3"/>
+          <a:stretch/>
+        </p:blipFill>
+        <p:spPr>
+          <a:xfrm>
+            <a:off x="3602880" y="1604520"/>
+            <a:ext cx="4984920" cy="3977280"/>
+          </a:xfrm>
+          <a:prstGeom prst="rect">
+            <a:avLst/>
+          </a:prstGeom>
+          <a:ln>
+            <a:noFill/>
+          </a:ln>
+        </p:spPr>
+      </p:pic>
     </p:spTree>
   </p:cSld>
 </p:sldLayout>
@@ -4659,7 +6006,7 @@
         <p:spPr>
           <a:xfrm>
             <a:off x="0" y="6400800"/>
-            <a:ext cx="12190680" cy="455760"/>
+            <a:ext cx="12190320" cy="455400"/>
           </a:xfrm>
           <a:prstGeom prst="rect">
             <a:avLst/>
@@ -4695,7 +6042,7 @@
         <p:spPr>
           <a:xfrm>
             <a:off x="0" y="6334200"/>
-            <a:ext cx="12190680" cy="64440"/>
+            <a:ext cx="12190320" cy="64080"/>
           </a:xfrm>
           <a:prstGeom prst="rect">
             <a:avLst/>
@@ -4756,7 +6103,7 @@
         <p:spPr>
           <a:xfrm>
             <a:off x="3240" y="6400800"/>
-            <a:ext cx="12187440" cy="455760"/>
+            <a:ext cx="12187080" cy="455400"/>
           </a:xfrm>
           <a:prstGeom prst="rect">
             <a:avLst/>
@@ -4792,7 +6139,7 @@
         <p:spPr>
           <a:xfrm>
             <a:off x="0" y="6334200"/>
-            <a:ext cx="12187440" cy="62640"/>
+            <a:ext cx="12187080" cy="62280"/>
           </a:xfrm>
           <a:prstGeom prst="rect">
             <a:avLst/>
@@ -5051,7 +6398,7 @@
         <p:spPr>
           <a:xfrm>
             <a:off x="0" y="6400800"/>
-            <a:ext cx="12190680" cy="455760"/>
+            <a:ext cx="12190320" cy="455400"/>
           </a:xfrm>
           <a:prstGeom prst="rect">
             <a:avLst/>
@@ -5087,7 +6434,7 @@
         <p:spPr>
           <a:xfrm>
             <a:off x="0" y="6334200"/>
-            <a:ext cx="12190680" cy="64440"/>
+            <a:ext cx="12190320" cy="64080"/>
           </a:xfrm>
           <a:prstGeom prst="rect">
             <a:avLst/>
@@ -5346,7 +6693,7 @@
         <p:spPr>
           <a:xfrm>
             <a:off x="0" y="6400800"/>
-            <a:ext cx="12190680" cy="455760"/>
+            <a:ext cx="12190320" cy="455400"/>
           </a:xfrm>
           <a:prstGeom prst="rect">
             <a:avLst/>
@@ -5382,7 +6729,7 @@
         <p:spPr>
           <a:xfrm>
             <a:off x="0" y="6334200"/>
-            <a:ext cx="12190680" cy="64440"/>
+            <a:ext cx="12190320" cy="64080"/>
           </a:xfrm>
           <a:prstGeom prst="rect">
             <a:avLst/>
@@ -5604,6 +6951,399 @@
     <p:sldLayoutId id="2147483684" r:id="rId11"/>
     <p:sldLayoutId id="2147483685" r:id="rId12"/>
     <p:sldLayoutId id="2147483686" r:id="rId13"/>
+  </p:sldLayoutIdLst>
+</p:sldMaster>
+</file>
+
+<file path=ppt/slideMasters/slideMaster4.xml><?xml version="1.0" encoding="utf-8"?>
+<p:sldMaster xmlns:a="http://schemas.openxmlformats.org/drawingml/2006/main" xmlns:p="http://schemas.openxmlformats.org/presentationml/2006/main" xmlns:r="http://schemas.openxmlformats.org/officeDocument/2006/relationships">
+  <p:cSld>
+    <p:bg>
+      <p:bgPr>
+        <a:solidFill>
+          <a:srgbClr val="ffffff"/>
+        </a:solidFill>
+      </p:bgPr>
+    </p:bg>
+    <p:spTree>
+      <p:nvGrpSpPr>
+        <p:cNvPr id="1" name=""/>
+        <p:cNvGrpSpPr/>
+        <p:nvPr/>
+      </p:nvGrpSpPr>
+      <p:grpSpPr>
+        <a:xfrm>
+          <a:off x="0" y="0"/>
+          <a:ext cx="0" cy="0"/>
+          <a:chOff x="0" y="0"/>
+          <a:chExt cx="0" cy="0"/>
+        </a:xfrm>
+      </p:grpSpPr>
+      <p:sp>
+        <p:nvSpPr>
+          <p:cNvPr id="120" name="CustomShape 1"/>
+          <p:cNvSpPr/>
+          <p:nvPr/>
+        </p:nvSpPr>
+        <p:spPr>
+          <a:xfrm>
+            <a:off x="0" y="6400800"/>
+            <a:ext cx="12190320" cy="455400"/>
+          </a:xfrm>
+          <a:prstGeom prst="rect">
+            <a:avLst/>
+          </a:prstGeom>
+          <a:solidFill>
+            <a:schemeClr val="accent2"/>
+          </a:solidFill>
+          <a:ln>
+            <a:noFill/>
+          </a:ln>
+        </p:spPr>
+        <p:style>
+          <a:lnRef idx="2">
+            <a:schemeClr val="accent1">
+              <a:shade val="50000"/>
+            </a:schemeClr>
+          </a:lnRef>
+          <a:fillRef idx="1">
+            <a:schemeClr val="accent1"/>
+          </a:fillRef>
+          <a:effectRef idx="0">
+            <a:schemeClr val="accent1"/>
+          </a:effectRef>
+          <a:fontRef idx="minor"/>
+        </p:style>
+      </p:sp>
+      <p:sp>
+        <p:nvSpPr>
+          <p:cNvPr id="121" name="CustomShape 2"/>
+          <p:cNvSpPr/>
+          <p:nvPr/>
+        </p:nvSpPr>
+        <p:spPr>
+          <a:xfrm>
+            <a:off x="0" y="6334200"/>
+            <a:ext cx="12190320" cy="64080"/>
+          </a:xfrm>
+          <a:prstGeom prst="rect">
+            <a:avLst/>
+          </a:prstGeom>
+          <a:solidFill>
+            <a:schemeClr val="accent1"/>
+          </a:solidFill>
+          <a:ln>
+            <a:noFill/>
+          </a:ln>
+        </p:spPr>
+        <p:style>
+          <a:lnRef idx="2">
+            <a:schemeClr val="accent1">
+              <a:shade val="50000"/>
+            </a:schemeClr>
+          </a:lnRef>
+          <a:fillRef idx="1">
+            <a:schemeClr val="accent1"/>
+          </a:fillRef>
+          <a:effectRef idx="0">
+            <a:schemeClr val="accent1"/>
+          </a:effectRef>
+          <a:fontRef idx="minor"/>
+        </p:style>
+      </p:sp>
+      <p:sp>
+        <p:nvSpPr>
+          <p:cNvPr id="122" name="Line 3"/>
+          <p:cNvSpPr/>
+          <p:nvPr/>
+        </p:nvSpPr>
+        <p:spPr>
+          <a:xfrm>
+            <a:off x="1193400" y="1737720"/>
+            <a:ext cx="9966960" cy="0"/>
+          </a:xfrm>
+          <a:prstGeom prst="line">
+            <a:avLst/>
+          </a:prstGeom>
+          <a:ln w="6480">
+            <a:solidFill>
+              <a:schemeClr val="tx1">
+                <a:lumMod val="50000"/>
+                <a:lumOff val="50000"/>
+              </a:schemeClr>
+            </a:solidFill>
+            <a:round/>
+          </a:ln>
+        </p:spPr>
+      </p:sp>
+      <p:sp>
+        <p:nvSpPr>
+          <p:cNvPr id="123" name="PlaceHolder 4"/>
+          <p:cNvSpPr>
+            <a:spLocks noGrp="1"/>
+          </p:cNvSpPr>
+          <p:nvPr>
+            <p:ph type="title"/>
+          </p:nvPr>
+        </p:nvSpPr>
+        <p:spPr>
+          <a:xfrm>
+            <a:off x="609480" y="273600"/>
+            <a:ext cx="10972440" cy="1144800"/>
+          </a:xfrm>
+          <a:prstGeom prst="rect">
+            <a:avLst/>
+          </a:prstGeom>
+        </p:spPr>
+        <p:txBody>
+          <a:bodyPr lIns="0" rIns="0" tIns="0" bIns="0" anchor="ctr"/>
+          <a:p>
+            <a:pPr algn="ctr"/>
+            <a:r>
+              <a:rPr lang="fr-FR" sz="4400">
+                <a:latin typeface="Arial"/>
+              </a:rPr>
+              <a:t>Click to edit the title text format</a:t>
+            </a:r>
+            <a:endParaRPr/>
+          </a:p>
+        </p:txBody>
+      </p:sp>
+      <p:sp>
+        <p:nvSpPr>
+          <p:cNvPr id="124" name="PlaceHolder 5"/>
+          <p:cNvSpPr>
+            <a:spLocks noGrp="1"/>
+          </p:cNvSpPr>
+          <p:nvPr>
+            <p:ph type="body"/>
+          </p:nvPr>
+        </p:nvSpPr>
+        <p:spPr>
+          <a:xfrm>
+            <a:off x="609480" y="1604520"/>
+            <a:ext cx="10972440" cy="3977280"/>
+          </a:xfrm>
+          <a:prstGeom prst="rect">
+            <a:avLst/>
+          </a:prstGeom>
+        </p:spPr>
+        <p:txBody>
+          <a:bodyPr lIns="0" rIns="0" tIns="0" bIns="0"/>
+          <a:p>
+            <a:pPr>
+              <a:buSzPct val="45000"/>
+              <a:buFont typeface="StarSymbol"/>
+              <a:buChar char=""/>
+            </a:pPr>
+            <a:r>
+              <a:rPr lang="fr-FR" sz="3200">
+                <a:latin typeface="Arial"/>
+              </a:rPr>
+              <a:t>Click to edit the outline text format</a:t>
+            </a:r>
+            <a:endParaRPr/>
+          </a:p>
+          <a:p>
+            <a:pPr lvl="1">
+              <a:buSzPct val="75000"/>
+              <a:buFont typeface="StarSymbol"/>
+              <a:buChar char=""/>
+            </a:pPr>
+            <a:r>
+              <a:rPr lang="fr-FR" sz="2800">
+                <a:latin typeface="Arial"/>
+              </a:rPr>
+              <a:t>Second Outline Level</a:t>
+            </a:r>
+            <a:endParaRPr/>
+          </a:p>
+          <a:p>
+            <a:pPr lvl="2">
+              <a:buSzPct val="45000"/>
+              <a:buFont typeface="StarSymbol"/>
+              <a:buChar char=""/>
+            </a:pPr>
+            <a:r>
+              <a:rPr lang="fr-FR" sz="2400">
+                <a:latin typeface="Arial"/>
+              </a:rPr>
+              <a:t>Third Outline Level</a:t>
+            </a:r>
+            <a:endParaRPr/>
+          </a:p>
+          <a:p>
+            <a:pPr lvl="3">
+              <a:buSzPct val="75000"/>
+              <a:buFont typeface="StarSymbol"/>
+              <a:buChar char=""/>
+            </a:pPr>
+            <a:r>
+              <a:rPr lang="fr-FR" sz="2000">
+                <a:latin typeface="Arial"/>
+              </a:rPr>
+              <a:t>Fourth Outline Level</a:t>
+            </a:r>
+            <a:endParaRPr/>
+          </a:p>
+          <a:p>
+            <a:pPr lvl="4">
+              <a:buSzPct val="45000"/>
+              <a:buFont typeface="StarSymbol"/>
+              <a:buChar char=""/>
+            </a:pPr>
+            <a:r>
+              <a:rPr lang="fr-FR" sz="2000">
+                <a:latin typeface="Arial"/>
+              </a:rPr>
+              <a:t>Fifth Outline Level</a:t>
+            </a:r>
+            <a:endParaRPr/>
+          </a:p>
+          <a:p>
+            <a:pPr lvl="5">
+              <a:buSzPct val="45000"/>
+              <a:buFont typeface="StarSymbol"/>
+              <a:buChar char=""/>
+            </a:pPr>
+            <a:r>
+              <a:rPr lang="fr-FR" sz="2000">
+                <a:latin typeface="Arial"/>
+              </a:rPr>
+              <a:t>Sixth Outline Level</a:t>
+            </a:r>
+            <a:endParaRPr/>
+          </a:p>
+          <a:p>
+            <a:pPr lvl="6">
+              <a:buSzPct val="45000"/>
+              <a:buFont typeface="StarSymbol"/>
+              <a:buChar char=""/>
+            </a:pPr>
+            <a:r>
+              <a:rPr lang="fr-FR" sz="2000">
+                <a:latin typeface="Arial"/>
+              </a:rPr>
+              <a:t>Seventh Outline Level</a:t>
+            </a:r>
+            <a:endParaRPr/>
+          </a:p>
+        </p:txBody>
+      </p:sp>
+      <p:sp>
+        <p:nvSpPr>
+          <p:cNvPr id="125" name="PlaceHolder 6"/>
+          <p:cNvSpPr>
+            <a:spLocks noGrp="1"/>
+          </p:cNvSpPr>
+          <p:nvPr>
+            <p:ph type="dt"/>
+          </p:nvPr>
+        </p:nvSpPr>
+        <p:spPr>
+          <a:xfrm>
+            <a:off x="609480" y="6247440"/>
+            <a:ext cx="2840400" cy="472680"/>
+          </a:xfrm>
+          <a:prstGeom prst="rect">
+            <a:avLst/>
+          </a:prstGeom>
+        </p:spPr>
+        <p:txBody>
+          <a:bodyPr lIns="0" rIns="0" tIns="0" bIns="0"/>
+          <a:p>
+            <a:r>
+              <a:rPr lang="fr-FR" sz="1400">
+                <a:latin typeface="Times New Roman"/>
+              </a:rPr>
+              <a:t>&lt;date/time&gt;</a:t>
+            </a:r>
+            <a:endParaRPr/>
+          </a:p>
+        </p:txBody>
+      </p:sp>
+      <p:sp>
+        <p:nvSpPr>
+          <p:cNvPr id="126" name="PlaceHolder 7"/>
+          <p:cNvSpPr>
+            <a:spLocks noGrp="1"/>
+          </p:cNvSpPr>
+          <p:nvPr>
+            <p:ph type="ftr"/>
+          </p:nvPr>
+        </p:nvSpPr>
+        <p:spPr>
+          <a:xfrm>
+            <a:off x="4169520" y="6247440"/>
+            <a:ext cx="3864240" cy="472680"/>
+          </a:xfrm>
+          <a:prstGeom prst="rect">
+            <a:avLst/>
+          </a:prstGeom>
+        </p:spPr>
+        <p:txBody>
+          <a:bodyPr lIns="0" rIns="0" tIns="0" bIns="0"/>
+          <a:p>
+            <a:pPr algn="ctr"/>
+            <a:r>
+              <a:rPr lang="fr-FR" sz="1400">
+                <a:latin typeface="Times New Roman"/>
+              </a:rPr>
+              <a:t>&lt;footer&gt;</a:t>
+            </a:r>
+            <a:endParaRPr/>
+          </a:p>
+        </p:txBody>
+      </p:sp>
+      <p:sp>
+        <p:nvSpPr>
+          <p:cNvPr id="127" name="PlaceHolder 8"/>
+          <p:cNvSpPr>
+            <a:spLocks noGrp="1"/>
+          </p:cNvSpPr>
+          <p:nvPr>
+            <p:ph type="sldNum"/>
+          </p:nvPr>
+        </p:nvSpPr>
+        <p:spPr>
+          <a:xfrm>
+            <a:off x="8741520" y="6247440"/>
+            <a:ext cx="2840400" cy="472680"/>
+          </a:xfrm>
+          <a:prstGeom prst="rect">
+            <a:avLst/>
+          </a:prstGeom>
+        </p:spPr>
+        <p:txBody>
+          <a:bodyPr lIns="0" rIns="0" tIns="0" bIns="0"/>
+          <a:p>
+            <a:pPr algn="r"/>
+            <a:fld id="{01BFF152-3B45-43B1-BBA5-44DBD8621A42}" type="slidenum">
+              <a:rPr lang="fr-FR" sz="1400">
+                <a:latin typeface="Times New Roman"/>
+              </a:rPr>
+              <a:t>&lt;number&gt;</a:t>
+            </a:fld>
+            <a:endParaRPr/>
+          </a:p>
+        </p:txBody>
+      </p:sp>
+    </p:spTree>
+  </p:cSld>
+  <p:clrMap bg1="lt1" bg2="lt2" tx1="dk1" tx2="dk2" accent1="accent1" accent2="accent2" accent3="accent3" accent4="accent4" accent5="accent5" accent6="accent6" hlink="hlink" folHlink="folHlink"/>
+  <p:sldLayoutIdLst>
+    <p:sldLayoutId id="2147483688" r:id="rId2"/>
+    <p:sldLayoutId id="2147483689" r:id="rId3"/>
+    <p:sldLayoutId id="2147483690" r:id="rId4"/>
+    <p:sldLayoutId id="2147483691" r:id="rId5"/>
+    <p:sldLayoutId id="2147483692" r:id="rId6"/>
+    <p:sldLayoutId id="2147483693" r:id="rId7"/>
+    <p:sldLayoutId id="2147483694" r:id="rId8"/>
+    <p:sldLayoutId id="2147483695" r:id="rId9"/>
+    <p:sldLayoutId id="2147483696" r:id="rId10"/>
+    <p:sldLayoutId id="2147483697" r:id="rId11"/>
+    <p:sldLayoutId id="2147483698" r:id="rId12"/>
+    <p:sldLayoutId id="2147483699" r:id="rId13"/>
   </p:sldLayoutIdLst>
 </p:sldMaster>
 </file>
@@ -5627,14 +7367,14 @@
       </p:grpSpPr>
       <p:sp>
         <p:nvSpPr>
-          <p:cNvPr id="125" name="CustomShape 1"/>
+          <p:cNvPr id="167" name="CustomShape 1"/>
           <p:cNvSpPr/>
           <p:nvPr/>
         </p:nvSpPr>
         <p:spPr>
           <a:xfrm>
             <a:off x="1097280" y="758880"/>
-            <a:ext cx="10056960" cy="3564720"/>
+            <a:ext cx="10056600" cy="3564360"/>
           </a:xfrm>
           <a:prstGeom prst="rect">
             <a:avLst/>
@@ -5674,14 +7414,14 @@
       </p:sp>
       <p:sp>
         <p:nvSpPr>
-          <p:cNvPr id="126" name="CustomShape 2"/>
+          <p:cNvPr id="168" name="CustomShape 2"/>
           <p:cNvSpPr/>
           <p:nvPr/>
         </p:nvSpPr>
         <p:spPr>
           <a:xfrm>
             <a:off x="1100160" y="4455720"/>
-            <a:ext cx="10056960" cy="1141560"/>
+            <a:ext cx="10056600" cy="1141200"/>
           </a:xfrm>
           <a:prstGeom prst="rect">
             <a:avLst/>
@@ -5755,14 +7495,14 @@
       </p:sp>
       <p:sp>
         <p:nvSpPr>
-          <p:cNvPr id="127" name="CustomShape 3"/>
+          <p:cNvPr id="169" name="CustomShape 3"/>
           <p:cNvSpPr/>
           <p:nvPr/>
         </p:nvSpPr>
         <p:spPr>
           <a:xfrm>
             <a:off x="0" y="0"/>
-            <a:ext cx="10056960" cy="1141560"/>
+            <a:ext cx="10056600" cy="1141200"/>
           </a:xfrm>
           <a:prstGeom prst="rect">
             <a:avLst/>
@@ -5859,14 +7599,14 @@
       </p:grpSpPr>
       <p:sp>
         <p:nvSpPr>
-          <p:cNvPr id="172" name="CustomShape 1"/>
+          <p:cNvPr id="211" name="CustomShape 1"/>
           <p:cNvSpPr/>
           <p:nvPr/>
         </p:nvSpPr>
         <p:spPr>
           <a:xfrm>
-            <a:off x="3686040" y="6459840"/>
-            <a:ext cx="4821480" cy="363600"/>
+            <a:off x="1097280" y="286560"/>
+            <a:ext cx="10056600" cy="1449000"/>
           </a:xfrm>
           <a:prstGeom prst="rect">
             <a:avLst/>
@@ -5883,37 +7623,37 @@
           <a:fontRef idx="minor"/>
         </p:style>
         <p:txBody>
-          <a:bodyPr lIns="90000" rIns="90000" tIns="45000" bIns="45000" anchor="ctr"/>
-          <a:p>
-            <a:pPr algn="ctr">
+          <a:bodyPr lIns="90000" rIns="90000" tIns="45000" bIns="45000" anchor="b"/>
+          <a:p>
+            <a:pPr>
               <a:lnSpc>
                 <a:spcPct val="100000"/>
               </a:lnSpc>
             </a:pPr>
             <a:r>
-              <a:rPr lang="fr-FR" sz="900" strike="noStrike">
-                <a:solidFill>
-                  <a:srgbClr val="ffffff"/>
-                </a:solidFill>
-                <a:latin typeface="Calibri"/>
-                <a:ea typeface="DejaVu Sans"/>
-              </a:rPr>
-              <a:t>SHELLCODING // MOLLARD Rémi</a:t>
-            </a:r>
-            <a:endParaRPr/>
-          </a:p>
-        </p:txBody>
-      </p:sp>
-      <p:sp>
-        <p:nvSpPr>
-          <p:cNvPr id="173" name="CustomShape 2"/>
+              <a:rPr lang="fr-FR" sz="4800" strike="noStrike">
+                <a:solidFill>
+                  <a:srgbClr val="404040"/>
+                </a:solidFill>
+                <a:latin typeface="Calibri Light"/>
+                <a:ea typeface="DejaVu Sans"/>
+              </a:rPr>
+              <a:t>Fighting with Hello World !</a:t>
+            </a:r>
+            <a:endParaRPr/>
+          </a:p>
+        </p:txBody>
+      </p:sp>
+      <p:sp>
+        <p:nvSpPr>
+          <p:cNvPr id="212" name="CustomShape 2"/>
           <p:cNvSpPr/>
           <p:nvPr/>
         </p:nvSpPr>
         <p:spPr>
           <a:xfrm>
-            <a:off x="9900360" y="6459840"/>
-            <a:ext cx="1310760" cy="363600"/>
+            <a:off x="1102320" y="1872000"/>
+            <a:ext cx="10056600" cy="4021560"/>
           </a:xfrm>
           <a:prstGeom prst="rect">
             <a:avLst/>
@@ -5930,14 +7670,156 @@
           <a:fontRef idx="minor"/>
         </p:style>
         <p:txBody>
+          <a:bodyPr lIns="0" rIns="0" tIns="45000" bIns="45000"/>
+          <a:p>
+            <a:pPr>
+              <a:lnSpc>
+                <a:spcPct val="100000"/>
+              </a:lnSpc>
+              <a:buSzPct val="45000"/>
+              <a:buFont typeface="StarSymbol"/>
+              <a:buChar char="l"/>
+            </a:pPr>
+            <a:r>
+              <a:rPr lang="fr-FR" sz="2000" strike="noStrike">
+                <a:solidFill>
+                  <a:srgbClr val="000000"/>
+                </a:solidFill>
+                <a:latin typeface="Calibri"/>
+                <a:ea typeface="DejaVu Sans"/>
+              </a:rPr>
+              <a:t>Objectif : Ecrire un Hello world  – shellcode</a:t>
+            </a:r>
+            <a:endParaRPr/>
+          </a:p>
+          <a:p>
+            <a:pPr lvl="1">
+              <a:lnSpc>
+                <a:spcPct val="100000"/>
+              </a:lnSpc>
+              <a:buSzPct val="75000"/>
+              <a:buFont typeface="StarSymbol"/>
+              <a:buChar char="l"/>
+            </a:pPr>
+            <a:r>
+              <a:rPr lang="fr-FR" sz="1400" strike="noStrike">
+                <a:solidFill>
+                  <a:srgbClr val="000000"/>
+                </a:solidFill>
+                <a:latin typeface="Calibri"/>
+                <a:ea typeface="DejaVu Sans"/>
+              </a:rPr>
+              <a:t>Methode : syscall_write sur la console</a:t>
+            </a:r>
+            <a:endParaRPr/>
+          </a:p>
+          <a:p>
+            <a:pPr>
+              <a:lnSpc>
+                <a:spcPct val="100000"/>
+              </a:lnSpc>
+            </a:pPr>
+            <a:endParaRPr/>
+          </a:p>
+          <a:p>
+            <a:pPr>
+              <a:lnSpc>
+                <a:spcPct val="100000"/>
+              </a:lnSpc>
+            </a:pPr>
+            <a:endParaRPr/>
+          </a:p>
+          <a:p>
+            <a:pPr>
+              <a:lnSpc>
+                <a:spcPct val="100000"/>
+              </a:lnSpc>
+            </a:pPr>
+            <a:endParaRPr/>
+          </a:p>
+        </p:txBody>
+      </p:sp>
+      <p:sp>
+        <p:nvSpPr>
+          <p:cNvPr id="213" name="CustomShape 3"/>
+          <p:cNvSpPr/>
+          <p:nvPr/>
+        </p:nvSpPr>
+        <p:spPr>
+          <a:xfrm>
+            <a:off x="3686040" y="6459840"/>
+            <a:ext cx="4821120" cy="363240"/>
+          </a:xfrm>
+          <a:prstGeom prst="rect">
+            <a:avLst/>
+          </a:prstGeom>
+          <a:noFill/>
+          <a:ln>
+            <a:noFill/>
+          </a:ln>
+        </p:spPr>
+        <p:style>
+          <a:lnRef idx="0"/>
+          <a:fillRef idx="0"/>
+          <a:effectRef idx="0"/>
+          <a:fontRef idx="minor"/>
+        </p:style>
+        <p:txBody>
           <a:bodyPr lIns="90000" rIns="90000" tIns="45000" bIns="45000" anchor="ctr"/>
           <a:p>
+            <a:pPr algn="ctr">
+              <a:lnSpc>
+                <a:spcPct val="100000"/>
+              </a:lnSpc>
+            </a:pPr>
+            <a:r>
+              <a:rPr lang="fr-FR" sz="900" strike="noStrike">
+                <a:solidFill>
+                  <a:srgbClr val="ffffff"/>
+                </a:solidFill>
+                <a:latin typeface="Calibri"/>
+                <a:ea typeface="DejaVu Sans"/>
+              </a:rPr>
+              <a:t>SHELLCODING // MOLLARD Rémi</a:t>
+            </a:r>
+            <a:endParaRPr/>
+          </a:p>
+        </p:txBody>
+      </p:sp>
+      <p:sp>
+        <p:nvSpPr>
+          <p:cNvPr id="214" name="CustomShape 4"/>
+          <p:cNvSpPr/>
+          <p:nvPr/>
+        </p:nvSpPr>
+        <p:spPr>
+          <a:xfrm>
+            <a:off x="9900360" y="6459840"/>
+            <a:ext cx="1310400" cy="363240"/>
+          </a:xfrm>
+          <a:prstGeom prst="rect">
+            <a:avLst/>
+          </a:prstGeom>
+          <a:noFill/>
+          <a:ln>
+            <a:noFill/>
+          </a:ln>
+        </p:spPr>
+        <p:style>
+          <a:lnRef idx="0"/>
+          <a:fillRef idx="0"/>
+          <a:effectRef idx="0"/>
+          <a:fontRef idx="minor"/>
+        </p:style>
+        <p:txBody>
+          <a:bodyPr lIns="90000" rIns="90000" tIns="45000" bIns="45000" anchor="ctr"/>
+          <a:p>
             <a:pPr algn="r">
               <a:lnSpc>
                 <a:spcPct val="100000"/>
               </a:lnSpc>
             </a:pPr>
-            <a:fld id="{31107594-D253-416F-A96E-3D07BE27F109}" type="slidenum">
+            <a:fld id="{FE38506B-7765-4520-88CC-6EE18F70F32F}" type="slidenum">
               <a:rPr lang="fr-FR" sz="1050" strike="noStrike">
                 <a:solidFill>
                   <a:srgbClr val="ffffff"/>
@@ -5953,7 +7835,7 @@
       </p:sp>
       <p:pic>
         <p:nvPicPr>
-          <p:cNvPr id="174" name="" descr=""/>
+          <p:cNvPr id="215" name="" descr=""/>
           <p:cNvPicPr/>
           <p:nvPr/>
         </p:nvPicPr>
@@ -5963,8 +7845,8 @@
         </p:blipFill>
         <p:spPr>
           <a:xfrm>
-            <a:off x="432000" y="216000"/>
-            <a:ext cx="6622920" cy="6017400"/>
+            <a:off x="1411200" y="2801880"/>
+            <a:ext cx="7875360" cy="3065400"/>
           </a:xfrm>
           <a:prstGeom prst="rect">
             <a:avLst/>
@@ -5974,48 +7856,29 @@
           </a:ln>
         </p:spPr>
       </p:pic>
-      <p:sp>
-        <p:nvSpPr>
-          <p:cNvPr id="175" name="CustomShape 3"/>
-          <p:cNvSpPr/>
+      <p:pic>
+        <p:nvPicPr>
+          <p:cNvPr id="216" name="" descr=""/>
+          <p:cNvPicPr/>
           <p:nvPr/>
-        </p:nvSpPr>
-        <p:spPr>
-          <a:xfrm>
-            <a:off x="6948000" y="1253880"/>
-            <a:ext cx="4642920" cy="1000800"/>
-          </a:xfrm>
-          <a:prstGeom prst="rect">
-            <a:avLst/>
-          </a:prstGeom>
-          <a:noFill/>
+        </p:nvPicPr>
+        <p:blipFill>
+          <a:blip r:embed="rId2"/>
+          <a:stretch/>
+        </p:blipFill>
+        <p:spPr>
+          <a:xfrm>
+            <a:off x="4752000" y="2268000"/>
+            <a:ext cx="7306560" cy="1114560"/>
+          </a:xfrm>
+          <a:prstGeom prst="rect">
+            <a:avLst/>
+          </a:prstGeom>
           <a:ln>
             <a:noFill/>
           </a:ln>
         </p:spPr>
-        <p:style>
-          <a:lnRef idx="0"/>
-          <a:fillRef idx="0"/>
-          <a:effectRef idx="0"/>
-          <a:fontRef idx="minor"/>
-        </p:style>
-        <p:txBody>
-          <a:bodyPr lIns="90000" rIns="90000" tIns="45000" bIns="45000"/>
-          <a:p>
-            <a:r>
-              <a:rPr b="1" lang="fr-FR" sz="3200" strike="noStrike" u="sng">
-                <a:solidFill>
-                  <a:srgbClr val="000000"/>
-                </a:solidFill>
-                <a:latin typeface="Arial"/>
-                <a:ea typeface="DejaVu Sans"/>
-              </a:rPr>
-              <a:t>Une sollution ! (Kdo !)</a:t>
-            </a:r>
-            <a:endParaRPr/>
-          </a:p>
-        </p:txBody>
-      </p:sp>
+      </p:pic>
     </p:spTree>
   </p:cSld>
   <p:timing>
@@ -6067,14 +7930,14 @@
       </p:grpSpPr>
       <p:sp>
         <p:nvSpPr>
-          <p:cNvPr id="176" name="CustomShape 1"/>
+          <p:cNvPr id="217" name="CustomShape 1"/>
           <p:cNvSpPr/>
           <p:nvPr/>
         </p:nvSpPr>
         <p:spPr>
           <a:xfrm>
             <a:off x="1097280" y="286560"/>
-            <a:ext cx="10056960" cy="1449360"/>
+            <a:ext cx="10056600" cy="1449000"/>
           </a:xfrm>
           <a:prstGeom prst="rect">
             <a:avLst/>
@@ -6106,22 +7969,22 @@
                 <a:latin typeface="Calibri Light"/>
                 <a:ea typeface="DejaVu Sans"/>
               </a:rPr>
-              <a:t>And after ?? ! (Rootme)</a:t>
-            </a:r>
-            <a:endParaRPr/>
-          </a:p>
-        </p:txBody>
-      </p:sp>
-      <p:sp>
-        <p:nvSpPr>
-          <p:cNvPr id="177" name="CustomShape 2"/>
+              <a:t>Fighting with your shellcode !</a:t>
+            </a:r>
+            <a:endParaRPr/>
+          </a:p>
+        </p:txBody>
+      </p:sp>
+      <p:sp>
+        <p:nvSpPr>
+          <p:cNvPr id="218" name="CustomShape 2"/>
           <p:cNvSpPr/>
           <p:nvPr/>
         </p:nvSpPr>
         <p:spPr>
           <a:xfrm>
             <a:off x="1097280" y="1845720"/>
-            <a:ext cx="10056960" cy="4021920"/>
+            <a:ext cx="10056600" cy="4021560"/>
           </a:xfrm>
           <a:prstGeom prst="rect">
             <a:avLst/>
@@ -6156,7 +8019,7 @@
                 <a:latin typeface="Calibri"/>
                 <a:ea typeface="DejaVu Sans"/>
               </a:rPr>
-              <a:t>Tips and tricks for RootMe challenge (Programmation/Shellcode)</a:t>
+              <a:t>Objectif : Ecrire un shellcode spécial CTF sans NULL byte (0x00) et sans Shell !</a:t>
             </a:r>
             <a:endParaRPr/>
           </a:p>
@@ -6177,7 +8040,7 @@
                 <a:latin typeface="Calibri"/>
                 <a:ea typeface="DejaVu Sans"/>
               </a:rPr>
-              <a:t>Dans le dernier challenge de programmation de ROOTME il faut ecrire un  shellcode qui répond au exigences suivantes :</a:t>
+              <a:t>Methode :</a:t>
             </a:r>
             <a:endParaRPr/>
           </a:p>
@@ -6198,40 +8061,18 @@
                 <a:latin typeface="Calibri"/>
                 <a:ea typeface="DejaVu Sans"/>
               </a:rPr>
-              <a:t>- 64 bits </a:t>
-            </a:r>
-            <a:endParaRPr/>
-          </a:p>
-          <a:p>
-            <a:pPr>
-              <a:lnSpc>
-                <a:spcPct val="100000"/>
-              </a:lnSpc>
-            </a:pPr>
-            <a:endParaRPr/>
-          </a:p>
-          <a:p>
-            <a:pPr>
-              <a:lnSpc>
-                <a:spcPct val="100000"/>
-              </a:lnSpc>
-            </a:pPr>
-            <a:endParaRPr/>
-          </a:p>
-          <a:p>
-            <a:pPr>
-              <a:lnSpc>
-                <a:spcPct val="100000"/>
-              </a:lnSpc>
-            </a:pPr>
-            <a:endParaRPr/>
-          </a:p>
-          <a:p>
-            <a:pPr>
-              <a:lnSpc>
-                <a:spcPct val="100000"/>
-              </a:lnSpc>
-            </a:pPr>
+              <a:t>       </a:t>
+            </a:r>
+            <a:r>
+              <a:rPr lang="fr-FR" sz="2000" strike="noStrike">
+                <a:solidFill>
+                  <a:srgbClr val="000000"/>
+                </a:solidFill>
+                <a:latin typeface="Calibri"/>
+                <a:ea typeface="DejaVu Sans"/>
+              </a:rPr>
+              <a:t>- Sys_read (Le nom du fichier à ouvrir « flag.txt »)</a:t>
+            </a:r>
             <a:endParaRPr/>
           </a:p>
           <a:p>
@@ -6251,16 +8092,18 @@
                 <a:latin typeface="Calibri"/>
                 <a:ea typeface="DejaVu Sans"/>
               </a:rPr>
-              <a:t>- Lecture du fichier passwd/.passwd_XXX, avec XXX aléatoire</a:t>
-            </a:r>
-            <a:endParaRPr/>
-          </a:p>
-          <a:p>
-            <a:pPr>
-              <a:lnSpc>
-                <a:spcPct val="100000"/>
-              </a:lnSpc>
-            </a:pPr>
+              <a:t>       </a:t>
+            </a:r>
+            <a:r>
+              <a:rPr lang="fr-FR" sz="2000" strike="noStrike">
+                <a:solidFill>
+                  <a:srgbClr val="000000"/>
+                </a:solidFill>
+                <a:latin typeface="Calibri"/>
+                <a:ea typeface="DejaVu Sans"/>
+              </a:rPr>
+              <a:t>- Sys_open (Ouverture du fichier « flag.txt »)</a:t>
+            </a:r>
             <a:endParaRPr/>
           </a:p>
           <a:p>
@@ -6280,7 +8123,17 @@
                 <a:latin typeface="Calibri"/>
                 <a:ea typeface="DejaVu Sans"/>
               </a:rPr>
-              <a:t>Une idée sur la méthode ?</a:t>
+              <a:t>       </a:t>
+            </a:r>
+            <a:r>
+              <a:rPr lang="fr-FR" sz="2000" strike="noStrike">
+                <a:solidFill>
+                  <a:srgbClr val="000000"/>
+                </a:solidFill>
+                <a:latin typeface="Calibri"/>
+                <a:ea typeface="DejaVu Sans"/>
+              </a:rPr>
+              <a:t>- Sys_read (Lecture de fichier « flag.txt »)</a:t>
             </a:r>
             <a:endParaRPr/>
           </a:p>
@@ -6289,7 +8142,30 @@
               <a:lnSpc>
                 <a:spcPct val="100000"/>
               </a:lnSpc>
-            </a:pPr>
+              <a:buSzPct val="45000"/>
+              <a:buFont typeface="StarSymbol"/>
+              <a:buChar char="l"/>
+            </a:pPr>
+            <a:r>
+              <a:rPr lang="fr-FR" sz="2000" strike="noStrike">
+                <a:solidFill>
+                  <a:srgbClr val="000000"/>
+                </a:solidFill>
+                <a:latin typeface="Calibri"/>
+                <a:ea typeface="DejaVu Sans"/>
+              </a:rPr>
+              <a:t>       </a:t>
+            </a:r>
+            <a:r>
+              <a:rPr lang="fr-FR" sz="2000" strike="noStrike">
+                <a:solidFill>
+                  <a:srgbClr val="000000"/>
+                </a:solidFill>
+                <a:latin typeface="Calibri"/>
+                <a:ea typeface="DejaVu Sans"/>
+              </a:rPr>
+              <a:t>- Sys_write (Ecriture du resultat sur la console)</a:t>
+            </a:r>
             <a:endParaRPr/>
           </a:p>
           <a:p>
@@ -6316,26 +8192,18 @@
             </a:pPr>
             <a:endParaRPr/>
           </a:p>
-          <a:p>
-            <a:pPr>
-              <a:lnSpc>
-                <a:spcPct val="100000"/>
-              </a:lnSpc>
-            </a:pPr>
-            <a:endParaRPr/>
-          </a:p>
-        </p:txBody>
-      </p:sp>
-      <p:sp>
-        <p:nvSpPr>
-          <p:cNvPr id="178" name="CustomShape 3"/>
+        </p:txBody>
+      </p:sp>
+      <p:sp>
+        <p:nvSpPr>
+          <p:cNvPr id="219" name="CustomShape 3"/>
           <p:cNvSpPr/>
           <p:nvPr/>
         </p:nvSpPr>
         <p:spPr>
           <a:xfrm>
             <a:off x="3686040" y="6459840"/>
-            <a:ext cx="4821480" cy="363600"/>
+            <a:ext cx="4821120" cy="363240"/>
           </a:xfrm>
           <a:prstGeom prst="rect">
             <a:avLst/>
@@ -6375,14 +8243,14 @@
       </p:sp>
       <p:sp>
         <p:nvSpPr>
-          <p:cNvPr id="179" name="CustomShape 4"/>
+          <p:cNvPr id="220" name="CustomShape 4"/>
           <p:cNvSpPr/>
           <p:nvPr/>
         </p:nvSpPr>
         <p:spPr>
           <a:xfrm>
             <a:off x="9900360" y="6459840"/>
-            <a:ext cx="1310760" cy="363600"/>
+            <a:ext cx="1310400" cy="363240"/>
           </a:xfrm>
           <a:prstGeom prst="rect">
             <a:avLst/>
@@ -6406,7 +8274,7 @@
                 <a:spcPct val="100000"/>
               </a:lnSpc>
             </a:pPr>
-            <a:fld id="{36897F60-4711-4C3C-B22B-846D5D3B7746}" type="slidenum">
+            <a:fld id="{F22A4D84-BA9B-4375-996E-226A7112C700}" type="slidenum">
               <a:rPr lang="fr-FR" sz="1050" strike="noStrike">
                 <a:solidFill>
                   <a:srgbClr val="ffffff"/>
@@ -6422,7 +8290,7 @@
       </p:sp>
       <p:pic>
         <p:nvPicPr>
-          <p:cNvPr id="180" name="" descr=""/>
+          <p:cNvPr id="221" name="" descr=""/>
           <p:cNvPicPr/>
           <p:nvPr/>
         </p:nvPicPr>
@@ -6432,8 +8300,8 @@
         </p:blipFill>
         <p:spPr>
           <a:xfrm>
-            <a:off x="1348200" y="3240000"/>
-            <a:ext cx="9883080" cy="894960"/>
+            <a:off x="144000" y="4176000"/>
+            <a:ext cx="11894760" cy="1665000"/>
           </a:xfrm>
           <a:prstGeom prst="rect">
             <a:avLst/>
@@ -6494,14 +8362,14 @@
       </p:grpSpPr>
       <p:sp>
         <p:nvSpPr>
-          <p:cNvPr id="181" name="CustomShape 1"/>
+          <p:cNvPr id="222" name="CustomShape 1"/>
           <p:cNvSpPr/>
           <p:nvPr/>
         </p:nvSpPr>
         <p:spPr>
           <a:xfrm>
-            <a:off x="1097280" y="286560"/>
-            <a:ext cx="10056960" cy="1449360"/>
+            <a:off x="3686040" y="6459840"/>
+            <a:ext cx="4821120" cy="363240"/>
           </a:xfrm>
           <a:prstGeom prst="rect">
             <a:avLst/>
@@ -6518,37 +8386,37 @@
           <a:fontRef idx="minor"/>
         </p:style>
         <p:txBody>
-          <a:bodyPr lIns="90000" rIns="90000" tIns="45000" bIns="45000" anchor="b"/>
-          <a:p>
-            <a:pPr>
+          <a:bodyPr lIns="90000" rIns="90000" tIns="45000" bIns="45000" anchor="ctr"/>
+          <a:p>
+            <a:pPr algn="ctr">
               <a:lnSpc>
                 <a:spcPct val="100000"/>
               </a:lnSpc>
             </a:pPr>
             <a:r>
-              <a:rPr lang="fr-FR" sz="4800" strike="noStrike">
-                <a:solidFill>
-                  <a:srgbClr val="404040"/>
-                </a:solidFill>
-                <a:latin typeface="Calibri Light"/>
-                <a:ea typeface="DejaVu Sans"/>
-              </a:rPr>
-              <a:t>And after ?? ! (Rootme)</a:t>
-            </a:r>
-            <a:endParaRPr/>
-          </a:p>
-        </p:txBody>
-      </p:sp>
-      <p:sp>
-        <p:nvSpPr>
-          <p:cNvPr id="182" name="CustomShape 2"/>
+              <a:rPr lang="fr-FR" sz="900" strike="noStrike">
+                <a:solidFill>
+                  <a:srgbClr val="ffffff"/>
+                </a:solidFill>
+                <a:latin typeface="Calibri"/>
+                <a:ea typeface="DejaVu Sans"/>
+              </a:rPr>
+              <a:t>SHELLCODING // MOLLARD Rémi</a:t>
+            </a:r>
+            <a:endParaRPr/>
+          </a:p>
+        </p:txBody>
+      </p:sp>
+      <p:sp>
+        <p:nvSpPr>
+          <p:cNvPr id="223" name="CustomShape 2"/>
           <p:cNvSpPr/>
           <p:nvPr/>
         </p:nvSpPr>
         <p:spPr>
           <a:xfrm>
-            <a:off x="1097280" y="1845720"/>
-            <a:ext cx="10056960" cy="4021920"/>
+            <a:off x="9900360" y="6459840"/>
+            <a:ext cx="1310400" cy="363240"/>
           </a:xfrm>
           <a:prstGeom prst="rect">
             <a:avLst/>
@@ -6565,296 +8433,60 @@
           <a:fontRef idx="minor"/>
         </p:style>
         <p:txBody>
-          <a:bodyPr lIns="0" rIns="0" tIns="45000" bIns="45000"/>
-          <a:p>
-            <a:pPr>
+          <a:bodyPr lIns="90000" rIns="90000" tIns="45000" bIns="45000" anchor="ctr"/>
+          <a:p>
+            <a:pPr algn="r">
               <a:lnSpc>
                 <a:spcPct val="100000"/>
               </a:lnSpc>
-              <a:buSzPct val="45000"/>
-              <a:buFont typeface="StarSymbol"/>
-              <a:buChar char="l"/>
-            </a:pPr>
-            <a:r>
-              <a:rPr lang="fr-FR" sz="2000" strike="noStrike">
-                <a:solidFill>
-                  <a:srgbClr val="000000"/>
-                </a:solidFill>
-                <a:latin typeface="Calibri"/>
-                <a:ea typeface="DejaVu Sans"/>
-              </a:rPr>
-              <a:t>Même méthode qu'avant ! :</a:t>
-            </a:r>
-            <a:endParaRPr/>
-          </a:p>
-          <a:p>
-            <a:pPr>
-              <a:lnSpc>
-                <a:spcPct val="100000"/>
-              </a:lnSpc>
-            </a:pPr>
-            <a:endParaRPr/>
-          </a:p>
-          <a:p>
-            <a:pPr>
-              <a:lnSpc>
-                <a:spcPct val="100000"/>
-              </a:lnSpc>
-              <a:buSzPct val="45000"/>
-              <a:buFont typeface="StarSymbol"/>
-              <a:buChar char="l"/>
-            </a:pPr>
-            <a:r>
-              <a:rPr lang="fr-FR" sz="2000" strike="noStrike">
-                <a:solidFill>
-                  <a:srgbClr val="000000"/>
-                </a:solidFill>
-                <a:latin typeface="Calibri"/>
-                <a:ea typeface="DejaVu Sans"/>
-              </a:rPr>
-              <a:t>1 °) Lister le répertoire passwd/ pour obtenir le nom du fichier .passwd_XXX</a:t>
-            </a:r>
-            <a:endParaRPr/>
-          </a:p>
-          <a:p>
-            <a:pPr>
-              <a:lnSpc>
-                <a:spcPct val="100000"/>
-              </a:lnSpc>
-              <a:buSzPct val="45000"/>
-              <a:buFont typeface="StarSymbol"/>
-              <a:buChar char="l"/>
-            </a:pPr>
-            <a:r>
-              <a:rPr lang="fr-FR" sz="2000" strike="noStrike">
-                <a:solidFill>
-                  <a:srgbClr val="000000"/>
-                </a:solidFill>
-                <a:latin typeface="Calibri"/>
-                <a:ea typeface="DejaVu Sans"/>
-              </a:rPr>
-              <a:t>2 °) Ouvrir le fichier </a:t>
-            </a:r>
-            <a:endParaRPr/>
-          </a:p>
-          <a:p>
-            <a:pPr>
-              <a:lnSpc>
-                <a:spcPct val="100000"/>
-              </a:lnSpc>
-              <a:buSzPct val="45000"/>
-              <a:buFont typeface="StarSymbol"/>
-              <a:buChar char="l"/>
-            </a:pPr>
-            <a:r>
-              <a:rPr lang="fr-FR" sz="2000" strike="noStrike">
-                <a:solidFill>
-                  <a:srgbClr val="000000"/>
-                </a:solidFill>
-                <a:latin typeface="Calibri"/>
-                <a:ea typeface="DejaVu Sans"/>
-              </a:rPr>
-              <a:t>3 °) Lire le fichier</a:t>
-            </a:r>
-            <a:endParaRPr/>
-          </a:p>
-          <a:p>
-            <a:pPr>
-              <a:lnSpc>
-                <a:spcPct val="100000"/>
-              </a:lnSpc>
-              <a:buSzPct val="45000"/>
-              <a:buFont typeface="StarSymbol"/>
-              <a:buChar char="l"/>
-            </a:pPr>
-            <a:r>
-              <a:rPr lang="fr-FR" sz="2000" strike="noStrike">
-                <a:solidFill>
-                  <a:srgbClr val="000000"/>
-                </a:solidFill>
-                <a:latin typeface="Calibri"/>
-                <a:ea typeface="DejaVu Sans"/>
-              </a:rPr>
-              <a:t>4° ) Ecrire le résultat sur la console </a:t>
-            </a:r>
-            <a:endParaRPr/>
-          </a:p>
-          <a:p>
-            <a:pPr>
-              <a:lnSpc>
-                <a:spcPct val="100000"/>
-              </a:lnSpc>
-            </a:pPr>
-            <a:endParaRPr/>
-          </a:p>
-          <a:p>
-            <a:pPr lvl="1">
-              <a:lnSpc>
-                <a:spcPct val="100000"/>
-              </a:lnSpc>
-              <a:buSzPct val="45000"/>
-              <a:buFont typeface="StarSymbol"/>
-              <a:buChar char="l"/>
-            </a:pPr>
-            <a:r>
-              <a:rPr lang="fr-FR" sz="2000" strike="noStrike">
-                <a:solidFill>
-                  <a:srgbClr val="000000"/>
-                </a:solidFill>
-                <a:latin typeface="Calibri"/>
-                <a:ea typeface="DejaVu Sans"/>
-              </a:rPr>
-              <a:t>– </a:t>
-            </a:r>
-            <a:r>
-              <a:rPr lang="fr-FR" sz="2000" strike="noStrike">
-                <a:solidFill>
-                  <a:srgbClr val="000000"/>
-                </a:solidFill>
-                <a:latin typeface="Calibri"/>
-                <a:ea typeface="DejaVu Sans"/>
-              </a:rPr>
-              <a:t>sys_getdents </a:t>
-            </a:r>
-            <a:endParaRPr/>
-          </a:p>
-          <a:p>
-            <a:pPr lvl="1">
-              <a:lnSpc>
-                <a:spcPct val="100000"/>
-              </a:lnSpc>
-              <a:buSzPct val="45000"/>
-              <a:buFont typeface="StarSymbol"/>
-              <a:buChar char="l"/>
-            </a:pPr>
-            <a:r>
-              <a:rPr lang="fr-FR" sz="2000" strike="noStrike">
-                <a:solidFill>
-                  <a:srgbClr val="000000"/>
-                </a:solidFill>
-                <a:latin typeface="Calibri"/>
-                <a:ea typeface="DejaVu Sans"/>
-              </a:rPr>
-              <a:t>– </a:t>
-            </a:r>
-            <a:r>
-              <a:rPr lang="fr-FR" sz="2000" strike="noStrike">
-                <a:solidFill>
-                  <a:srgbClr val="000000"/>
-                </a:solidFill>
-                <a:latin typeface="Calibri"/>
-                <a:ea typeface="DejaVu Sans"/>
-              </a:rPr>
-              <a:t>sys_open</a:t>
-            </a:r>
-            <a:endParaRPr/>
-          </a:p>
-          <a:p>
-            <a:pPr lvl="1">
-              <a:lnSpc>
-                <a:spcPct val="100000"/>
-              </a:lnSpc>
-              <a:buSzPct val="45000"/>
-              <a:buFont typeface="StarSymbol"/>
-              <a:buChar char="l"/>
-            </a:pPr>
-            <a:r>
-              <a:rPr lang="fr-FR" sz="2000" strike="noStrike">
-                <a:solidFill>
-                  <a:srgbClr val="000000"/>
-                </a:solidFill>
-                <a:latin typeface="Calibri"/>
-                <a:ea typeface="DejaVu Sans"/>
-              </a:rPr>
-              <a:t>– </a:t>
-            </a:r>
-            <a:r>
-              <a:rPr lang="fr-FR" sz="2000" strike="noStrike">
-                <a:solidFill>
-                  <a:srgbClr val="000000"/>
-                </a:solidFill>
-                <a:latin typeface="Calibri"/>
-                <a:ea typeface="DejaVu Sans"/>
-              </a:rPr>
-              <a:t>sys_read</a:t>
-            </a:r>
-            <a:endParaRPr/>
-          </a:p>
-          <a:p>
-            <a:pPr lvl="1">
-              <a:lnSpc>
-                <a:spcPct val="100000"/>
-              </a:lnSpc>
-              <a:buSzPct val="45000"/>
-              <a:buFont typeface="StarSymbol"/>
-              <a:buChar char="l"/>
-            </a:pPr>
-            <a:r>
-              <a:rPr lang="fr-FR" sz="2000" strike="noStrike">
-                <a:solidFill>
-                  <a:srgbClr val="000000"/>
-                </a:solidFill>
-                <a:latin typeface="Calibri"/>
-                <a:ea typeface="DejaVu Sans"/>
-              </a:rPr>
-              <a:t>– </a:t>
-            </a:r>
-            <a:r>
-              <a:rPr lang="fr-FR" sz="2000" strike="noStrike">
-                <a:solidFill>
-                  <a:srgbClr val="000000"/>
-                </a:solidFill>
-                <a:latin typeface="Calibri"/>
-                <a:ea typeface="DejaVu Sans"/>
-              </a:rPr>
-              <a:t>sys_write</a:t>
-            </a:r>
-            <a:endParaRPr/>
-          </a:p>
-          <a:p>
-            <a:pPr>
-              <a:lnSpc>
-                <a:spcPct val="100000"/>
-              </a:lnSpc>
-            </a:pPr>
-            <a:endParaRPr/>
-          </a:p>
-          <a:p>
-            <a:pPr>
-              <a:lnSpc>
-                <a:spcPct val="100000"/>
-              </a:lnSpc>
-            </a:pPr>
-            <a:endParaRPr/>
-          </a:p>
-          <a:p>
-            <a:pPr>
-              <a:lnSpc>
-                <a:spcPct val="100000"/>
-              </a:lnSpc>
-            </a:pPr>
-            <a:endParaRPr/>
-          </a:p>
-          <a:p>
-            <a:pPr>
-              <a:lnSpc>
-                <a:spcPct val="100000"/>
-              </a:lnSpc>
-            </a:pPr>
-            <a:endParaRPr/>
-          </a:p>
-        </p:txBody>
-      </p:sp>
-      <p:sp>
-        <p:nvSpPr>
-          <p:cNvPr id="183" name="CustomShape 3"/>
+            </a:pPr>
+            <a:fld id="{E186FB6E-C716-4312-83BE-E27991AD642E}" type="slidenum">
+              <a:rPr lang="fr-FR" sz="1050" strike="noStrike">
+                <a:solidFill>
+                  <a:srgbClr val="ffffff"/>
+                </a:solidFill>
+                <a:latin typeface="Calibri"/>
+                <a:ea typeface="DejaVu Sans"/>
+              </a:rPr>
+              <a:t>&lt;number&gt;</a:t>
+            </a:fld>
+            <a:endParaRPr/>
+          </a:p>
+        </p:txBody>
+      </p:sp>
+      <p:pic>
+        <p:nvPicPr>
+          <p:cNvPr id="224" name="" descr=""/>
+          <p:cNvPicPr/>
+          <p:nvPr/>
+        </p:nvPicPr>
+        <p:blipFill>
+          <a:blip r:embed="rId1"/>
+          <a:stretch/>
+        </p:blipFill>
+        <p:spPr>
+          <a:xfrm>
+            <a:off x="432000" y="216000"/>
+            <a:ext cx="6622560" cy="6017040"/>
+          </a:xfrm>
+          <a:prstGeom prst="rect">
+            <a:avLst/>
+          </a:prstGeom>
+          <a:ln>
+            <a:noFill/>
+          </a:ln>
+        </p:spPr>
+      </p:pic>
+      <p:sp>
+        <p:nvSpPr>
+          <p:cNvPr id="225" name="CustomShape 3"/>
           <p:cNvSpPr/>
           <p:nvPr/>
         </p:nvSpPr>
         <p:spPr>
           <a:xfrm>
-            <a:off x="3686040" y="6459840"/>
-            <a:ext cx="4821480" cy="363600"/>
+            <a:off x="6948000" y="1253880"/>
+            <a:ext cx="4642560" cy="1000440"/>
           </a:xfrm>
           <a:prstGeom prst="rect">
             <a:avLst/>
@@ -6871,111 +8503,17 @@
           <a:fontRef idx="minor"/>
         </p:style>
         <p:txBody>
-          <a:bodyPr lIns="90000" rIns="90000" tIns="45000" bIns="45000" anchor="ctr"/>
-          <a:p>
-            <a:pPr algn="ctr">
-              <a:lnSpc>
-                <a:spcPct val="100000"/>
-              </a:lnSpc>
-            </a:pPr>
-            <a:r>
-              <a:rPr lang="fr-FR" sz="900" strike="noStrike">
-                <a:solidFill>
-                  <a:srgbClr val="ffffff"/>
-                </a:solidFill>
-                <a:latin typeface="Calibri"/>
-                <a:ea typeface="DejaVu Sans"/>
-              </a:rPr>
-              <a:t>SHELLCODING // MOLLARD Rémi</a:t>
-            </a:r>
-            <a:endParaRPr/>
-          </a:p>
-        </p:txBody>
-      </p:sp>
-      <p:sp>
-        <p:nvSpPr>
-          <p:cNvPr id="184" name="CustomShape 4"/>
-          <p:cNvSpPr/>
-          <p:nvPr/>
-        </p:nvSpPr>
-        <p:spPr>
-          <a:xfrm>
-            <a:off x="9900360" y="6459840"/>
-            <a:ext cx="1310760" cy="363600"/>
-          </a:xfrm>
-          <a:prstGeom prst="rect">
-            <a:avLst/>
-          </a:prstGeom>
-          <a:noFill/>
-          <a:ln>
-            <a:noFill/>
-          </a:ln>
-        </p:spPr>
-        <p:style>
-          <a:lnRef idx="0"/>
-          <a:fillRef idx="0"/>
-          <a:effectRef idx="0"/>
-          <a:fontRef idx="minor"/>
-        </p:style>
-        <p:txBody>
-          <a:bodyPr lIns="90000" rIns="90000" tIns="45000" bIns="45000" anchor="ctr"/>
-          <a:p>
-            <a:pPr algn="r">
-              <a:lnSpc>
-                <a:spcPct val="100000"/>
-              </a:lnSpc>
-            </a:pPr>
-            <a:fld id="{D0755273-29A1-4601-AA33-0856EBEF057C}" type="slidenum">
-              <a:rPr lang="fr-FR" sz="1050" strike="noStrike">
-                <a:solidFill>
-                  <a:srgbClr val="ffffff"/>
-                </a:solidFill>
-                <a:latin typeface="Calibri"/>
-                <a:ea typeface="DejaVu Sans"/>
-              </a:rPr>
-              <a:t>&lt;number&gt;</a:t>
-            </a:fld>
-            <a:endParaRPr/>
-          </a:p>
-        </p:txBody>
-      </p:sp>
-      <p:sp>
-        <p:nvSpPr>
-          <p:cNvPr id="185" name="CustomShape 5"/>
-          <p:cNvSpPr/>
-          <p:nvPr/>
-        </p:nvSpPr>
-        <p:spPr>
-          <a:xfrm>
-            <a:off x="5364000" y="3924000"/>
-            <a:ext cx="6359040" cy="601200"/>
-          </a:xfrm>
-          <a:prstGeom prst="rect">
-            <a:avLst/>
-          </a:prstGeom>
-          <a:noFill/>
-          <a:ln>
-            <a:noFill/>
-          </a:ln>
-        </p:spPr>
-        <p:style>
-          <a:lnRef idx="0"/>
-          <a:fillRef idx="0"/>
-          <a:effectRef idx="0"/>
-          <a:fontRef idx="minor"/>
-        </p:style>
-        <p:txBody>
           <a:bodyPr lIns="90000" rIns="90000" tIns="45000" bIns="45000"/>
           <a:p>
             <a:r>
-              <a:rPr b="1" lang="fr-FR" sz="3600" strike="noStrike">
+              <a:rPr b="1" lang="fr-FR" sz="3200" strike="noStrike" u="sng">
                 <a:solidFill>
                   <a:srgbClr val="000000"/>
                 </a:solidFill>
                 <a:latin typeface="Arial"/>
                 <a:ea typeface="DejaVu Sans"/>
               </a:rPr>
-              <a:t>A VOUS DE JOUER !</a:t>
+              <a:t>Une sollution ! (Kdo !)</a:t>
             </a:r>
             <a:endParaRPr/>
           </a:p>
@@ -7032,14 +8570,14 @@
       </p:grpSpPr>
       <p:sp>
         <p:nvSpPr>
-          <p:cNvPr id="186" name="CustomShape 1"/>
+          <p:cNvPr id="226" name="CustomShape 1"/>
           <p:cNvSpPr/>
           <p:nvPr/>
         </p:nvSpPr>
         <p:spPr>
           <a:xfrm>
             <a:off x="1097280" y="286560"/>
-            <a:ext cx="10056960" cy="1449360"/>
+            <a:ext cx="10056600" cy="1449000"/>
           </a:xfrm>
           <a:prstGeom prst="rect">
             <a:avLst/>
@@ -7071,22 +8609,22 @@
                 <a:latin typeface="Calibri Light"/>
                 <a:ea typeface="DejaVu Sans"/>
               </a:rPr>
-              <a:t>Questions et liens !</a:t>
-            </a:r>
-            <a:endParaRPr/>
-          </a:p>
-        </p:txBody>
-      </p:sp>
-      <p:sp>
-        <p:nvSpPr>
-          <p:cNvPr id="187" name="CustomShape 2"/>
+              <a:t>And after ?? ! (Rootme)</a:t>
+            </a:r>
+            <a:endParaRPr/>
+          </a:p>
+        </p:txBody>
+      </p:sp>
+      <p:sp>
+        <p:nvSpPr>
+          <p:cNvPr id="227" name="CustomShape 2"/>
           <p:cNvSpPr/>
           <p:nvPr/>
         </p:nvSpPr>
         <p:spPr>
           <a:xfrm>
-            <a:off x="1097280" y="1485720"/>
-            <a:ext cx="10056960" cy="4021920"/>
+            <a:off x="1097280" y="1845720"/>
+            <a:ext cx="10056600" cy="4021560"/>
           </a:xfrm>
           <a:prstGeom prst="rect">
             <a:avLst/>
@@ -7107,495 +8645,200 @@
           <a:p>
             <a:pPr>
               <a:lnSpc>
-                <a:spcPct val="90000"/>
-              </a:lnSpc>
-            </a:pPr>
-            <a:endParaRPr/>
-          </a:p>
-          <a:p>
-            <a:pPr>
-              <a:lnSpc>
-                <a:spcPct val="90000"/>
-              </a:lnSpc>
-            </a:pPr>
-            <a:r>
-              <a:rPr lang="fr-FR" strike="noStrike">
-                <a:solidFill>
-                  <a:srgbClr val="404040"/>
-                </a:solidFill>
-                <a:latin typeface="Calibri"/>
-                <a:ea typeface="DejaVu Sans"/>
-              </a:rPr>
-              <a:t>Linux sys_call table :</a:t>
-            </a:r>
-            <a:endParaRPr/>
-          </a:p>
-          <a:p>
-            <a:pPr>
-              <a:lnSpc>
-                <a:spcPct val="90000"/>
-              </a:lnSpc>
-            </a:pPr>
-            <a:r>
-              <a:rPr lang="fr-FR" strike="noStrike">
-                <a:solidFill>
-                  <a:srgbClr val="404040"/>
-                </a:solidFill>
-                <a:latin typeface="Calibri"/>
-                <a:ea typeface="DejaVu Sans"/>
-              </a:rPr>
-              <a:t>	</a:t>
-            </a:r>
-            <a:r>
-              <a:rPr lang="fr-FR" strike="noStrike">
-                <a:solidFill>
-                  <a:srgbClr val="404040"/>
-                </a:solidFill>
-                <a:latin typeface="Calibri"/>
-                <a:ea typeface="DejaVu Sans"/>
-              </a:rPr>
-              <a:t>→ </a:t>
-            </a:r>
-            <a:r>
-              <a:rPr lang="fr-FR" strike="noStrike">
-                <a:solidFill>
-                  <a:srgbClr val="404040"/>
-                </a:solidFill>
-                <a:latin typeface="Calibri"/>
-                <a:ea typeface="DejaVu Sans"/>
-              </a:rPr>
-              <a:t>x64 : https://filippo.io/linux-syscall-table/</a:t>
-            </a:r>
-            <a:endParaRPr/>
-          </a:p>
-          <a:p>
-            <a:pPr>
-              <a:lnSpc>
-                <a:spcPct val="90000"/>
-              </a:lnSpc>
-            </a:pPr>
-            <a:r>
-              <a:rPr lang="fr-FR" strike="noStrike">
-                <a:solidFill>
-                  <a:srgbClr val="404040"/>
-                </a:solidFill>
-                <a:latin typeface="Calibri"/>
-                <a:ea typeface="DejaVu Sans"/>
-              </a:rPr>
-              <a:t>	</a:t>
-            </a:r>
-            <a:r>
-              <a:rPr lang="fr-FR" strike="noStrike">
-                <a:solidFill>
-                  <a:srgbClr val="404040"/>
-                </a:solidFill>
-                <a:latin typeface="Calibri"/>
-                <a:ea typeface="DejaVu Sans"/>
-              </a:rPr>
-              <a:t>→ </a:t>
-            </a:r>
-            <a:r>
-              <a:rPr lang="fr-FR" strike="noStrike">
-                <a:solidFill>
-                  <a:srgbClr val="404040"/>
-                </a:solidFill>
-                <a:latin typeface="Calibri"/>
-                <a:ea typeface="DejaVu Sans"/>
-              </a:rPr>
-              <a:t>x32 : http://docs.cs.up.ac.za/programming/asm/derick_tut/syscalls.html</a:t>
-            </a:r>
-            <a:endParaRPr/>
-          </a:p>
-          <a:p>
-            <a:pPr>
-              <a:lnSpc>
-                <a:spcPct val="90000"/>
-              </a:lnSpc>
-            </a:pPr>
-            <a:endParaRPr/>
-          </a:p>
-          <a:p>
-            <a:pPr>
-              <a:lnSpc>
-                <a:spcPct val="90000"/>
-              </a:lnSpc>
-            </a:pPr>
-            <a:r>
-              <a:rPr lang="fr-FR" strike="noStrike">
-                <a:solidFill>
-                  <a:srgbClr val="404040"/>
-                </a:solidFill>
-                <a:latin typeface="Calibri"/>
-                <a:ea typeface="DejaVu Sans"/>
-              </a:rPr>
-              <a:t>Des bons ! :</a:t>
-            </a:r>
-            <a:endParaRPr/>
-          </a:p>
-          <a:p>
-            <a:pPr>
-              <a:lnSpc>
-                <a:spcPct val="90000"/>
-              </a:lnSpc>
-            </a:pPr>
-            <a:r>
-              <a:rPr lang="fr-FR" strike="noStrike">
-                <a:solidFill>
-                  <a:srgbClr val="404040"/>
-                </a:solidFill>
-                <a:latin typeface="Calibri"/>
-                <a:ea typeface="DejaVu Sans"/>
-              </a:rPr>
-              <a:t>	</a:t>
-            </a:r>
-            <a:r>
-              <a:rPr lang="fr-FR" strike="noStrike">
-                <a:solidFill>
-                  <a:srgbClr val="404040"/>
-                </a:solidFill>
-                <a:latin typeface="Calibri"/>
-                <a:ea typeface="DejaVu Sans"/>
-              </a:rPr>
-              <a:t>→ </a:t>
-            </a:r>
-            <a:r>
-              <a:rPr lang="fr-FR" strike="noStrike">
-                <a:solidFill>
-                  <a:srgbClr val="404040"/>
-                </a:solidFill>
-                <a:latin typeface="Calibri"/>
-                <a:ea typeface="DejaVu Sans"/>
-              </a:rPr>
-              <a:t>https://github.com/t00sh/assembly/blob/master/</a:t>
-            </a:r>
-            <a:endParaRPr/>
-          </a:p>
-          <a:p>
-            <a:pPr>
-              <a:lnSpc>
-                <a:spcPct val="90000"/>
-              </a:lnSpc>
-            </a:pPr>
-            <a:endParaRPr/>
-          </a:p>
-          <a:p>
-            <a:pPr>
-              <a:lnSpc>
-                <a:spcPct val="90000"/>
-              </a:lnSpc>
-            </a:pPr>
-            <a:r>
-              <a:rPr lang="fr-FR" strike="noStrike">
-                <a:solidFill>
-                  <a:srgbClr val="404040"/>
-                </a:solidFill>
-                <a:latin typeface="Calibri"/>
-                <a:ea typeface="DejaVu Sans"/>
-              </a:rPr>
-              <a:t>La base ! :</a:t>
-            </a:r>
-            <a:endParaRPr/>
-          </a:p>
-          <a:p>
-            <a:pPr>
-              <a:lnSpc>
-                <a:spcPct val="90000"/>
-              </a:lnSpc>
-            </a:pPr>
-            <a:r>
-              <a:rPr lang="fr-FR" strike="noStrike">
-                <a:solidFill>
-                  <a:srgbClr val="404040"/>
-                </a:solidFill>
-                <a:latin typeface="Calibri"/>
-                <a:ea typeface="DejaVu Sans"/>
-              </a:rPr>
-              <a:t>	</a:t>
-            </a:r>
-            <a:r>
-              <a:rPr lang="fr-FR" strike="noStrike">
-                <a:solidFill>
-                  <a:srgbClr val="404040"/>
-                </a:solidFill>
-                <a:latin typeface="Calibri"/>
-                <a:ea typeface="DejaVu Sans"/>
-              </a:rPr>
-              <a:t>→ </a:t>
-            </a:r>
-            <a:r>
-              <a:rPr lang="fr-FR" strike="noStrike">
-                <a:solidFill>
-                  <a:srgbClr val="404040"/>
-                </a:solidFill>
-                <a:latin typeface="Calibri"/>
-                <a:ea typeface="DejaVu Sans"/>
-              </a:rPr>
-              <a:t>http://shell-storm.org/shellcode/</a:t>
-            </a:r>
-            <a:endParaRPr/>
-          </a:p>
-          <a:p>
-            <a:pPr>
-              <a:lnSpc>
-                <a:spcPct val="90000"/>
-              </a:lnSpc>
-            </a:pPr>
-            <a:endParaRPr/>
-          </a:p>
-          <a:p>
-            <a:pPr>
-              <a:lnSpc>
-                <a:spcPct val="90000"/>
-              </a:lnSpc>
-            </a:pPr>
-            <a:r>
-              <a:rPr lang="fr-FR" strike="noStrike">
-                <a:solidFill>
-                  <a:srgbClr val="404040"/>
-                </a:solidFill>
-                <a:latin typeface="Calibri"/>
-                <a:ea typeface="DejaVu Sans"/>
-              </a:rPr>
-              <a:t>Why syscall :</a:t>
-            </a:r>
-            <a:endParaRPr/>
-          </a:p>
-          <a:p>
-            <a:pPr>
-              <a:lnSpc>
-                <a:spcPct val="90000"/>
-              </a:lnSpc>
-            </a:pPr>
-            <a:r>
-              <a:rPr lang="fr-FR" strike="noStrike">
-                <a:solidFill>
-                  <a:srgbClr val="404040"/>
-                </a:solidFill>
-                <a:latin typeface="Calibri"/>
-                <a:ea typeface="DejaVu Sans"/>
-              </a:rPr>
-              <a:t>	</a:t>
-            </a:r>
-            <a:r>
-              <a:rPr lang="fr-FR" strike="noStrike">
-                <a:solidFill>
-                  <a:srgbClr val="404040"/>
-                </a:solidFill>
-                <a:latin typeface="Calibri"/>
-                <a:ea typeface="DejaVu Sans"/>
-              </a:rPr>
-              <a:t>→ </a:t>
-            </a:r>
-            <a:r>
-              <a:rPr lang="fr-FR" strike="noStrike">
-                <a:solidFill>
-                  <a:srgbClr val="404040"/>
-                </a:solidFill>
-                <a:latin typeface="Calibri"/>
-                <a:ea typeface="DejaVu Sans"/>
-              </a:rPr>
-              <a:t>http://www.x86-64.org/documentation/abi.pdf</a:t>
-            </a:r>
-            <a:endParaRPr/>
-          </a:p>
-          <a:p>
-            <a:pPr>
-              <a:lnSpc>
-                <a:spcPct val="90000"/>
-              </a:lnSpc>
-            </a:pPr>
-            <a:endParaRPr/>
-          </a:p>
-          <a:p>
-            <a:pPr>
-              <a:lnSpc>
-                <a:spcPct val="90000"/>
-              </a:lnSpc>
-            </a:pPr>
-            <a:r>
-              <a:rPr lang="fr-FR" strike="noStrike">
-                <a:solidFill>
-                  <a:srgbClr val="404040"/>
-                </a:solidFill>
-                <a:latin typeface="Calibri"/>
-                <a:ea typeface="DejaVu Sans"/>
-              </a:rPr>
-              <a:t>Learn more ! :</a:t>
-            </a:r>
-            <a:endParaRPr/>
-          </a:p>
-          <a:p>
-            <a:pPr>
-              <a:lnSpc>
-                <a:spcPct val="90000"/>
-              </a:lnSpc>
-            </a:pPr>
-            <a:r>
-              <a:rPr lang="fr-FR" strike="noStrike">
-                <a:solidFill>
-                  <a:srgbClr val="404040"/>
-                </a:solidFill>
-                <a:latin typeface="Calibri"/>
-                <a:ea typeface="DejaVu Sans"/>
-              </a:rPr>
-              <a:t>	</a:t>
-            </a:r>
-            <a:r>
-              <a:rPr lang="fr-FR" strike="noStrike">
-                <a:solidFill>
-                  <a:srgbClr val="404040"/>
-                </a:solidFill>
-                <a:latin typeface="Calibri"/>
-                <a:ea typeface="DejaVu Sans"/>
-              </a:rPr>
-              <a:t>→ </a:t>
-            </a:r>
-            <a:r>
-              <a:rPr lang="fr-FR" strike="noStrike">
-                <a:solidFill>
-                  <a:srgbClr val="404040"/>
-                </a:solidFill>
-                <a:latin typeface="Calibri"/>
-                <a:ea typeface="DejaVu Sans"/>
-              </a:rPr>
-              <a:t>https://nets.ec/Alphanumeric_shellcode</a:t>
-            </a:r>
-            <a:endParaRPr/>
-          </a:p>
-          <a:p>
-            <a:pPr>
-              <a:lnSpc>
-                <a:spcPct val="90000"/>
-              </a:lnSpc>
-            </a:pPr>
-            <a:r>
-              <a:rPr lang="fr-FR" strike="noStrike">
-                <a:solidFill>
-                  <a:srgbClr val="404040"/>
-                </a:solidFill>
-                <a:latin typeface="Calibri"/>
-                <a:ea typeface="DejaVu Sans"/>
-              </a:rPr>
-              <a:t>	</a:t>
-            </a:r>
-            <a:r>
-              <a:rPr lang="fr-FR" strike="noStrike">
-                <a:solidFill>
-                  <a:srgbClr val="404040"/>
-                </a:solidFill>
-                <a:latin typeface="Calibri"/>
-                <a:ea typeface="DejaVu Sans"/>
-              </a:rPr>
-              <a:t>→ </a:t>
-            </a:r>
-            <a:r>
-              <a:rPr lang="fr-FR" strike="noStrike">
-                <a:solidFill>
-                  <a:srgbClr val="404040"/>
-                </a:solidFill>
-                <a:latin typeface="Calibri"/>
-                <a:ea typeface="DejaVu Sans"/>
-              </a:rPr>
-              <a:t>Cheat sheet x64 coding : http://cs.brown.edu/courses/cs033/docs/guides/x64.pdf</a:t>
-            </a:r>
-            <a:endParaRPr/>
-          </a:p>
-          <a:p>
-            <a:pPr>
-              <a:lnSpc>
-                <a:spcPct val="90000"/>
-              </a:lnSpc>
-            </a:pPr>
-            <a:r>
-              <a:rPr lang="fr-FR" strike="noStrike">
-                <a:solidFill>
-                  <a:srgbClr val="404040"/>
-                </a:solidFill>
-                <a:latin typeface="Calibri"/>
-                <a:ea typeface="DejaVu Sans"/>
-              </a:rPr>
-              <a:t>	</a:t>
-            </a:r>
-            <a:r>
-              <a:rPr lang="fr-FR" strike="noStrike">
-                <a:solidFill>
-                  <a:srgbClr val="404040"/>
-                </a:solidFill>
-                <a:latin typeface="Calibri"/>
-                <a:ea typeface="DejaVu Sans"/>
-              </a:rPr>
-              <a:t>→ </a:t>
-            </a:r>
-            <a:r>
-              <a:rPr lang="fr-FR" strike="noStrike">
-                <a:solidFill>
-                  <a:srgbClr val="404040"/>
-                </a:solidFill>
-                <a:latin typeface="Calibri"/>
-                <a:ea typeface="DejaVu Sans"/>
-              </a:rPr>
-              <a:t>http://www.re-xe.fr/shellcode-x86-et-x86_64/</a:t>
-            </a:r>
-            <a:endParaRPr/>
-          </a:p>
-          <a:p>
-            <a:pPr>
-              <a:lnSpc>
-                <a:spcPct val="90000"/>
-              </a:lnSpc>
-            </a:pPr>
-            <a:r>
-              <a:rPr lang="fr-FR" strike="noStrike">
-                <a:solidFill>
-                  <a:srgbClr val="404040"/>
-                </a:solidFill>
-                <a:latin typeface="Calibri"/>
-                <a:ea typeface="DejaVu Sans"/>
-              </a:rPr>
-              <a:t>	</a:t>
-            </a:r>
-            <a:r>
-              <a:rPr lang="fr-FR" strike="noStrike">
-                <a:solidFill>
-                  <a:srgbClr val="404040"/>
-                </a:solidFill>
-                <a:latin typeface="Calibri"/>
-                <a:ea typeface="DejaVu Sans"/>
-              </a:rPr>
-              <a:t>→ </a:t>
-            </a:r>
-            <a:r>
-              <a:rPr lang="fr-FR" strike="noStrike">
-                <a:solidFill>
-                  <a:srgbClr val="404040"/>
-                </a:solidFill>
-                <a:latin typeface="Calibri"/>
-                <a:ea typeface="DejaVu Sans"/>
-              </a:rPr>
-              <a:t>Assembleur 16 bits !!! &lt;3 &lt;3 http://minso.free.fr/cavinfo/programmation/asm.html</a:t>
-            </a:r>
-            <a:endParaRPr/>
-          </a:p>
-          <a:p>
-            <a:pPr>
-              <a:lnSpc>
-                <a:spcPct val="90000"/>
-              </a:lnSpc>
-            </a:pPr>
-            <a:endParaRPr/>
-          </a:p>
-        </p:txBody>
-      </p:sp>
-      <p:sp>
-        <p:nvSpPr>
-          <p:cNvPr id="188" name="CustomShape 3"/>
+                <a:spcPct val="100000"/>
+              </a:lnSpc>
+              <a:buSzPct val="45000"/>
+              <a:buFont typeface="StarSymbol"/>
+              <a:buChar char="l"/>
+            </a:pPr>
+            <a:r>
+              <a:rPr lang="fr-FR" sz="2000" strike="noStrike">
+                <a:solidFill>
+                  <a:srgbClr val="000000"/>
+                </a:solidFill>
+                <a:latin typeface="Calibri"/>
+                <a:ea typeface="DejaVu Sans"/>
+              </a:rPr>
+              <a:t>Tips and tricks for RootMe challenge (Programmation/Shellcode)</a:t>
+            </a:r>
+            <a:endParaRPr/>
+          </a:p>
+          <a:p>
+            <a:pPr>
+              <a:lnSpc>
+                <a:spcPct val="100000"/>
+              </a:lnSpc>
+              <a:buSzPct val="45000"/>
+              <a:buFont typeface="StarSymbol"/>
+              <a:buChar char="l"/>
+            </a:pPr>
+            <a:r>
+              <a:rPr lang="fr-FR" sz="2000" strike="noStrike">
+                <a:solidFill>
+                  <a:srgbClr val="000000"/>
+                </a:solidFill>
+                <a:latin typeface="Calibri"/>
+                <a:ea typeface="DejaVu Sans"/>
+              </a:rPr>
+              <a:t>Dans le dernier challenge de programmation de ROOTME il faut ecrire un  shellcode qui répond au exigences suivantes :</a:t>
+            </a:r>
+            <a:endParaRPr/>
+          </a:p>
+          <a:p>
+            <a:pPr>
+              <a:lnSpc>
+                <a:spcPct val="100000"/>
+              </a:lnSpc>
+              <a:buSzPct val="45000"/>
+              <a:buFont typeface="StarSymbol"/>
+              <a:buChar char="l"/>
+            </a:pPr>
+            <a:r>
+              <a:rPr lang="fr-FR" sz="2000" strike="noStrike">
+                <a:solidFill>
+                  <a:srgbClr val="000000"/>
+                </a:solidFill>
+                <a:latin typeface="Calibri"/>
+                <a:ea typeface="DejaVu Sans"/>
+              </a:rPr>
+              <a:t>- 64 bits </a:t>
+            </a:r>
+            <a:endParaRPr/>
+          </a:p>
+          <a:p>
+            <a:pPr>
+              <a:lnSpc>
+                <a:spcPct val="100000"/>
+              </a:lnSpc>
+            </a:pPr>
+            <a:endParaRPr/>
+          </a:p>
+          <a:p>
+            <a:pPr>
+              <a:lnSpc>
+                <a:spcPct val="100000"/>
+              </a:lnSpc>
+            </a:pPr>
+            <a:endParaRPr/>
+          </a:p>
+          <a:p>
+            <a:pPr>
+              <a:lnSpc>
+                <a:spcPct val="100000"/>
+              </a:lnSpc>
+            </a:pPr>
+            <a:endParaRPr/>
+          </a:p>
+          <a:p>
+            <a:pPr>
+              <a:lnSpc>
+                <a:spcPct val="100000"/>
+              </a:lnSpc>
+            </a:pPr>
+            <a:endParaRPr/>
+          </a:p>
+          <a:p>
+            <a:pPr>
+              <a:lnSpc>
+                <a:spcPct val="100000"/>
+              </a:lnSpc>
+              <a:buSzPct val="45000"/>
+              <a:buFont typeface="StarSymbol"/>
+              <a:buChar char="l"/>
+            </a:pPr>
+            <a:r>
+              <a:rPr lang="fr-FR" sz="2000" strike="noStrike">
+                <a:solidFill>
+                  <a:srgbClr val="000000"/>
+                </a:solidFill>
+                <a:latin typeface="Calibri"/>
+                <a:ea typeface="DejaVu Sans"/>
+              </a:rPr>
+              <a:t>- Lecture du fichier passwd/.passwd_XXX, avec XXX aléatoire</a:t>
+            </a:r>
+            <a:endParaRPr/>
+          </a:p>
+          <a:p>
+            <a:pPr>
+              <a:lnSpc>
+                <a:spcPct val="100000"/>
+              </a:lnSpc>
+            </a:pPr>
+            <a:endParaRPr/>
+          </a:p>
+          <a:p>
+            <a:pPr>
+              <a:lnSpc>
+                <a:spcPct val="100000"/>
+              </a:lnSpc>
+              <a:buSzPct val="45000"/>
+              <a:buFont typeface="StarSymbol"/>
+              <a:buChar char="l"/>
+            </a:pPr>
+            <a:r>
+              <a:rPr lang="fr-FR" sz="2000" strike="noStrike">
+                <a:solidFill>
+                  <a:srgbClr val="000000"/>
+                </a:solidFill>
+                <a:latin typeface="Calibri"/>
+                <a:ea typeface="DejaVu Sans"/>
+              </a:rPr>
+              <a:t>Une idée sur la méthode ?</a:t>
+            </a:r>
+            <a:endParaRPr/>
+          </a:p>
+          <a:p>
+            <a:pPr>
+              <a:lnSpc>
+                <a:spcPct val="100000"/>
+              </a:lnSpc>
+            </a:pPr>
+            <a:endParaRPr/>
+          </a:p>
+          <a:p>
+            <a:pPr>
+              <a:lnSpc>
+                <a:spcPct val="100000"/>
+              </a:lnSpc>
+            </a:pPr>
+            <a:endParaRPr/>
+          </a:p>
+          <a:p>
+            <a:pPr>
+              <a:lnSpc>
+                <a:spcPct val="100000"/>
+              </a:lnSpc>
+            </a:pPr>
+            <a:endParaRPr/>
+          </a:p>
+          <a:p>
+            <a:pPr>
+              <a:lnSpc>
+                <a:spcPct val="100000"/>
+              </a:lnSpc>
+            </a:pPr>
+            <a:endParaRPr/>
+          </a:p>
+          <a:p>
+            <a:pPr>
+              <a:lnSpc>
+                <a:spcPct val="100000"/>
+              </a:lnSpc>
+            </a:pPr>
+            <a:endParaRPr/>
+          </a:p>
+        </p:txBody>
+      </p:sp>
+      <p:sp>
+        <p:nvSpPr>
+          <p:cNvPr id="228" name="CustomShape 3"/>
           <p:cNvSpPr/>
           <p:nvPr/>
         </p:nvSpPr>
         <p:spPr>
           <a:xfrm>
             <a:off x="3686040" y="6459840"/>
-            <a:ext cx="4821480" cy="363600"/>
+            <a:ext cx="4821120" cy="363240"/>
           </a:xfrm>
           <a:prstGeom prst="rect">
             <a:avLst/>
@@ -7635,14 +8878,14 @@
       </p:sp>
       <p:sp>
         <p:nvSpPr>
-          <p:cNvPr id="189" name="CustomShape 4"/>
+          <p:cNvPr id="229" name="CustomShape 4"/>
           <p:cNvSpPr/>
           <p:nvPr/>
         </p:nvSpPr>
         <p:spPr>
           <a:xfrm>
             <a:off x="9900360" y="6459840"/>
-            <a:ext cx="1310760" cy="363600"/>
+            <a:ext cx="1310400" cy="363240"/>
           </a:xfrm>
           <a:prstGeom prst="rect">
             <a:avLst/>
@@ -7666,7 +8909,7 @@
                 <a:spcPct val="100000"/>
               </a:lnSpc>
             </a:pPr>
-            <a:fld id="{E5684196-4055-4872-9BA8-CCC39F067849}" type="slidenum">
+            <a:fld id="{1F7AE1DD-D806-4D72-B651-E343FCF8223C}" type="slidenum">
               <a:rPr lang="fr-FR" sz="1050" strike="noStrike">
                 <a:solidFill>
                   <a:srgbClr val="ffffff"/>
@@ -7680,6 +8923,29 @@
           </a:p>
         </p:txBody>
       </p:sp>
+      <p:pic>
+        <p:nvPicPr>
+          <p:cNvPr id="230" name="" descr=""/>
+          <p:cNvPicPr/>
+          <p:nvPr/>
+        </p:nvPicPr>
+        <p:blipFill>
+          <a:blip r:embed="rId1"/>
+          <a:stretch/>
+        </p:blipFill>
+        <p:spPr>
+          <a:xfrm>
+            <a:off x="1348200" y="3240000"/>
+            <a:ext cx="9882720" cy="894600"/>
+          </a:xfrm>
+          <a:prstGeom prst="rect">
+            <a:avLst/>
+          </a:prstGeom>
+          <a:ln>
+            <a:noFill/>
+          </a:ln>
+        </p:spPr>
+      </p:pic>
     </p:spTree>
   </p:cSld>
   <p:timing>
@@ -7689,6 +8955,1243 @@
           <p:childTnLst>
             <p:seq>
               <p:cTn id="26" nodeType="mainSeq"/>
+              <p:prevCondLst>
+                <p:cond delay="0" evt="onPrev">
+                  <p:tgtEl>
+                    <p:sldTgt/>
+                  </p:tgtEl>
+                </p:cond>
+              </p:prevCondLst>
+              <p:nextCondLst>
+                <p:cond delay="0" evt="onNext">
+                  <p:tgtEl>
+                    <p:sldTgt/>
+                  </p:tgtEl>
+                </p:cond>
+              </p:nextCondLst>
+            </p:seq>
+          </p:childTnLst>
+        </p:cTn>
+      </p:par>
+    </p:tnLst>
+  </p:timing>
+</p:sld>
+</file>
+
+<file path=ppt/slides/slide14.xml><?xml version="1.0" encoding="utf-8"?>
+<p:sld xmlns:a="http://schemas.openxmlformats.org/drawingml/2006/main" xmlns:p="http://schemas.openxmlformats.org/presentationml/2006/main" xmlns:r="http://schemas.openxmlformats.org/officeDocument/2006/relationships">
+  <p:cSld>
+    <p:spTree>
+      <p:nvGrpSpPr>
+        <p:cNvPr id="1" name=""/>
+        <p:cNvGrpSpPr/>
+        <p:nvPr/>
+      </p:nvGrpSpPr>
+      <p:grpSpPr>
+        <a:xfrm>
+          <a:off x="0" y="0"/>
+          <a:ext cx="0" cy="0"/>
+          <a:chOff x="0" y="0"/>
+          <a:chExt cx="0" cy="0"/>
+        </a:xfrm>
+      </p:grpSpPr>
+      <p:sp>
+        <p:nvSpPr>
+          <p:cNvPr id="231" name="CustomShape 1"/>
+          <p:cNvSpPr/>
+          <p:nvPr/>
+        </p:nvSpPr>
+        <p:spPr>
+          <a:xfrm>
+            <a:off x="1097280" y="286560"/>
+            <a:ext cx="10056600" cy="1449000"/>
+          </a:xfrm>
+          <a:prstGeom prst="rect">
+            <a:avLst/>
+          </a:prstGeom>
+          <a:noFill/>
+          <a:ln>
+            <a:noFill/>
+          </a:ln>
+        </p:spPr>
+        <p:style>
+          <a:lnRef idx="0"/>
+          <a:fillRef idx="0"/>
+          <a:effectRef idx="0"/>
+          <a:fontRef idx="minor"/>
+        </p:style>
+        <p:txBody>
+          <a:bodyPr lIns="90000" rIns="90000" tIns="45000" bIns="45000" anchor="b"/>
+          <a:p>
+            <a:pPr>
+              <a:lnSpc>
+                <a:spcPct val="100000"/>
+              </a:lnSpc>
+            </a:pPr>
+            <a:r>
+              <a:rPr lang="fr-FR" sz="4800" strike="noStrike">
+                <a:solidFill>
+                  <a:srgbClr val="404040"/>
+                </a:solidFill>
+                <a:latin typeface="Calibri Light"/>
+                <a:ea typeface="DejaVu Sans"/>
+              </a:rPr>
+              <a:t>And after ?? ! (Rootme)</a:t>
+            </a:r>
+            <a:endParaRPr/>
+          </a:p>
+        </p:txBody>
+      </p:sp>
+      <p:sp>
+        <p:nvSpPr>
+          <p:cNvPr id="232" name="CustomShape 2"/>
+          <p:cNvSpPr/>
+          <p:nvPr/>
+        </p:nvSpPr>
+        <p:spPr>
+          <a:xfrm>
+            <a:off x="1097280" y="1845720"/>
+            <a:ext cx="10056600" cy="4021560"/>
+          </a:xfrm>
+          <a:prstGeom prst="rect">
+            <a:avLst/>
+          </a:prstGeom>
+          <a:noFill/>
+          <a:ln>
+            <a:noFill/>
+          </a:ln>
+        </p:spPr>
+        <p:style>
+          <a:lnRef idx="0"/>
+          <a:fillRef idx="0"/>
+          <a:effectRef idx="0"/>
+          <a:fontRef idx="minor"/>
+        </p:style>
+        <p:txBody>
+          <a:bodyPr lIns="0" rIns="0" tIns="45000" bIns="45000"/>
+          <a:p>
+            <a:pPr>
+              <a:lnSpc>
+                <a:spcPct val="100000"/>
+              </a:lnSpc>
+              <a:buSzPct val="45000"/>
+              <a:buFont typeface="StarSymbol"/>
+              <a:buChar char="l"/>
+            </a:pPr>
+            <a:r>
+              <a:rPr lang="fr-FR" sz="2000" strike="noStrike">
+                <a:solidFill>
+                  <a:srgbClr val="000000"/>
+                </a:solidFill>
+                <a:latin typeface="Calibri"/>
+                <a:ea typeface="DejaVu Sans"/>
+              </a:rPr>
+              <a:t>Même méthode qu'avant ! :</a:t>
+            </a:r>
+            <a:endParaRPr/>
+          </a:p>
+          <a:p>
+            <a:pPr>
+              <a:lnSpc>
+                <a:spcPct val="100000"/>
+              </a:lnSpc>
+            </a:pPr>
+            <a:endParaRPr/>
+          </a:p>
+          <a:p>
+            <a:pPr>
+              <a:lnSpc>
+                <a:spcPct val="100000"/>
+              </a:lnSpc>
+              <a:buSzPct val="45000"/>
+              <a:buFont typeface="StarSymbol"/>
+              <a:buChar char="l"/>
+            </a:pPr>
+            <a:r>
+              <a:rPr lang="fr-FR" sz="2000" strike="noStrike">
+                <a:solidFill>
+                  <a:srgbClr val="000000"/>
+                </a:solidFill>
+                <a:latin typeface="Calibri"/>
+                <a:ea typeface="DejaVu Sans"/>
+              </a:rPr>
+              <a:t>1 °) Lister le répertoire passwd/ pour obtenir le nom du fichier .passwd_XXX</a:t>
+            </a:r>
+            <a:endParaRPr/>
+          </a:p>
+          <a:p>
+            <a:pPr>
+              <a:lnSpc>
+                <a:spcPct val="100000"/>
+              </a:lnSpc>
+              <a:buSzPct val="45000"/>
+              <a:buFont typeface="StarSymbol"/>
+              <a:buChar char="l"/>
+            </a:pPr>
+            <a:r>
+              <a:rPr lang="fr-FR" sz="2000" strike="noStrike">
+                <a:solidFill>
+                  <a:srgbClr val="000000"/>
+                </a:solidFill>
+                <a:latin typeface="Calibri"/>
+                <a:ea typeface="DejaVu Sans"/>
+              </a:rPr>
+              <a:t>2 °) Ouvrir le fichier </a:t>
+            </a:r>
+            <a:endParaRPr/>
+          </a:p>
+          <a:p>
+            <a:pPr>
+              <a:lnSpc>
+                <a:spcPct val="100000"/>
+              </a:lnSpc>
+              <a:buSzPct val="45000"/>
+              <a:buFont typeface="StarSymbol"/>
+              <a:buChar char="l"/>
+            </a:pPr>
+            <a:r>
+              <a:rPr lang="fr-FR" sz="2000" strike="noStrike">
+                <a:solidFill>
+                  <a:srgbClr val="000000"/>
+                </a:solidFill>
+                <a:latin typeface="Calibri"/>
+                <a:ea typeface="DejaVu Sans"/>
+              </a:rPr>
+              <a:t>3 °) Lire le fichier</a:t>
+            </a:r>
+            <a:endParaRPr/>
+          </a:p>
+          <a:p>
+            <a:pPr>
+              <a:lnSpc>
+                <a:spcPct val="100000"/>
+              </a:lnSpc>
+              <a:buSzPct val="45000"/>
+              <a:buFont typeface="StarSymbol"/>
+              <a:buChar char="l"/>
+            </a:pPr>
+            <a:r>
+              <a:rPr lang="fr-FR" sz="2000" strike="noStrike">
+                <a:solidFill>
+                  <a:srgbClr val="000000"/>
+                </a:solidFill>
+                <a:latin typeface="Calibri"/>
+                <a:ea typeface="DejaVu Sans"/>
+              </a:rPr>
+              <a:t>4° ) Ecrire le résultat sur la console </a:t>
+            </a:r>
+            <a:endParaRPr/>
+          </a:p>
+          <a:p>
+            <a:pPr>
+              <a:lnSpc>
+                <a:spcPct val="100000"/>
+              </a:lnSpc>
+            </a:pPr>
+            <a:endParaRPr/>
+          </a:p>
+          <a:p>
+            <a:pPr lvl="1">
+              <a:lnSpc>
+                <a:spcPct val="100000"/>
+              </a:lnSpc>
+              <a:buSzPct val="45000"/>
+              <a:buFont typeface="StarSymbol"/>
+              <a:buChar char="l"/>
+            </a:pPr>
+            <a:r>
+              <a:rPr lang="fr-FR" sz="2000" strike="noStrike">
+                <a:solidFill>
+                  <a:srgbClr val="000000"/>
+                </a:solidFill>
+                <a:latin typeface="Calibri"/>
+                <a:ea typeface="DejaVu Sans"/>
+              </a:rPr>
+              <a:t>– </a:t>
+            </a:r>
+            <a:r>
+              <a:rPr lang="fr-FR" sz="2000" strike="noStrike">
+                <a:solidFill>
+                  <a:srgbClr val="000000"/>
+                </a:solidFill>
+                <a:latin typeface="Calibri"/>
+                <a:ea typeface="DejaVu Sans"/>
+              </a:rPr>
+              <a:t>sys_getdents </a:t>
+            </a:r>
+            <a:endParaRPr/>
+          </a:p>
+          <a:p>
+            <a:pPr lvl="1">
+              <a:lnSpc>
+                <a:spcPct val="100000"/>
+              </a:lnSpc>
+              <a:buSzPct val="45000"/>
+              <a:buFont typeface="StarSymbol"/>
+              <a:buChar char="l"/>
+            </a:pPr>
+            <a:r>
+              <a:rPr lang="fr-FR" sz="2000" strike="noStrike">
+                <a:solidFill>
+                  <a:srgbClr val="000000"/>
+                </a:solidFill>
+                <a:latin typeface="Calibri"/>
+                <a:ea typeface="DejaVu Sans"/>
+              </a:rPr>
+              <a:t>– </a:t>
+            </a:r>
+            <a:r>
+              <a:rPr lang="fr-FR" sz="2000" strike="noStrike">
+                <a:solidFill>
+                  <a:srgbClr val="000000"/>
+                </a:solidFill>
+                <a:latin typeface="Calibri"/>
+                <a:ea typeface="DejaVu Sans"/>
+              </a:rPr>
+              <a:t>sys_open</a:t>
+            </a:r>
+            <a:endParaRPr/>
+          </a:p>
+          <a:p>
+            <a:pPr lvl="1">
+              <a:lnSpc>
+                <a:spcPct val="100000"/>
+              </a:lnSpc>
+              <a:buSzPct val="45000"/>
+              <a:buFont typeface="StarSymbol"/>
+              <a:buChar char="l"/>
+            </a:pPr>
+            <a:r>
+              <a:rPr lang="fr-FR" sz="2000" strike="noStrike">
+                <a:solidFill>
+                  <a:srgbClr val="000000"/>
+                </a:solidFill>
+                <a:latin typeface="Calibri"/>
+                <a:ea typeface="DejaVu Sans"/>
+              </a:rPr>
+              <a:t>– </a:t>
+            </a:r>
+            <a:r>
+              <a:rPr lang="fr-FR" sz="2000" strike="noStrike">
+                <a:solidFill>
+                  <a:srgbClr val="000000"/>
+                </a:solidFill>
+                <a:latin typeface="Calibri"/>
+                <a:ea typeface="DejaVu Sans"/>
+              </a:rPr>
+              <a:t>sys_read</a:t>
+            </a:r>
+            <a:endParaRPr/>
+          </a:p>
+          <a:p>
+            <a:pPr lvl="1">
+              <a:lnSpc>
+                <a:spcPct val="100000"/>
+              </a:lnSpc>
+              <a:buSzPct val="45000"/>
+              <a:buFont typeface="StarSymbol"/>
+              <a:buChar char="l"/>
+            </a:pPr>
+            <a:r>
+              <a:rPr lang="fr-FR" sz="2000" strike="noStrike">
+                <a:solidFill>
+                  <a:srgbClr val="000000"/>
+                </a:solidFill>
+                <a:latin typeface="Calibri"/>
+                <a:ea typeface="DejaVu Sans"/>
+              </a:rPr>
+              <a:t>– </a:t>
+            </a:r>
+            <a:r>
+              <a:rPr lang="fr-FR" sz="2000" strike="noStrike">
+                <a:solidFill>
+                  <a:srgbClr val="000000"/>
+                </a:solidFill>
+                <a:latin typeface="Calibri"/>
+                <a:ea typeface="DejaVu Sans"/>
+              </a:rPr>
+              <a:t>sys_write</a:t>
+            </a:r>
+            <a:endParaRPr/>
+          </a:p>
+          <a:p>
+            <a:pPr>
+              <a:lnSpc>
+                <a:spcPct val="100000"/>
+              </a:lnSpc>
+            </a:pPr>
+            <a:endParaRPr/>
+          </a:p>
+          <a:p>
+            <a:pPr>
+              <a:lnSpc>
+                <a:spcPct val="100000"/>
+              </a:lnSpc>
+            </a:pPr>
+            <a:endParaRPr/>
+          </a:p>
+          <a:p>
+            <a:pPr>
+              <a:lnSpc>
+                <a:spcPct val="100000"/>
+              </a:lnSpc>
+            </a:pPr>
+            <a:endParaRPr/>
+          </a:p>
+          <a:p>
+            <a:pPr>
+              <a:lnSpc>
+                <a:spcPct val="100000"/>
+              </a:lnSpc>
+            </a:pPr>
+            <a:endParaRPr/>
+          </a:p>
+        </p:txBody>
+      </p:sp>
+      <p:sp>
+        <p:nvSpPr>
+          <p:cNvPr id="233" name="CustomShape 3"/>
+          <p:cNvSpPr/>
+          <p:nvPr/>
+        </p:nvSpPr>
+        <p:spPr>
+          <a:xfrm>
+            <a:off x="3686040" y="6459840"/>
+            <a:ext cx="4821120" cy="363240"/>
+          </a:xfrm>
+          <a:prstGeom prst="rect">
+            <a:avLst/>
+          </a:prstGeom>
+          <a:noFill/>
+          <a:ln>
+            <a:noFill/>
+          </a:ln>
+        </p:spPr>
+        <p:style>
+          <a:lnRef idx="0"/>
+          <a:fillRef idx="0"/>
+          <a:effectRef idx="0"/>
+          <a:fontRef idx="minor"/>
+        </p:style>
+        <p:txBody>
+          <a:bodyPr lIns="90000" rIns="90000" tIns="45000" bIns="45000" anchor="ctr"/>
+          <a:p>
+            <a:pPr algn="ctr">
+              <a:lnSpc>
+                <a:spcPct val="100000"/>
+              </a:lnSpc>
+            </a:pPr>
+            <a:r>
+              <a:rPr lang="fr-FR" sz="900" strike="noStrike">
+                <a:solidFill>
+                  <a:srgbClr val="ffffff"/>
+                </a:solidFill>
+                <a:latin typeface="Calibri"/>
+                <a:ea typeface="DejaVu Sans"/>
+              </a:rPr>
+              <a:t>SHELLCODING // MOLLARD Rémi</a:t>
+            </a:r>
+            <a:endParaRPr/>
+          </a:p>
+        </p:txBody>
+      </p:sp>
+      <p:sp>
+        <p:nvSpPr>
+          <p:cNvPr id="234" name="CustomShape 4"/>
+          <p:cNvSpPr/>
+          <p:nvPr/>
+        </p:nvSpPr>
+        <p:spPr>
+          <a:xfrm>
+            <a:off x="9900360" y="6459840"/>
+            <a:ext cx="1310400" cy="363240"/>
+          </a:xfrm>
+          <a:prstGeom prst="rect">
+            <a:avLst/>
+          </a:prstGeom>
+          <a:noFill/>
+          <a:ln>
+            <a:noFill/>
+          </a:ln>
+        </p:spPr>
+        <p:style>
+          <a:lnRef idx="0"/>
+          <a:fillRef idx="0"/>
+          <a:effectRef idx="0"/>
+          <a:fontRef idx="minor"/>
+        </p:style>
+        <p:txBody>
+          <a:bodyPr lIns="90000" rIns="90000" tIns="45000" bIns="45000" anchor="ctr"/>
+          <a:p>
+            <a:pPr algn="r">
+              <a:lnSpc>
+                <a:spcPct val="100000"/>
+              </a:lnSpc>
+            </a:pPr>
+            <a:fld id="{E1CD0F6E-3DDB-4C97-AC62-9B21B6C477E7}" type="slidenum">
+              <a:rPr lang="fr-FR" sz="1050" strike="noStrike">
+                <a:solidFill>
+                  <a:srgbClr val="ffffff"/>
+                </a:solidFill>
+                <a:latin typeface="Calibri"/>
+                <a:ea typeface="DejaVu Sans"/>
+              </a:rPr>
+              <a:t>&lt;number&gt;</a:t>
+            </a:fld>
+            <a:endParaRPr/>
+          </a:p>
+        </p:txBody>
+      </p:sp>
+      <p:sp>
+        <p:nvSpPr>
+          <p:cNvPr id="235" name="CustomShape 5"/>
+          <p:cNvSpPr/>
+          <p:nvPr/>
+        </p:nvSpPr>
+        <p:spPr>
+          <a:xfrm>
+            <a:off x="5364000" y="3924000"/>
+            <a:ext cx="6358680" cy="600840"/>
+          </a:xfrm>
+          <a:prstGeom prst="rect">
+            <a:avLst/>
+          </a:prstGeom>
+          <a:noFill/>
+          <a:ln>
+            <a:noFill/>
+          </a:ln>
+        </p:spPr>
+        <p:style>
+          <a:lnRef idx="0"/>
+          <a:fillRef idx="0"/>
+          <a:effectRef idx="0"/>
+          <a:fontRef idx="minor"/>
+        </p:style>
+        <p:txBody>
+          <a:bodyPr lIns="90000" rIns="90000" tIns="45000" bIns="45000"/>
+          <a:p>
+            <a:r>
+              <a:rPr b="1" lang="fr-FR" sz="3600" strike="noStrike">
+                <a:solidFill>
+                  <a:srgbClr val="000000"/>
+                </a:solidFill>
+                <a:latin typeface="Arial"/>
+                <a:ea typeface="DejaVu Sans"/>
+              </a:rPr>
+              <a:t>A VOUS DE JOUER !</a:t>
+            </a:r>
+            <a:endParaRPr/>
+          </a:p>
+        </p:txBody>
+      </p:sp>
+    </p:spTree>
+  </p:cSld>
+  <p:timing>
+    <p:tnLst>
+      <p:par>
+        <p:cTn id="27" dur="indefinite" restart="never" nodeType="tmRoot">
+          <p:childTnLst>
+            <p:seq>
+              <p:cTn id="28" nodeType="mainSeq"/>
+              <p:prevCondLst>
+                <p:cond delay="0" evt="onPrev">
+                  <p:tgtEl>
+                    <p:sldTgt/>
+                  </p:tgtEl>
+                </p:cond>
+              </p:prevCondLst>
+              <p:nextCondLst>
+                <p:cond delay="0" evt="onNext">
+                  <p:tgtEl>
+                    <p:sldTgt/>
+                  </p:tgtEl>
+                </p:cond>
+              </p:nextCondLst>
+            </p:seq>
+          </p:childTnLst>
+        </p:cTn>
+      </p:par>
+    </p:tnLst>
+  </p:timing>
+</p:sld>
+</file>
+
+<file path=ppt/slides/slide15.xml><?xml version="1.0" encoding="utf-8"?>
+<p:sld xmlns:a="http://schemas.openxmlformats.org/drawingml/2006/main" xmlns:p="http://schemas.openxmlformats.org/presentationml/2006/main" xmlns:r="http://schemas.openxmlformats.org/officeDocument/2006/relationships">
+  <p:cSld>
+    <p:spTree>
+      <p:nvGrpSpPr>
+        <p:cNvPr id="1" name=""/>
+        <p:cNvGrpSpPr/>
+        <p:nvPr/>
+      </p:nvGrpSpPr>
+      <p:grpSpPr>
+        <a:xfrm>
+          <a:off x="0" y="0"/>
+          <a:ext cx="0" cy="0"/>
+          <a:chOff x="0" y="0"/>
+          <a:chExt cx="0" cy="0"/>
+        </a:xfrm>
+      </p:grpSpPr>
+      <p:sp>
+        <p:nvSpPr>
+          <p:cNvPr id="236" name="CustomShape 1"/>
+          <p:cNvSpPr/>
+          <p:nvPr/>
+        </p:nvSpPr>
+        <p:spPr>
+          <a:xfrm>
+            <a:off x="1097280" y="286560"/>
+            <a:ext cx="10056600" cy="1449000"/>
+          </a:xfrm>
+          <a:prstGeom prst="rect">
+            <a:avLst/>
+          </a:prstGeom>
+          <a:noFill/>
+          <a:ln>
+            <a:noFill/>
+          </a:ln>
+        </p:spPr>
+        <p:style>
+          <a:lnRef idx="0"/>
+          <a:fillRef idx="0"/>
+          <a:effectRef idx="0"/>
+          <a:fontRef idx="minor"/>
+        </p:style>
+        <p:txBody>
+          <a:bodyPr lIns="90000" rIns="90000" tIns="45000" bIns="45000" anchor="b"/>
+          <a:p>
+            <a:pPr>
+              <a:lnSpc>
+                <a:spcPct val="100000"/>
+              </a:lnSpc>
+            </a:pPr>
+            <a:r>
+              <a:rPr lang="fr-FR" sz="4800" strike="noStrike">
+                <a:solidFill>
+                  <a:srgbClr val="404040"/>
+                </a:solidFill>
+                <a:latin typeface="Calibri Light"/>
+                <a:ea typeface="DejaVu Sans"/>
+              </a:rPr>
+              <a:t>Questions et liens !</a:t>
+            </a:r>
+            <a:endParaRPr/>
+          </a:p>
+        </p:txBody>
+      </p:sp>
+      <p:sp>
+        <p:nvSpPr>
+          <p:cNvPr id="237" name="CustomShape 2"/>
+          <p:cNvSpPr/>
+          <p:nvPr/>
+        </p:nvSpPr>
+        <p:spPr>
+          <a:xfrm>
+            <a:off x="1097280" y="1485720"/>
+            <a:ext cx="10056600" cy="4021560"/>
+          </a:xfrm>
+          <a:prstGeom prst="rect">
+            <a:avLst/>
+          </a:prstGeom>
+          <a:noFill/>
+          <a:ln>
+            <a:noFill/>
+          </a:ln>
+        </p:spPr>
+        <p:style>
+          <a:lnRef idx="0"/>
+          <a:fillRef idx="0"/>
+          <a:effectRef idx="0"/>
+          <a:fontRef idx="minor"/>
+        </p:style>
+        <p:txBody>
+          <a:bodyPr lIns="0" rIns="0" tIns="45000" bIns="45000"/>
+          <a:p>
+            <a:pPr>
+              <a:lnSpc>
+                <a:spcPct val="90000"/>
+              </a:lnSpc>
+            </a:pPr>
+            <a:endParaRPr/>
+          </a:p>
+          <a:p>
+            <a:pPr>
+              <a:lnSpc>
+                <a:spcPct val="90000"/>
+              </a:lnSpc>
+            </a:pPr>
+            <a:r>
+              <a:rPr lang="fr-FR" strike="noStrike">
+                <a:solidFill>
+                  <a:srgbClr val="404040"/>
+                </a:solidFill>
+                <a:latin typeface="Calibri"/>
+                <a:ea typeface="DejaVu Sans"/>
+              </a:rPr>
+              <a:t>Linux sys_call table :</a:t>
+            </a:r>
+            <a:endParaRPr/>
+          </a:p>
+          <a:p>
+            <a:pPr>
+              <a:lnSpc>
+                <a:spcPct val="90000"/>
+              </a:lnSpc>
+            </a:pPr>
+            <a:r>
+              <a:rPr lang="fr-FR" strike="noStrike">
+                <a:solidFill>
+                  <a:srgbClr val="404040"/>
+                </a:solidFill>
+                <a:latin typeface="Calibri"/>
+                <a:ea typeface="DejaVu Sans"/>
+              </a:rPr>
+              <a:t>	</a:t>
+            </a:r>
+            <a:r>
+              <a:rPr lang="fr-FR" strike="noStrike">
+                <a:solidFill>
+                  <a:srgbClr val="404040"/>
+                </a:solidFill>
+                <a:latin typeface="Calibri"/>
+                <a:ea typeface="DejaVu Sans"/>
+              </a:rPr>
+              <a:t>→ </a:t>
+            </a:r>
+            <a:r>
+              <a:rPr lang="fr-FR" strike="noStrike">
+                <a:solidFill>
+                  <a:srgbClr val="404040"/>
+                </a:solidFill>
+                <a:latin typeface="Calibri"/>
+                <a:ea typeface="DejaVu Sans"/>
+              </a:rPr>
+              <a:t>x64 : https://filippo.io/linux-syscall-table/</a:t>
+            </a:r>
+            <a:endParaRPr/>
+          </a:p>
+          <a:p>
+            <a:pPr>
+              <a:lnSpc>
+                <a:spcPct val="90000"/>
+              </a:lnSpc>
+            </a:pPr>
+            <a:r>
+              <a:rPr lang="fr-FR" strike="noStrike">
+                <a:solidFill>
+                  <a:srgbClr val="404040"/>
+                </a:solidFill>
+                <a:latin typeface="Calibri"/>
+                <a:ea typeface="DejaVu Sans"/>
+              </a:rPr>
+              <a:t>	</a:t>
+            </a:r>
+            <a:r>
+              <a:rPr lang="fr-FR" strike="noStrike">
+                <a:solidFill>
+                  <a:srgbClr val="404040"/>
+                </a:solidFill>
+                <a:latin typeface="Calibri"/>
+                <a:ea typeface="DejaVu Sans"/>
+              </a:rPr>
+              <a:t>→ </a:t>
+            </a:r>
+            <a:r>
+              <a:rPr lang="fr-FR" strike="noStrike">
+                <a:solidFill>
+                  <a:srgbClr val="404040"/>
+                </a:solidFill>
+                <a:latin typeface="Calibri"/>
+                <a:ea typeface="DejaVu Sans"/>
+              </a:rPr>
+              <a:t>x32 : http://docs.cs.up.ac.za/programming/asm/derick_tut/syscalls.html</a:t>
+            </a:r>
+            <a:endParaRPr/>
+          </a:p>
+          <a:p>
+            <a:pPr>
+              <a:lnSpc>
+                <a:spcPct val="90000"/>
+              </a:lnSpc>
+            </a:pPr>
+            <a:endParaRPr/>
+          </a:p>
+          <a:p>
+            <a:pPr>
+              <a:lnSpc>
+                <a:spcPct val="90000"/>
+              </a:lnSpc>
+            </a:pPr>
+            <a:r>
+              <a:rPr lang="fr-FR" strike="noStrike">
+                <a:solidFill>
+                  <a:srgbClr val="404040"/>
+                </a:solidFill>
+                <a:latin typeface="Calibri"/>
+                <a:ea typeface="DejaVu Sans"/>
+              </a:rPr>
+              <a:t>Des bons ! :</a:t>
+            </a:r>
+            <a:endParaRPr/>
+          </a:p>
+          <a:p>
+            <a:pPr>
+              <a:lnSpc>
+                <a:spcPct val="90000"/>
+              </a:lnSpc>
+            </a:pPr>
+            <a:r>
+              <a:rPr lang="fr-FR" strike="noStrike">
+                <a:solidFill>
+                  <a:srgbClr val="404040"/>
+                </a:solidFill>
+                <a:latin typeface="Calibri"/>
+                <a:ea typeface="DejaVu Sans"/>
+              </a:rPr>
+              <a:t>	</a:t>
+            </a:r>
+            <a:r>
+              <a:rPr lang="fr-FR" strike="noStrike">
+                <a:solidFill>
+                  <a:srgbClr val="404040"/>
+                </a:solidFill>
+                <a:latin typeface="Calibri"/>
+                <a:ea typeface="DejaVu Sans"/>
+              </a:rPr>
+              <a:t>→ </a:t>
+            </a:r>
+            <a:r>
+              <a:rPr lang="fr-FR" strike="noStrike">
+                <a:solidFill>
+                  <a:srgbClr val="404040"/>
+                </a:solidFill>
+                <a:latin typeface="Calibri"/>
+                <a:ea typeface="DejaVu Sans"/>
+              </a:rPr>
+              <a:t>https://github.com/t00sh/assembly/blob/master/</a:t>
+            </a:r>
+            <a:endParaRPr/>
+          </a:p>
+          <a:p>
+            <a:pPr>
+              <a:lnSpc>
+                <a:spcPct val="90000"/>
+              </a:lnSpc>
+            </a:pPr>
+            <a:endParaRPr/>
+          </a:p>
+          <a:p>
+            <a:pPr>
+              <a:lnSpc>
+                <a:spcPct val="90000"/>
+              </a:lnSpc>
+            </a:pPr>
+            <a:r>
+              <a:rPr lang="fr-FR" strike="noStrike">
+                <a:solidFill>
+                  <a:srgbClr val="404040"/>
+                </a:solidFill>
+                <a:latin typeface="Calibri"/>
+                <a:ea typeface="DejaVu Sans"/>
+              </a:rPr>
+              <a:t>La base ! :</a:t>
+            </a:r>
+            <a:endParaRPr/>
+          </a:p>
+          <a:p>
+            <a:pPr>
+              <a:lnSpc>
+                <a:spcPct val="90000"/>
+              </a:lnSpc>
+            </a:pPr>
+            <a:r>
+              <a:rPr lang="fr-FR" strike="noStrike">
+                <a:solidFill>
+                  <a:srgbClr val="404040"/>
+                </a:solidFill>
+                <a:latin typeface="Calibri"/>
+                <a:ea typeface="DejaVu Sans"/>
+              </a:rPr>
+              <a:t>	</a:t>
+            </a:r>
+            <a:r>
+              <a:rPr lang="fr-FR" strike="noStrike">
+                <a:solidFill>
+                  <a:srgbClr val="404040"/>
+                </a:solidFill>
+                <a:latin typeface="Calibri"/>
+                <a:ea typeface="DejaVu Sans"/>
+              </a:rPr>
+              <a:t>→ </a:t>
+            </a:r>
+            <a:r>
+              <a:rPr lang="fr-FR" strike="noStrike">
+                <a:solidFill>
+                  <a:srgbClr val="404040"/>
+                </a:solidFill>
+                <a:latin typeface="Calibri"/>
+                <a:ea typeface="DejaVu Sans"/>
+              </a:rPr>
+              <a:t>http://shell-storm.org/shellcode/</a:t>
+            </a:r>
+            <a:endParaRPr/>
+          </a:p>
+          <a:p>
+            <a:pPr>
+              <a:lnSpc>
+                <a:spcPct val="90000"/>
+              </a:lnSpc>
+            </a:pPr>
+            <a:endParaRPr/>
+          </a:p>
+          <a:p>
+            <a:pPr>
+              <a:lnSpc>
+                <a:spcPct val="90000"/>
+              </a:lnSpc>
+            </a:pPr>
+            <a:r>
+              <a:rPr lang="fr-FR" strike="noStrike">
+                <a:solidFill>
+                  <a:srgbClr val="404040"/>
+                </a:solidFill>
+                <a:latin typeface="Calibri"/>
+                <a:ea typeface="DejaVu Sans"/>
+              </a:rPr>
+              <a:t>Why syscall :</a:t>
+            </a:r>
+            <a:endParaRPr/>
+          </a:p>
+          <a:p>
+            <a:pPr>
+              <a:lnSpc>
+                <a:spcPct val="90000"/>
+              </a:lnSpc>
+            </a:pPr>
+            <a:r>
+              <a:rPr lang="fr-FR" strike="noStrike">
+                <a:solidFill>
+                  <a:srgbClr val="404040"/>
+                </a:solidFill>
+                <a:latin typeface="Calibri"/>
+                <a:ea typeface="DejaVu Sans"/>
+              </a:rPr>
+              <a:t>	</a:t>
+            </a:r>
+            <a:r>
+              <a:rPr lang="fr-FR" strike="noStrike">
+                <a:solidFill>
+                  <a:srgbClr val="404040"/>
+                </a:solidFill>
+                <a:latin typeface="Calibri"/>
+                <a:ea typeface="DejaVu Sans"/>
+              </a:rPr>
+              <a:t>→ </a:t>
+            </a:r>
+            <a:r>
+              <a:rPr lang="fr-FR" strike="noStrike">
+                <a:solidFill>
+                  <a:srgbClr val="404040"/>
+                </a:solidFill>
+                <a:latin typeface="Calibri"/>
+                <a:ea typeface="DejaVu Sans"/>
+              </a:rPr>
+              <a:t>http://www.x86-64.org/documentation/abi.pdf</a:t>
+            </a:r>
+            <a:endParaRPr/>
+          </a:p>
+          <a:p>
+            <a:pPr>
+              <a:lnSpc>
+                <a:spcPct val="90000"/>
+              </a:lnSpc>
+            </a:pPr>
+            <a:endParaRPr/>
+          </a:p>
+          <a:p>
+            <a:pPr>
+              <a:lnSpc>
+                <a:spcPct val="90000"/>
+              </a:lnSpc>
+            </a:pPr>
+            <a:r>
+              <a:rPr lang="fr-FR" strike="noStrike">
+                <a:solidFill>
+                  <a:srgbClr val="404040"/>
+                </a:solidFill>
+                <a:latin typeface="Calibri"/>
+                <a:ea typeface="DejaVu Sans"/>
+              </a:rPr>
+              <a:t>Learn more ! :</a:t>
+            </a:r>
+            <a:endParaRPr/>
+          </a:p>
+          <a:p>
+            <a:pPr>
+              <a:lnSpc>
+                <a:spcPct val="90000"/>
+              </a:lnSpc>
+            </a:pPr>
+            <a:r>
+              <a:rPr lang="fr-FR" strike="noStrike">
+                <a:solidFill>
+                  <a:srgbClr val="404040"/>
+                </a:solidFill>
+                <a:latin typeface="Calibri"/>
+                <a:ea typeface="DejaVu Sans"/>
+              </a:rPr>
+              <a:t>	</a:t>
+            </a:r>
+            <a:r>
+              <a:rPr lang="fr-FR" strike="noStrike">
+                <a:solidFill>
+                  <a:srgbClr val="404040"/>
+                </a:solidFill>
+                <a:latin typeface="Calibri"/>
+                <a:ea typeface="DejaVu Sans"/>
+              </a:rPr>
+              <a:t>→ </a:t>
+            </a:r>
+            <a:r>
+              <a:rPr lang="fr-FR" strike="noStrike">
+                <a:solidFill>
+                  <a:srgbClr val="404040"/>
+                </a:solidFill>
+                <a:latin typeface="Calibri"/>
+                <a:ea typeface="DejaVu Sans"/>
+              </a:rPr>
+              <a:t>https://nets.ec/Alphanumeric_shellcode</a:t>
+            </a:r>
+            <a:endParaRPr/>
+          </a:p>
+          <a:p>
+            <a:pPr>
+              <a:lnSpc>
+                <a:spcPct val="90000"/>
+              </a:lnSpc>
+            </a:pPr>
+            <a:r>
+              <a:rPr lang="fr-FR" strike="noStrike">
+                <a:solidFill>
+                  <a:srgbClr val="404040"/>
+                </a:solidFill>
+                <a:latin typeface="Calibri"/>
+                <a:ea typeface="DejaVu Sans"/>
+              </a:rPr>
+              <a:t>	</a:t>
+            </a:r>
+            <a:r>
+              <a:rPr lang="fr-FR" strike="noStrike">
+                <a:solidFill>
+                  <a:srgbClr val="404040"/>
+                </a:solidFill>
+                <a:latin typeface="Calibri"/>
+                <a:ea typeface="DejaVu Sans"/>
+              </a:rPr>
+              <a:t>→ </a:t>
+            </a:r>
+            <a:r>
+              <a:rPr lang="fr-FR" strike="noStrike">
+                <a:solidFill>
+                  <a:srgbClr val="404040"/>
+                </a:solidFill>
+                <a:latin typeface="Calibri"/>
+                <a:ea typeface="DejaVu Sans"/>
+              </a:rPr>
+              <a:t>Cheat sheet x64 coding : http://cs.brown.edu/courses/cs033/docs/guides/x64.pdf</a:t>
+            </a:r>
+            <a:endParaRPr/>
+          </a:p>
+          <a:p>
+            <a:pPr>
+              <a:lnSpc>
+                <a:spcPct val="90000"/>
+              </a:lnSpc>
+            </a:pPr>
+            <a:r>
+              <a:rPr lang="fr-FR" strike="noStrike">
+                <a:solidFill>
+                  <a:srgbClr val="404040"/>
+                </a:solidFill>
+                <a:latin typeface="Calibri"/>
+                <a:ea typeface="DejaVu Sans"/>
+              </a:rPr>
+              <a:t>	</a:t>
+            </a:r>
+            <a:r>
+              <a:rPr lang="fr-FR" strike="noStrike">
+                <a:solidFill>
+                  <a:srgbClr val="404040"/>
+                </a:solidFill>
+                <a:latin typeface="Calibri"/>
+                <a:ea typeface="DejaVu Sans"/>
+              </a:rPr>
+              <a:t>→ </a:t>
+            </a:r>
+            <a:r>
+              <a:rPr lang="fr-FR" strike="noStrike">
+                <a:solidFill>
+                  <a:srgbClr val="404040"/>
+                </a:solidFill>
+                <a:latin typeface="Calibri"/>
+                <a:ea typeface="DejaVu Sans"/>
+              </a:rPr>
+              <a:t>http://www.re-xe.fr/shellcode-x86-et-x86_64/</a:t>
+            </a:r>
+            <a:endParaRPr/>
+          </a:p>
+          <a:p>
+            <a:pPr>
+              <a:lnSpc>
+                <a:spcPct val="90000"/>
+              </a:lnSpc>
+            </a:pPr>
+            <a:r>
+              <a:rPr lang="fr-FR" strike="noStrike">
+                <a:solidFill>
+                  <a:srgbClr val="404040"/>
+                </a:solidFill>
+                <a:latin typeface="Calibri"/>
+                <a:ea typeface="DejaVu Sans"/>
+              </a:rPr>
+              <a:t>	</a:t>
+            </a:r>
+            <a:r>
+              <a:rPr lang="fr-FR" strike="noStrike">
+                <a:solidFill>
+                  <a:srgbClr val="404040"/>
+                </a:solidFill>
+                <a:latin typeface="Calibri"/>
+                <a:ea typeface="DejaVu Sans"/>
+              </a:rPr>
+              <a:t>→ </a:t>
+            </a:r>
+            <a:r>
+              <a:rPr lang="fr-FR" strike="noStrike">
+                <a:solidFill>
+                  <a:srgbClr val="404040"/>
+                </a:solidFill>
+                <a:latin typeface="Calibri"/>
+                <a:ea typeface="DejaVu Sans"/>
+              </a:rPr>
+              <a:t>Assembleur 16 bits !!! &lt;3 &lt;3 http://minso.free.fr/cavinfo/programmation/asm.html</a:t>
+            </a:r>
+            <a:endParaRPr/>
+          </a:p>
+          <a:p>
+            <a:pPr>
+              <a:lnSpc>
+                <a:spcPct val="90000"/>
+              </a:lnSpc>
+            </a:pPr>
+            <a:endParaRPr/>
+          </a:p>
+        </p:txBody>
+      </p:sp>
+      <p:sp>
+        <p:nvSpPr>
+          <p:cNvPr id="238" name="CustomShape 3"/>
+          <p:cNvSpPr/>
+          <p:nvPr/>
+        </p:nvSpPr>
+        <p:spPr>
+          <a:xfrm>
+            <a:off x="3686040" y="6459840"/>
+            <a:ext cx="4821120" cy="363240"/>
+          </a:xfrm>
+          <a:prstGeom prst="rect">
+            <a:avLst/>
+          </a:prstGeom>
+          <a:noFill/>
+          <a:ln>
+            <a:noFill/>
+          </a:ln>
+        </p:spPr>
+        <p:style>
+          <a:lnRef idx="0"/>
+          <a:fillRef idx="0"/>
+          <a:effectRef idx="0"/>
+          <a:fontRef idx="minor"/>
+        </p:style>
+        <p:txBody>
+          <a:bodyPr lIns="90000" rIns="90000" tIns="45000" bIns="45000" anchor="ctr"/>
+          <a:p>
+            <a:pPr algn="ctr">
+              <a:lnSpc>
+                <a:spcPct val="100000"/>
+              </a:lnSpc>
+            </a:pPr>
+            <a:r>
+              <a:rPr lang="fr-FR" sz="900" strike="noStrike">
+                <a:solidFill>
+                  <a:srgbClr val="ffffff"/>
+                </a:solidFill>
+                <a:latin typeface="Calibri"/>
+                <a:ea typeface="DejaVu Sans"/>
+              </a:rPr>
+              <a:t>SHELLCODING // MOLLARD Rémi</a:t>
+            </a:r>
+            <a:endParaRPr/>
+          </a:p>
+        </p:txBody>
+      </p:sp>
+      <p:sp>
+        <p:nvSpPr>
+          <p:cNvPr id="239" name="CustomShape 4"/>
+          <p:cNvSpPr/>
+          <p:nvPr/>
+        </p:nvSpPr>
+        <p:spPr>
+          <a:xfrm>
+            <a:off x="9900360" y="6459840"/>
+            <a:ext cx="1310400" cy="363240"/>
+          </a:xfrm>
+          <a:prstGeom prst="rect">
+            <a:avLst/>
+          </a:prstGeom>
+          <a:noFill/>
+          <a:ln>
+            <a:noFill/>
+          </a:ln>
+        </p:spPr>
+        <p:style>
+          <a:lnRef idx="0"/>
+          <a:fillRef idx="0"/>
+          <a:effectRef idx="0"/>
+          <a:fontRef idx="minor"/>
+        </p:style>
+        <p:txBody>
+          <a:bodyPr lIns="90000" rIns="90000" tIns="45000" bIns="45000" anchor="ctr"/>
+          <a:p>
+            <a:pPr algn="r">
+              <a:lnSpc>
+                <a:spcPct val="100000"/>
+              </a:lnSpc>
+            </a:pPr>
+            <a:fld id="{08209268-D976-41F7-BD94-5A11827880BF}" type="slidenum">
+              <a:rPr lang="fr-FR" sz="1050" strike="noStrike">
+                <a:solidFill>
+                  <a:srgbClr val="ffffff"/>
+                </a:solidFill>
+                <a:latin typeface="Calibri"/>
+                <a:ea typeface="DejaVu Sans"/>
+              </a:rPr>
+              <a:t>&lt;number&gt;</a:t>
+            </a:fld>
+            <a:endParaRPr/>
+          </a:p>
+        </p:txBody>
+      </p:sp>
+    </p:spTree>
+  </p:cSld>
+  <p:timing>
+    <p:tnLst>
+      <p:par>
+        <p:cTn id="29" dur="indefinite" restart="never" nodeType="tmRoot">
+          <p:childTnLst>
+            <p:seq>
+              <p:cTn id="30" nodeType="mainSeq"/>
               <p:prevCondLst>
                 <p:cond delay="0" evt="onPrev">
                   <p:tgtEl>
@@ -7731,14 +10234,14 @@
       </p:grpSpPr>
       <p:sp>
         <p:nvSpPr>
-          <p:cNvPr id="128" name="CustomShape 1"/>
+          <p:cNvPr id="170" name="CustomShape 1"/>
           <p:cNvSpPr/>
           <p:nvPr/>
         </p:nvSpPr>
         <p:spPr>
           <a:xfrm>
             <a:off x="1097280" y="286560"/>
-            <a:ext cx="10056960" cy="1449360"/>
+            <a:ext cx="10056600" cy="1449000"/>
           </a:xfrm>
           <a:prstGeom prst="rect">
             <a:avLst/>
@@ -7778,14 +10281,14 @@
       </p:sp>
       <p:sp>
         <p:nvSpPr>
-          <p:cNvPr id="129" name="CustomShape 2"/>
+          <p:cNvPr id="171" name="CustomShape 2"/>
           <p:cNvSpPr/>
           <p:nvPr/>
         </p:nvSpPr>
         <p:spPr>
           <a:xfrm>
             <a:off x="1097280" y="1845720"/>
-            <a:ext cx="10056960" cy="4021920"/>
+            <a:ext cx="10056600" cy="4021560"/>
           </a:xfrm>
           <a:prstGeom prst="rect">
             <a:avLst/>
@@ -7975,14 +10478,14 @@
       </p:sp>
       <p:sp>
         <p:nvSpPr>
-          <p:cNvPr id="130" name="CustomShape 3"/>
+          <p:cNvPr id="172" name="CustomShape 3"/>
           <p:cNvSpPr/>
           <p:nvPr/>
         </p:nvSpPr>
         <p:spPr>
           <a:xfrm>
             <a:off x="3686040" y="6459840"/>
-            <a:ext cx="4821480" cy="363600"/>
+            <a:ext cx="4821120" cy="363240"/>
           </a:xfrm>
           <a:prstGeom prst="rect">
             <a:avLst/>
@@ -8022,14 +10525,14 @@
       </p:sp>
       <p:sp>
         <p:nvSpPr>
-          <p:cNvPr id="131" name="CustomShape 4"/>
+          <p:cNvPr id="173" name="CustomShape 4"/>
           <p:cNvSpPr/>
           <p:nvPr/>
         </p:nvSpPr>
         <p:spPr>
           <a:xfrm>
             <a:off x="9900360" y="6459840"/>
-            <a:ext cx="1310760" cy="363600"/>
+            <a:ext cx="1310400" cy="363240"/>
           </a:xfrm>
           <a:prstGeom prst="rect">
             <a:avLst/>
@@ -8053,7 +10556,7 @@
                 <a:spcPct val="100000"/>
               </a:lnSpc>
             </a:pPr>
-            <a:fld id="{D5B96944-2D7E-46EF-8543-77D1AD37044C}" type="slidenum">
+            <a:fld id="{980071B0-F903-409D-BA72-0B293165A785}" type="slidenum">
               <a:rPr lang="fr-FR" sz="1050" strike="noStrike">
                 <a:solidFill>
                   <a:srgbClr val="ffffff"/>
@@ -8118,14 +10621,14 @@
       </p:grpSpPr>
       <p:sp>
         <p:nvSpPr>
-          <p:cNvPr id="132" name="CustomShape 1"/>
+          <p:cNvPr id="174" name="CustomShape 1"/>
           <p:cNvSpPr/>
           <p:nvPr/>
         </p:nvSpPr>
         <p:spPr>
           <a:xfrm>
             <a:off x="1097280" y="286560"/>
-            <a:ext cx="10056960" cy="1449360"/>
+            <a:ext cx="10056600" cy="1449000"/>
           </a:xfrm>
           <a:prstGeom prst="rect">
             <a:avLst/>
@@ -8165,14 +10668,14 @@
       </p:sp>
       <p:sp>
         <p:nvSpPr>
-          <p:cNvPr id="133" name="CustomShape 2"/>
+          <p:cNvPr id="175" name="CustomShape 2"/>
           <p:cNvSpPr/>
           <p:nvPr/>
         </p:nvSpPr>
         <p:spPr>
           <a:xfrm>
             <a:off x="1097280" y="1845720"/>
-            <a:ext cx="10056960" cy="4021920"/>
+            <a:ext cx="10056600" cy="4021560"/>
           </a:xfrm>
           <a:prstGeom prst="rect">
             <a:avLst/>
@@ -8404,14 +10907,14 @@
       </p:sp>
       <p:sp>
         <p:nvSpPr>
-          <p:cNvPr id="134" name="CustomShape 3"/>
+          <p:cNvPr id="176" name="CustomShape 3"/>
           <p:cNvSpPr/>
           <p:nvPr/>
         </p:nvSpPr>
         <p:spPr>
           <a:xfrm>
             <a:off x="3686040" y="6459840"/>
-            <a:ext cx="4821480" cy="363600"/>
+            <a:ext cx="4821120" cy="363240"/>
           </a:xfrm>
           <a:prstGeom prst="rect">
             <a:avLst/>
@@ -8451,14 +10954,14 @@
       </p:sp>
       <p:sp>
         <p:nvSpPr>
-          <p:cNvPr id="135" name="CustomShape 4"/>
+          <p:cNvPr id="177" name="CustomShape 4"/>
           <p:cNvSpPr/>
           <p:nvPr/>
         </p:nvSpPr>
         <p:spPr>
           <a:xfrm>
             <a:off x="9900360" y="6459840"/>
-            <a:ext cx="1310760" cy="363600"/>
+            <a:ext cx="1310400" cy="363240"/>
           </a:xfrm>
           <a:prstGeom prst="rect">
             <a:avLst/>
@@ -8482,7 +10985,7 @@
                 <a:spcPct val="100000"/>
               </a:lnSpc>
             </a:pPr>
-            <a:fld id="{9B1B0BBB-F18F-4A8A-BFB4-224B1D4EA6AF}" type="slidenum">
+            <a:fld id="{8F7AAFA4-F740-49F3-B03F-E8C1C276D3F3}" type="slidenum">
               <a:rPr lang="fr-FR" sz="1050" strike="noStrike">
                 <a:solidFill>
                   <a:srgbClr val="ffffff"/>
@@ -8547,14 +11050,14 @@
       </p:grpSpPr>
       <p:sp>
         <p:nvSpPr>
-          <p:cNvPr id="136" name="CustomShape 1"/>
+          <p:cNvPr id="178" name="CustomShape 1"/>
           <p:cNvSpPr/>
           <p:nvPr/>
         </p:nvSpPr>
         <p:spPr>
           <a:xfrm>
             <a:off x="1097280" y="286560"/>
-            <a:ext cx="10056960" cy="1449360"/>
+            <a:ext cx="10056600" cy="1449000"/>
           </a:xfrm>
           <a:prstGeom prst="rect">
             <a:avLst/>
@@ -8594,14 +11097,14 @@
       </p:sp>
       <p:sp>
         <p:nvSpPr>
-          <p:cNvPr id="137" name="CustomShape 2"/>
+          <p:cNvPr id="179" name="CustomShape 2"/>
           <p:cNvSpPr/>
           <p:nvPr/>
         </p:nvSpPr>
         <p:spPr>
           <a:xfrm>
             <a:off x="1097280" y="1845720"/>
-            <a:ext cx="10056960" cy="4021920"/>
+            <a:ext cx="10056600" cy="4021560"/>
           </a:xfrm>
           <a:prstGeom prst="rect">
             <a:avLst/>
@@ -8825,14 +11328,14 @@
       </p:sp>
       <p:sp>
         <p:nvSpPr>
-          <p:cNvPr id="138" name="CustomShape 3"/>
+          <p:cNvPr id="180" name="CustomShape 3"/>
           <p:cNvSpPr/>
           <p:nvPr/>
         </p:nvSpPr>
         <p:spPr>
           <a:xfrm>
             <a:off x="3686040" y="6459840"/>
-            <a:ext cx="4821480" cy="363600"/>
+            <a:ext cx="4821120" cy="363240"/>
           </a:xfrm>
           <a:prstGeom prst="rect">
             <a:avLst/>
@@ -8872,14 +11375,14 @@
       </p:sp>
       <p:sp>
         <p:nvSpPr>
-          <p:cNvPr id="139" name="CustomShape 4"/>
+          <p:cNvPr id="181" name="CustomShape 4"/>
           <p:cNvSpPr/>
           <p:nvPr/>
         </p:nvSpPr>
         <p:spPr>
           <a:xfrm>
             <a:off x="9900360" y="6459840"/>
-            <a:ext cx="1310760" cy="363600"/>
+            <a:ext cx="1310400" cy="363240"/>
           </a:xfrm>
           <a:prstGeom prst="rect">
             <a:avLst/>
@@ -8903,7 +11406,7 @@
                 <a:spcPct val="100000"/>
               </a:lnSpc>
             </a:pPr>
-            <a:fld id="{EE9929E6-E833-41C5-A5A4-A7B463E44DEE}" type="slidenum">
+            <a:fld id="{2833E65C-9751-49B4-A52A-D56FEE6B80C1}" type="slidenum">
               <a:rPr lang="fr-FR" sz="1050" strike="noStrike">
                 <a:solidFill>
                   <a:srgbClr val="ffffff"/>
@@ -8968,14 +11471,14 @@
       </p:grpSpPr>
       <p:sp>
         <p:nvSpPr>
-          <p:cNvPr id="140" name="CustomShape 1"/>
+          <p:cNvPr id="182" name="CustomShape 1"/>
           <p:cNvSpPr/>
           <p:nvPr/>
         </p:nvSpPr>
         <p:spPr>
           <a:xfrm>
             <a:off x="1097280" y="286560"/>
-            <a:ext cx="10056960" cy="1449360"/>
+            <a:ext cx="10056600" cy="1449000"/>
           </a:xfrm>
           <a:prstGeom prst="rect">
             <a:avLst/>
@@ -9015,14 +11518,14 @@
       </p:sp>
       <p:sp>
         <p:nvSpPr>
-          <p:cNvPr id="141" name="CustomShape 2"/>
+          <p:cNvPr id="183" name="CustomShape 2"/>
           <p:cNvSpPr/>
           <p:nvPr/>
         </p:nvSpPr>
         <p:spPr>
           <a:xfrm>
             <a:off x="1097280" y="1845720"/>
-            <a:ext cx="10056960" cy="4021920"/>
+            <a:ext cx="10056600" cy="4021560"/>
           </a:xfrm>
           <a:prstGeom prst="rect">
             <a:avLst/>
@@ -9270,14 +11773,14 @@
       </p:sp>
       <p:sp>
         <p:nvSpPr>
-          <p:cNvPr id="142" name="CustomShape 3"/>
+          <p:cNvPr id="184" name="CustomShape 3"/>
           <p:cNvSpPr/>
           <p:nvPr/>
         </p:nvSpPr>
         <p:spPr>
           <a:xfrm>
             <a:off x="3686040" y="6459840"/>
-            <a:ext cx="4821480" cy="363600"/>
+            <a:ext cx="4821120" cy="363240"/>
           </a:xfrm>
           <a:prstGeom prst="rect">
             <a:avLst/>
@@ -9317,14 +11820,14 @@
       </p:sp>
       <p:sp>
         <p:nvSpPr>
-          <p:cNvPr id="143" name="CustomShape 4"/>
+          <p:cNvPr id="185" name="CustomShape 4"/>
           <p:cNvSpPr/>
           <p:nvPr/>
         </p:nvSpPr>
         <p:spPr>
           <a:xfrm>
             <a:off x="9900360" y="6459840"/>
-            <a:ext cx="1310760" cy="363600"/>
+            <a:ext cx="1310400" cy="363240"/>
           </a:xfrm>
           <a:prstGeom prst="rect">
             <a:avLst/>
@@ -9348,7 +11851,7 @@
                 <a:spcPct val="100000"/>
               </a:lnSpc>
             </a:pPr>
-            <a:fld id="{1754A73A-348F-4605-96F6-8A6E46C46061}" type="slidenum">
+            <a:fld id="{521E73C5-21AA-439F-9F36-16E635F80A65}" type="slidenum">
               <a:rPr lang="fr-FR" sz="1050" strike="noStrike">
                 <a:solidFill>
                   <a:srgbClr val="ffffff"/>
@@ -9413,14 +11916,14 @@
       </p:grpSpPr>
       <p:sp>
         <p:nvSpPr>
-          <p:cNvPr id="144" name="CustomShape 1"/>
+          <p:cNvPr id="186" name="CustomShape 1"/>
           <p:cNvSpPr/>
           <p:nvPr/>
         </p:nvSpPr>
         <p:spPr>
           <a:xfrm>
             <a:off x="1097280" y="286560"/>
-            <a:ext cx="10056960" cy="1449360"/>
+            <a:ext cx="10056600" cy="1449000"/>
           </a:xfrm>
           <a:prstGeom prst="rect">
             <a:avLst/>
@@ -9452,22 +11955,22 @@
                 <a:latin typeface="Calibri Light"/>
                 <a:ea typeface="DejaVu Sans"/>
               </a:rPr>
-              <a:t>Récupération des tools</a:t>
-            </a:r>
-            <a:endParaRPr/>
-          </a:p>
-        </p:txBody>
-      </p:sp>
-      <p:sp>
-        <p:nvSpPr>
-          <p:cNvPr id="145" name="CustomShape 2"/>
+              <a:t>Précision !</a:t>
+            </a:r>
+            <a:endParaRPr/>
+          </a:p>
+        </p:txBody>
+      </p:sp>
+      <p:sp>
+        <p:nvSpPr>
+          <p:cNvPr id="187" name="CustomShape 2"/>
           <p:cNvSpPr/>
           <p:nvPr/>
         </p:nvSpPr>
         <p:spPr>
           <a:xfrm>
             <a:off x="1097280" y="1845720"/>
-            <a:ext cx="10056960" cy="4021920"/>
+            <a:ext cx="10056600" cy="4021560"/>
           </a:xfrm>
           <a:prstGeom prst="rect">
             <a:avLst/>
@@ -9499,8 +12002,24 @@
                 <a:latin typeface="Calibri"/>
                 <a:ea typeface="DejaVu Sans"/>
               </a:rPr>
-              <a:t> – </a:t>
-            </a:r>
+              <a:t>- NULL BYTE ! Oo Shit :(</a:t>
+            </a:r>
+            <a:endParaRPr/>
+          </a:p>
+          <a:p>
+            <a:pPr>
+              <a:lnSpc>
+                <a:spcPct val="90000"/>
+              </a:lnSpc>
+            </a:pPr>
+            <a:endParaRPr/>
+          </a:p>
+          <a:p>
+            <a:pPr>
+              <a:lnSpc>
+                <a:spcPct val="90000"/>
+              </a:lnSpc>
+            </a:pPr>
             <a:r>
               <a:rPr lang="fr-FR" sz="2000" strike="noStrike">
                 <a:solidFill>
@@ -9509,7 +12028,27 @@
                 <a:latin typeface="Calibri"/>
                 <a:ea typeface="DejaVu Sans"/>
               </a:rPr>
-              <a:t>Creer un tool qui récupére le code hexadécimal de votre code ASM</a:t>
+              <a:t>	</a:t>
+            </a:r>
+            <a:r>
+              <a:rPr lang="fr-FR" sz="2000" strike="noStrike">
+                <a:solidFill>
+                  <a:srgbClr val="404040"/>
+                </a:solidFill>
+                <a:latin typeface="Calibri"/>
+                <a:ea typeface="DejaVu Sans"/>
+              </a:rPr>
+              <a:t>→ </a:t>
+            </a:r>
+            <a:r>
+              <a:rPr lang="fr-FR" sz="2000" strike="noStrike">
+                <a:solidFill>
+                  <a:srgbClr val="404040"/>
+                </a:solidFill>
+                <a:latin typeface="Calibri"/>
+                <a:ea typeface="DejaVu Sans"/>
+              </a:rPr>
+              <a:t>Problématique du 0x00 </a:t>
             </a:r>
             <a:endParaRPr/>
           </a:p>
@@ -9519,6 +12058,16 @@
                 <a:spcPct val="90000"/>
               </a:lnSpc>
             </a:pPr>
+            <a:r>
+              <a:rPr lang="fr-FR" sz="2000" strike="noStrike">
+                <a:solidFill>
+                  <a:srgbClr val="404040"/>
+                </a:solidFill>
+                <a:latin typeface="Calibri"/>
+                <a:ea typeface="DejaVu Sans"/>
+              </a:rPr>
+              <a:t>	</a:t>
+            </a:r>
             <a:endParaRPr/>
           </a:p>
           <a:p>
@@ -9535,7 +12084,7 @@
                 <a:latin typeface="Calibri"/>
                 <a:ea typeface="DejaVu Sans"/>
               </a:rPr>
-              <a:t>      </a:t>
+              <a:t>	</a:t>
             </a:r>
             <a:r>
               <a:rPr lang="fr-FR" sz="2000" strike="noStrike">
@@ -9545,7 +12094,7 @@
                 <a:latin typeface="Calibri"/>
                 <a:ea typeface="DejaVu Sans"/>
               </a:rPr>
-              <a:t>Utiliser la commande suivante :</a:t>
+              <a:t>Ex : </a:t>
             </a:r>
             <a:endParaRPr/>
           </a:p>
@@ -9563,7 +12112,7 @@
                 <a:latin typeface="Calibri"/>
                 <a:ea typeface="DejaVu Sans"/>
               </a:rPr>
-              <a:t>          → </a:t>
+              <a:t>	</a:t>
             </a:r>
             <a:r>
               <a:rPr lang="fr-FR" sz="2000" strike="noStrike">
@@ -9573,7 +12122,17 @@
                 <a:latin typeface="Calibri"/>
                 <a:ea typeface="DejaVu Sans"/>
               </a:rPr>
-              <a:t>for i in $(objdump -d $PROG_NAME | grep "^ " | cut -f2); do echo -n '\x'$i;done;echo </a:t>
+              <a:t>	</a:t>
+            </a:r>
+            <a:r>
+              <a:rPr lang="fr-FR" sz="2000" strike="noStrike">
+                <a:solidFill>
+                  <a:srgbClr val="404040"/>
+                </a:solidFill>
+                <a:latin typeface="Calibri"/>
+                <a:ea typeface="DejaVu Sans"/>
+              </a:rPr>
+              <a:t>- mov eax,0      //  B8 00 00 00 00</a:t>
             </a:r>
             <a:endParaRPr/>
           </a:p>
@@ -9583,6 +12142,36 @@
                 <a:spcPct val="90000"/>
               </a:lnSpc>
             </a:pPr>
+            <a:r>
+              <a:rPr lang="fr-FR" sz="2000" strike="noStrike">
+                <a:solidFill>
+                  <a:srgbClr val="404040"/>
+                </a:solidFill>
+                <a:latin typeface="Calibri"/>
+                <a:ea typeface="DejaVu Sans"/>
+              </a:rPr>
+              <a:t>	</a:t>
+            </a:r>
+            <a:r>
+              <a:rPr lang="fr-FR" sz="2000" strike="noStrike">
+                <a:solidFill>
+                  <a:srgbClr val="404040"/>
+                </a:solidFill>
+                <a:latin typeface="Calibri"/>
+                <a:ea typeface="DejaVu Sans"/>
+              </a:rPr>
+              <a:t>	</a:t>
+            </a:r>
+            <a:r>
+              <a:rPr lang="fr-FR" sz="2000" strike="noStrike">
+                <a:solidFill>
+                  <a:srgbClr val="404040"/>
+                </a:solidFill>
+                <a:latin typeface="Calibri"/>
+                <a:ea typeface="DejaVu Sans"/>
+              </a:rPr>
+              <a:t>- xor eax,eax    //  33 C0</a:t>
+            </a:r>
             <a:endParaRPr/>
           </a:p>
           <a:p>
@@ -9599,6 +12188,14 @@
                 <a:spcPct val="90000"/>
               </a:lnSpc>
             </a:pPr>
+            <a:endParaRPr/>
+          </a:p>
+          <a:p>
+            <a:pPr>
+              <a:lnSpc>
+                <a:spcPct val="90000"/>
+              </a:lnSpc>
+            </a:pPr>
             <a:r>
               <a:rPr lang="fr-FR" sz="2000" strike="noStrike">
                 <a:solidFill>
@@ -9607,7 +12204,7 @@
                 <a:latin typeface="Calibri"/>
                 <a:ea typeface="DejaVu Sans"/>
               </a:rPr>
-              <a:t> – </a:t>
+              <a:t>	</a:t>
             </a:r>
             <a:r>
               <a:rPr lang="fr-FR" sz="2000" strike="noStrike">
@@ -9617,7 +12214,17 @@
                 <a:latin typeface="Calibri"/>
                 <a:ea typeface="DejaVu Sans"/>
               </a:rPr>
-              <a:t>Compilation + Link :</a:t>
+              <a:t>	</a:t>
+            </a:r>
+            <a:r>
+              <a:rPr lang="fr-FR" sz="2000" strike="noStrike">
+                <a:solidFill>
+                  <a:srgbClr val="404040"/>
+                </a:solidFill>
+                <a:latin typeface="Calibri"/>
+                <a:ea typeface="DejaVu Sans"/>
+              </a:rPr>
+              <a:t>- mov eax,7     //  B8 07 00 00 00 </a:t>
             </a:r>
             <a:endParaRPr/>
           </a:p>
@@ -9635,7 +12242,7 @@
                 <a:latin typeface="Calibri"/>
                 <a:ea typeface="DejaVu Sans"/>
               </a:rPr>
-              <a:t>         → </a:t>
+              <a:t>	</a:t>
             </a:r>
             <a:r>
               <a:rPr lang="fr-FR" sz="2000" strike="noStrike">
@@ -9645,7 +12252,37 @@
                 <a:latin typeface="Calibri"/>
                 <a:ea typeface="DejaVu Sans"/>
               </a:rPr>
-              <a:t>32 bits : </a:t>
+              <a:t>	</a:t>
+            </a:r>
+            <a:r>
+              <a:rPr lang="fr-FR" sz="2000" strike="noStrike">
+                <a:solidFill>
+                  <a:srgbClr val="404040"/>
+                </a:solidFill>
+                <a:latin typeface="Calibri"/>
+                <a:ea typeface="DejaVu Sans"/>
+              </a:rPr>
+              <a:t>- mov al,7</a:t>
+            </a:r>
+            <a:r>
+              <a:rPr lang="fr-FR" sz="2000" strike="noStrike">
+                <a:solidFill>
+                  <a:srgbClr val="404040"/>
+                </a:solidFill>
+                <a:latin typeface="Calibri"/>
+                <a:ea typeface="DejaVu Sans"/>
+              </a:rPr>
+              <a:t>	</a:t>
+            </a:r>
+            <a:r>
+              <a:rPr lang="fr-FR" sz="2000" strike="noStrike">
+                <a:solidFill>
+                  <a:srgbClr val="404040"/>
+                </a:solidFill>
+                <a:latin typeface="Calibri"/>
+                <a:ea typeface="DejaVu Sans"/>
+              </a:rPr>
+              <a:t>  //  A0 07</a:t>
             </a:r>
             <a:endParaRPr/>
           </a:p>
@@ -9655,96 +12292,20 @@
                 <a:spcPct val="90000"/>
               </a:lnSpc>
             </a:pPr>
-            <a:r>
-              <a:rPr lang="fr-FR" sz="2000" strike="noStrike">
-                <a:solidFill>
-                  <a:srgbClr val="404040"/>
-                </a:solidFill>
-                <a:latin typeface="Calibri"/>
-                <a:ea typeface="DejaVu Sans"/>
-              </a:rPr>
-              <a:t>              </a:t>
-            </a:r>
-            <a:r>
-              <a:rPr lang="fr-FR" sz="2000" strike="noStrike">
-                <a:solidFill>
-                  <a:srgbClr val="404040"/>
-                </a:solidFill>
-                <a:latin typeface="Calibri"/>
-                <a:ea typeface="DejaVu Sans"/>
-              </a:rPr>
-              <a:t>nasm -f elf32 -g $PROG_NAME ; ld $PROG_NAME.o -o $PROG_NAME -m elf_i386</a:t>
-            </a:r>
-            <a:endParaRPr/>
-          </a:p>
-          <a:p>
-            <a:pPr>
-              <a:lnSpc>
-                <a:spcPct val="90000"/>
-              </a:lnSpc>
-            </a:pPr>
-            <a:r>
-              <a:rPr lang="fr-FR" sz="2000" strike="noStrike">
-                <a:solidFill>
-                  <a:srgbClr val="404040"/>
-                </a:solidFill>
-                <a:latin typeface="Calibri"/>
-                <a:ea typeface="DejaVu Sans"/>
-              </a:rPr>
-              <a:t>         → </a:t>
-            </a:r>
-            <a:r>
-              <a:rPr lang="fr-FR" sz="2000" strike="noStrike">
-                <a:solidFill>
-                  <a:srgbClr val="404040"/>
-                </a:solidFill>
-                <a:latin typeface="Calibri"/>
-                <a:ea typeface="DejaVu Sans"/>
-              </a:rPr>
-              <a:t>64 bits :</a:t>
-            </a:r>
-            <a:endParaRPr/>
-          </a:p>
-          <a:p>
-            <a:pPr>
-              <a:lnSpc>
-                <a:spcPct val="90000"/>
-              </a:lnSpc>
-            </a:pPr>
-            <a:r>
-              <a:rPr lang="fr-FR" sz="2000" strike="noStrike">
-                <a:solidFill>
-                  <a:srgbClr val="404040"/>
-                </a:solidFill>
-                <a:latin typeface="Calibri"/>
-                <a:ea typeface="DejaVu Sans"/>
-              </a:rPr>
-              <a:t>              </a:t>
-            </a:r>
-            <a:r>
-              <a:rPr lang="fr-FR" sz="2000" strike="noStrike">
-                <a:solidFill>
-                  <a:srgbClr val="404040"/>
-                </a:solidFill>
-                <a:latin typeface="Calibri"/>
-                <a:ea typeface="DejaVu Sans"/>
-              </a:rPr>
-              <a:t>nasm -f elf64 -g $PROG_NAME ; ld $PROG_NAME.o -o $PROG_NAME -m elf_x86_x64</a:t>
-            </a:r>
-            <a:endParaRPr/>
-          </a:p>
-        </p:txBody>
-      </p:sp>
-      <p:sp>
-        <p:nvSpPr>
-          <p:cNvPr id="146" name="CustomShape 3"/>
+            <a:endParaRPr/>
+          </a:p>
+        </p:txBody>
+      </p:sp>
+      <p:sp>
+        <p:nvSpPr>
+          <p:cNvPr id="188" name="CustomShape 3"/>
           <p:cNvSpPr/>
           <p:nvPr/>
         </p:nvSpPr>
         <p:spPr>
           <a:xfrm>
             <a:off x="3686040" y="6459840"/>
-            <a:ext cx="4821480" cy="363600"/>
+            <a:ext cx="4821120" cy="363240"/>
           </a:xfrm>
           <a:prstGeom prst="rect">
             <a:avLst/>
@@ -9784,14 +12345,14 @@
       </p:sp>
       <p:sp>
         <p:nvSpPr>
-          <p:cNvPr id="147" name="CustomShape 4"/>
+          <p:cNvPr id="189" name="CustomShape 4"/>
           <p:cNvSpPr/>
           <p:nvPr/>
         </p:nvSpPr>
         <p:spPr>
           <a:xfrm>
             <a:off x="9900360" y="6459840"/>
-            <a:ext cx="1310760" cy="363600"/>
+            <a:ext cx="1310400" cy="363240"/>
           </a:xfrm>
           <a:prstGeom prst="rect">
             <a:avLst/>
@@ -9815,7 +12376,7 @@
                 <a:spcPct val="100000"/>
               </a:lnSpc>
             </a:pPr>
-            <a:fld id="{9C161361-E755-49C1-9DC5-394C2AC0B110}" type="slidenum">
+            <a:fld id="{8452E803-891D-468D-9AB0-1B3AE07A3ED9}" type="slidenum">
               <a:rPr lang="fr-FR" sz="1050" strike="noStrike">
                 <a:solidFill>
                   <a:srgbClr val="ffffff"/>
@@ -9880,14 +12441,14 @@
       </p:grpSpPr>
       <p:sp>
         <p:nvSpPr>
-          <p:cNvPr id="148" name="CustomShape 1"/>
+          <p:cNvPr id="190" name="CustomShape 1"/>
           <p:cNvSpPr/>
           <p:nvPr/>
         </p:nvSpPr>
         <p:spPr>
           <a:xfrm>
             <a:off x="1097280" y="286560"/>
-            <a:ext cx="10056960" cy="1449360"/>
+            <a:ext cx="10056600" cy="1449000"/>
           </a:xfrm>
           <a:prstGeom prst="rect">
             <a:avLst/>
@@ -9919,22 +12480,22 @@
                 <a:latin typeface="Calibri Light"/>
                 <a:ea typeface="DejaVu Sans"/>
               </a:rPr>
-              <a:t>Fighting with Hello World !</a:t>
-            </a:r>
-            <a:endParaRPr/>
-          </a:p>
-        </p:txBody>
-      </p:sp>
-      <p:sp>
-        <p:nvSpPr>
-          <p:cNvPr id="149" name="CustomShape 2"/>
+              <a:t>One segment string trick!</a:t>
+            </a:r>
+            <a:endParaRPr/>
+          </a:p>
+        </p:txBody>
+      </p:sp>
+      <p:sp>
+        <p:nvSpPr>
+          <p:cNvPr id="191" name="CustomShape 2"/>
           <p:cNvSpPr/>
           <p:nvPr/>
         </p:nvSpPr>
         <p:spPr>
           <a:xfrm>
             <a:off x="1097280" y="1845720"/>
-            <a:ext cx="10056960" cy="4021920"/>
+            <a:ext cx="10056600" cy="4021560"/>
           </a:xfrm>
           <a:prstGeom prst="rect">
             <a:avLst/>
@@ -9955,123 +12516,543 @@
           <a:p>
             <a:pPr>
               <a:lnSpc>
-                <a:spcPct val="100000"/>
-              </a:lnSpc>
-              <a:buSzPct val="45000"/>
-              <a:buFont typeface="StarSymbol"/>
-              <a:buChar char="l"/>
+                <a:spcPct val="90000"/>
+              </a:lnSpc>
             </a:pPr>
             <a:r>
               <a:rPr lang="fr-FR" sz="2000" strike="noStrike">
                 <a:solidFill>
-                  <a:srgbClr val="000000"/>
-                </a:solidFill>
-                <a:latin typeface="Calibri"/>
-                <a:ea typeface="DejaVu Sans"/>
-              </a:rPr>
-              <a:t>Objectif : Ecrire un Hello world  – shellcode</a:t>
-            </a:r>
-            <a:endParaRPr/>
-          </a:p>
-          <a:p>
-            <a:pPr lvl="1">
-              <a:lnSpc>
-                <a:spcPct val="100000"/>
-              </a:lnSpc>
-              <a:buSzPct val="45000"/>
-              <a:buFont typeface="StarSymbol"/>
-              <a:buChar char="l"/>
+                  <a:srgbClr val="404040"/>
+                </a:solidFill>
+                <a:latin typeface="Calibri"/>
+                <a:ea typeface="DejaVu Sans"/>
+              </a:rPr>
+              <a:t>- Tips pour récupérer une chaine sans le segment .data</a:t>
+            </a:r>
+            <a:endParaRPr/>
+          </a:p>
+          <a:p>
+            <a:pPr>
+              <a:lnSpc>
+                <a:spcPct val="90000"/>
+              </a:lnSpc>
+            </a:pPr>
+            <a:endParaRPr/>
+          </a:p>
+          <a:p>
+            <a:pPr>
+              <a:lnSpc>
+                <a:spcPct val="90000"/>
+              </a:lnSpc>
             </a:pPr>
             <a:r>
               <a:rPr lang="fr-FR" sz="2000" strike="noStrike">
                 <a:solidFill>
-                  <a:srgbClr val="000000"/>
-                </a:solidFill>
-                <a:latin typeface="Calibri"/>
-                <a:ea typeface="DejaVu Sans"/>
-              </a:rPr>
-              <a:t>- Extension de fichier en .asm</a:t>
-            </a:r>
-            <a:endParaRPr/>
-          </a:p>
-          <a:p>
-            <a:pPr lvl="1">
-              <a:lnSpc>
-                <a:spcPct val="100000"/>
-              </a:lnSpc>
-              <a:buSzPct val="45000"/>
-              <a:buFont typeface="StarSymbol"/>
-              <a:buChar char="l"/>
-            </a:pPr>
+                  <a:srgbClr val="404040"/>
+                </a:solidFill>
+                <a:latin typeface="Calibri"/>
+                <a:ea typeface="DejaVu Sans"/>
+              </a:rPr>
+              <a:t>	</a:t>
+            </a:r>
             <a:r>
               <a:rPr lang="fr-FR" sz="2000" strike="noStrike">
                 <a:solidFill>
-                  <a:srgbClr val="000000"/>
-                </a:solidFill>
-                <a:latin typeface="Calibri"/>
-                <a:ea typeface="DejaVu Sans"/>
-              </a:rPr>
-              <a:t>- Directive « global _start » et « _start : » </a:t>
-            </a:r>
-            <a:endParaRPr/>
-          </a:p>
-          <a:p>
-            <a:pPr>
-              <a:lnSpc>
-                <a:spcPct val="100000"/>
-              </a:lnSpc>
-            </a:pPr>
-            <a:endParaRPr/>
-          </a:p>
-          <a:p>
-            <a:pPr>
-              <a:lnSpc>
-                <a:spcPct val="100000"/>
-              </a:lnSpc>
-              <a:buSzPct val="45000"/>
-              <a:buFont typeface="StarSymbol"/>
-              <a:buChar char="l"/>
+                  <a:srgbClr val="404040"/>
+                </a:solidFill>
+                <a:latin typeface="Calibri"/>
+                <a:ea typeface="DejaVu Sans"/>
+              </a:rPr>
+              <a:t>Utilisation de l'astuce JMP  - CALL ( L'adresse de retour sur la pile &lt;3 )</a:t>
+            </a:r>
+            <a:endParaRPr/>
+          </a:p>
+          <a:p>
+            <a:pPr>
+              <a:lnSpc>
+                <a:spcPct val="90000"/>
+              </a:lnSpc>
             </a:pPr>
             <a:r>
               <a:rPr lang="fr-FR" sz="2000" strike="noStrike">
                 <a:solidFill>
-                  <a:srgbClr val="000000"/>
-                </a:solidFill>
-                <a:latin typeface="Calibri"/>
-                <a:ea typeface="DejaVu Sans"/>
-              </a:rPr>
-              <a:t>Exemple (sys_execv(/bin/bash)) :</a:t>
-            </a:r>
-            <a:endParaRPr/>
-          </a:p>
-          <a:p>
-            <a:pPr>
-              <a:lnSpc>
-                <a:spcPct val="100000"/>
-              </a:lnSpc>
-            </a:pPr>
-            <a:endParaRPr/>
-          </a:p>
-          <a:p>
-            <a:pPr>
-              <a:lnSpc>
-                <a:spcPct val="100000"/>
-              </a:lnSpc>
-            </a:pPr>
-            <a:endParaRPr/>
-          </a:p>
-        </p:txBody>
-      </p:sp>
-      <p:sp>
-        <p:nvSpPr>
-          <p:cNvPr id="150" name="CustomShape 3"/>
+                  <a:srgbClr val="404040"/>
+                </a:solidFill>
+                <a:latin typeface="Calibri"/>
+                <a:ea typeface="DejaVu Sans"/>
+              </a:rPr>
+              <a:t> </a:t>
+            </a:r>
+            <a:endParaRPr/>
+          </a:p>
+          <a:p>
+            <a:pPr>
+              <a:lnSpc>
+                <a:spcPct val="90000"/>
+              </a:lnSpc>
+            </a:pPr>
+            <a:r>
+              <a:rPr lang="fr-FR" sz="2000" strike="noStrike">
+                <a:solidFill>
+                  <a:srgbClr val="404040"/>
+                </a:solidFill>
+                <a:latin typeface="Calibri"/>
+                <a:ea typeface="DejaVu Sans"/>
+              </a:rPr>
+              <a:t>	</a:t>
+            </a:r>
+            <a:endParaRPr/>
+          </a:p>
+          <a:p>
+            <a:pPr>
+              <a:lnSpc>
+                <a:spcPct val="90000"/>
+              </a:lnSpc>
+            </a:pPr>
+            <a:r>
+              <a:rPr lang="fr-FR" sz="2000" strike="noStrike">
+                <a:solidFill>
+                  <a:srgbClr val="404040"/>
+                </a:solidFill>
+                <a:latin typeface="Calibri"/>
+                <a:ea typeface="DejaVu Sans"/>
+              </a:rPr>
+              <a:t>	</a:t>
+            </a:r>
+            <a:r>
+              <a:rPr lang="fr-FR" sz="2000" strike="noStrike">
+                <a:solidFill>
+                  <a:srgbClr val="404040"/>
+                </a:solidFill>
+                <a:latin typeface="Calibri"/>
+                <a:ea typeface="DejaVu Sans"/>
+              </a:rPr>
+              <a:t>Ex : </a:t>
+            </a:r>
+            <a:endParaRPr/>
+          </a:p>
+          <a:p>
+            <a:pPr>
+              <a:lnSpc>
+                <a:spcPct val="90000"/>
+              </a:lnSpc>
+            </a:pPr>
+            <a:r>
+              <a:rPr lang="fr-FR" sz="2000" strike="noStrike">
+                <a:solidFill>
+                  <a:srgbClr val="404040"/>
+                </a:solidFill>
+                <a:latin typeface="Calibri"/>
+                <a:ea typeface="DejaVu Sans"/>
+              </a:rPr>
+              <a:t>	</a:t>
+            </a:r>
+            <a:r>
+              <a:rPr lang="fr-FR" sz="2000" strike="noStrike">
+                <a:solidFill>
+                  <a:srgbClr val="404040"/>
+                </a:solidFill>
+                <a:latin typeface="Calibri"/>
+                <a:ea typeface="DejaVu Sans"/>
+              </a:rPr>
+              <a:t>	</a:t>
+            </a:r>
+            <a:r>
+              <a:rPr lang="fr-FR" sz="2000" strike="noStrike">
+                <a:solidFill>
+                  <a:srgbClr val="404040"/>
+                </a:solidFill>
+                <a:latin typeface="Calibri"/>
+                <a:ea typeface="DejaVu Sans"/>
+              </a:rPr>
+              <a:t>global _start</a:t>
+            </a:r>
+            <a:endParaRPr/>
+          </a:p>
+          <a:p>
+            <a:pPr>
+              <a:lnSpc>
+                <a:spcPct val="90000"/>
+              </a:lnSpc>
+            </a:pPr>
+            <a:r>
+              <a:rPr lang="fr-FR" sz="2000" strike="noStrike">
+                <a:solidFill>
+                  <a:srgbClr val="404040"/>
+                </a:solidFill>
+                <a:latin typeface="Calibri"/>
+                <a:ea typeface="DejaVu Sans"/>
+              </a:rPr>
+              <a:t>	</a:t>
+            </a:r>
+            <a:r>
+              <a:rPr lang="fr-FR" sz="2000" strike="noStrike">
+                <a:solidFill>
+                  <a:srgbClr val="404040"/>
+                </a:solidFill>
+                <a:latin typeface="Calibri"/>
+                <a:ea typeface="DejaVu Sans"/>
+              </a:rPr>
+              <a:t>	</a:t>
+            </a:r>
+            <a:r>
+              <a:rPr lang="fr-FR" sz="2000" strike="noStrike">
+                <a:solidFill>
+                  <a:srgbClr val="404040"/>
+                </a:solidFill>
+                <a:latin typeface="Calibri"/>
+                <a:ea typeface="DejaVu Sans"/>
+              </a:rPr>
+              <a:t>	</a:t>
+            </a:r>
+            <a:r>
+              <a:rPr lang="fr-FR" sz="2000" strike="noStrike">
+                <a:solidFill>
+                  <a:srgbClr val="404040"/>
+                </a:solidFill>
+                <a:latin typeface="Calibri"/>
+                <a:ea typeface="DejaVu Sans"/>
+              </a:rPr>
+              <a:t>_start :</a:t>
+            </a:r>
+            <a:endParaRPr/>
+          </a:p>
+          <a:p>
+            <a:pPr>
+              <a:lnSpc>
+                <a:spcPct val="90000"/>
+              </a:lnSpc>
+            </a:pPr>
+            <a:r>
+              <a:rPr lang="fr-FR" sz="2000" strike="noStrike">
+                <a:solidFill>
+                  <a:srgbClr val="404040"/>
+                </a:solidFill>
+                <a:latin typeface="Calibri"/>
+                <a:ea typeface="DejaVu Sans"/>
+              </a:rPr>
+              <a:t>	</a:t>
+            </a:r>
+            <a:r>
+              <a:rPr lang="fr-FR" sz="2000" strike="noStrike">
+                <a:solidFill>
+                  <a:srgbClr val="404040"/>
+                </a:solidFill>
+                <a:latin typeface="Calibri"/>
+                <a:ea typeface="DejaVu Sans"/>
+              </a:rPr>
+              <a:t>	</a:t>
+            </a:r>
+            <a:r>
+              <a:rPr lang="fr-FR" sz="2000" strike="noStrike">
+                <a:solidFill>
+                  <a:srgbClr val="404040"/>
+                </a:solidFill>
+                <a:latin typeface="Calibri"/>
+                <a:ea typeface="DejaVu Sans"/>
+              </a:rPr>
+              <a:t>	</a:t>
+            </a:r>
+            <a:r>
+              <a:rPr lang="fr-FR" sz="2000" strike="noStrike">
+                <a:solidFill>
+                  <a:srgbClr val="404040"/>
+                </a:solidFill>
+                <a:latin typeface="Calibri"/>
+                <a:ea typeface="DejaVu Sans"/>
+              </a:rPr>
+              <a:t>	</a:t>
+            </a:r>
+            <a:r>
+              <a:rPr lang="fr-FR" sz="2000" strike="noStrike">
+                <a:solidFill>
+                  <a:srgbClr val="404040"/>
+                </a:solidFill>
+                <a:latin typeface="Calibri"/>
+                <a:ea typeface="DejaVu Sans"/>
+              </a:rPr>
+              <a:t>jmp short string</a:t>
+            </a:r>
+            <a:endParaRPr/>
+          </a:p>
+          <a:p>
+            <a:pPr>
+              <a:lnSpc>
+                <a:spcPct val="90000"/>
+              </a:lnSpc>
+            </a:pPr>
+            <a:r>
+              <a:rPr lang="fr-FR" sz="2000" strike="noStrike">
+                <a:solidFill>
+                  <a:srgbClr val="404040"/>
+                </a:solidFill>
+                <a:latin typeface="Calibri"/>
+                <a:ea typeface="DejaVu Sans"/>
+              </a:rPr>
+              <a:t>	</a:t>
+            </a:r>
+            <a:r>
+              <a:rPr lang="fr-FR" sz="2000" strike="noStrike">
+                <a:solidFill>
+                  <a:srgbClr val="404040"/>
+                </a:solidFill>
+                <a:latin typeface="Calibri"/>
+                <a:ea typeface="DejaVu Sans"/>
+              </a:rPr>
+              <a:t>	</a:t>
+            </a:r>
+            <a:r>
+              <a:rPr lang="fr-FR" sz="2000" strike="noStrike">
+                <a:solidFill>
+                  <a:srgbClr val="404040"/>
+                </a:solidFill>
+                <a:latin typeface="Calibri"/>
+                <a:ea typeface="DejaVu Sans"/>
+              </a:rPr>
+              <a:t>	</a:t>
+            </a:r>
+            <a:r>
+              <a:rPr lang="fr-FR" sz="2000" strike="noStrike">
+                <a:solidFill>
+                  <a:srgbClr val="404040"/>
+                </a:solidFill>
+                <a:latin typeface="Calibri"/>
+                <a:ea typeface="DejaVu Sans"/>
+              </a:rPr>
+              <a:t>code :</a:t>
+            </a:r>
+            <a:endParaRPr/>
+          </a:p>
+          <a:p>
+            <a:pPr>
+              <a:lnSpc>
+                <a:spcPct val="90000"/>
+              </a:lnSpc>
+            </a:pPr>
+            <a:r>
+              <a:rPr lang="fr-FR" sz="2000" strike="noStrike">
+                <a:solidFill>
+                  <a:srgbClr val="404040"/>
+                </a:solidFill>
+                <a:latin typeface="Calibri"/>
+                <a:ea typeface="DejaVu Sans"/>
+              </a:rPr>
+              <a:t>	</a:t>
+            </a:r>
+            <a:r>
+              <a:rPr lang="fr-FR" sz="2000" strike="noStrike">
+                <a:solidFill>
+                  <a:srgbClr val="404040"/>
+                </a:solidFill>
+                <a:latin typeface="Calibri"/>
+                <a:ea typeface="DejaVu Sans"/>
+              </a:rPr>
+              <a:t>	</a:t>
+            </a:r>
+            <a:r>
+              <a:rPr lang="fr-FR" sz="2000" strike="noStrike">
+                <a:solidFill>
+                  <a:srgbClr val="404040"/>
+                </a:solidFill>
+                <a:latin typeface="Calibri"/>
+                <a:ea typeface="DejaVu Sans"/>
+              </a:rPr>
+              <a:t>	</a:t>
+            </a:r>
+            <a:r>
+              <a:rPr lang="fr-FR" sz="2000" strike="noStrike">
+                <a:solidFill>
+                  <a:srgbClr val="404040"/>
+                </a:solidFill>
+                <a:latin typeface="Calibri"/>
+                <a:ea typeface="DejaVu Sans"/>
+              </a:rPr>
+              <a:t>	</a:t>
+            </a:r>
+            <a:r>
+              <a:rPr lang="fr-FR" sz="2000" strike="noStrike">
+                <a:solidFill>
+                  <a:srgbClr val="404040"/>
+                </a:solidFill>
+                <a:latin typeface="Calibri"/>
+                <a:ea typeface="DejaVu Sans"/>
+              </a:rPr>
+              <a:t>...</a:t>
+            </a:r>
+            <a:r>
+              <a:rPr lang="fr-FR" sz="2000" strike="noStrike">
+                <a:solidFill>
+                  <a:srgbClr val="404040"/>
+                </a:solidFill>
+                <a:latin typeface="Calibri"/>
+                <a:ea typeface="DejaVu Sans"/>
+              </a:rPr>
+              <a:t>	</a:t>
+            </a:r>
+            <a:endParaRPr/>
+          </a:p>
+          <a:p>
+            <a:pPr>
+              <a:lnSpc>
+                <a:spcPct val="90000"/>
+              </a:lnSpc>
+            </a:pPr>
+            <a:r>
+              <a:rPr lang="fr-FR" sz="2000" strike="noStrike">
+                <a:solidFill>
+                  <a:srgbClr val="404040"/>
+                </a:solidFill>
+                <a:latin typeface="Calibri"/>
+                <a:ea typeface="DejaVu Sans"/>
+              </a:rPr>
+              <a:t>	</a:t>
+            </a:r>
+            <a:r>
+              <a:rPr lang="fr-FR" sz="2000" strike="noStrike">
+                <a:solidFill>
+                  <a:srgbClr val="404040"/>
+                </a:solidFill>
+                <a:latin typeface="Calibri"/>
+                <a:ea typeface="DejaVu Sans"/>
+              </a:rPr>
+              <a:t>	</a:t>
+            </a:r>
+            <a:r>
+              <a:rPr lang="fr-FR" sz="2000" strike="noStrike">
+                <a:solidFill>
+                  <a:srgbClr val="404040"/>
+                </a:solidFill>
+                <a:latin typeface="Calibri"/>
+                <a:ea typeface="DejaVu Sans"/>
+              </a:rPr>
+              <a:t>string :</a:t>
+            </a:r>
+            <a:endParaRPr/>
+          </a:p>
+          <a:p>
+            <a:pPr>
+              <a:lnSpc>
+                <a:spcPct val="90000"/>
+              </a:lnSpc>
+            </a:pPr>
+            <a:r>
+              <a:rPr lang="fr-FR" sz="2000" strike="noStrike">
+                <a:solidFill>
+                  <a:srgbClr val="404040"/>
+                </a:solidFill>
+                <a:latin typeface="Calibri"/>
+                <a:ea typeface="DejaVu Sans"/>
+              </a:rPr>
+              <a:t>	</a:t>
+            </a:r>
+            <a:r>
+              <a:rPr lang="fr-FR" sz="2000" strike="noStrike">
+                <a:solidFill>
+                  <a:srgbClr val="404040"/>
+                </a:solidFill>
+                <a:latin typeface="Calibri"/>
+                <a:ea typeface="DejaVu Sans"/>
+              </a:rPr>
+              <a:t>	</a:t>
+            </a:r>
+            <a:r>
+              <a:rPr lang="fr-FR" sz="2000" strike="noStrike">
+                <a:solidFill>
+                  <a:srgbClr val="404040"/>
+                </a:solidFill>
+                <a:latin typeface="Calibri"/>
+                <a:ea typeface="DejaVu Sans"/>
+              </a:rPr>
+              <a:t>call code</a:t>
+            </a:r>
+            <a:endParaRPr/>
+          </a:p>
+          <a:p>
+            <a:pPr>
+              <a:lnSpc>
+                <a:spcPct val="90000"/>
+              </a:lnSpc>
+            </a:pPr>
+            <a:r>
+              <a:rPr lang="fr-FR" sz="2000" strike="noStrike">
+                <a:solidFill>
+                  <a:srgbClr val="404040"/>
+                </a:solidFill>
+                <a:latin typeface="Calibri"/>
+                <a:ea typeface="DejaVu Sans"/>
+              </a:rPr>
+              <a:t>	</a:t>
+            </a:r>
+            <a:r>
+              <a:rPr lang="fr-FR" sz="2000" strike="noStrike">
+                <a:solidFill>
+                  <a:srgbClr val="404040"/>
+                </a:solidFill>
+                <a:latin typeface="Calibri"/>
+                <a:ea typeface="DejaVu Sans"/>
+              </a:rPr>
+              <a:t>	</a:t>
+            </a:r>
+            <a:r>
+              <a:rPr lang="fr-FR" sz="2000" strike="noStrike">
+                <a:solidFill>
+                  <a:srgbClr val="404040"/>
+                </a:solidFill>
+                <a:latin typeface="Calibri"/>
+                <a:ea typeface="DejaVu Sans"/>
+              </a:rPr>
+              <a:t>db 'Ma Chaine !',0x0a</a:t>
+            </a:r>
+            <a:endParaRPr/>
+          </a:p>
+          <a:p>
+            <a:pPr>
+              <a:lnSpc>
+                <a:spcPct val="90000"/>
+              </a:lnSpc>
+            </a:pPr>
+            <a:r>
+              <a:rPr lang="fr-FR" sz="2000" strike="noStrike">
+                <a:solidFill>
+                  <a:srgbClr val="404040"/>
+                </a:solidFill>
+                <a:latin typeface="Calibri"/>
+                <a:ea typeface="DejaVu Sans"/>
+              </a:rPr>
+              <a:t>	</a:t>
+            </a:r>
+            <a:r>
+              <a:rPr lang="fr-FR" sz="2000" strike="noStrike">
+                <a:solidFill>
+                  <a:srgbClr val="404040"/>
+                </a:solidFill>
+                <a:latin typeface="Calibri"/>
+                <a:ea typeface="DejaVu Sans"/>
+              </a:rPr>
+              <a:t>	</a:t>
+            </a:r>
+            <a:endParaRPr/>
+          </a:p>
+          <a:p>
+            <a:pPr>
+              <a:lnSpc>
+                <a:spcPct val="90000"/>
+              </a:lnSpc>
+            </a:pPr>
+            <a:endParaRPr/>
+          </a:p>
+        </p:txBody>
+      </p:sp>
+      <p:sp>
+        <p:nvSpPr>
+          <p:cNvPr id="192" name="CustomShape 3"/>
           <p:cNvSpPr/>
           <p:nvPr/>
         </p:nvSpPr>
         <p:spPr>
           <a:xfrm>
             <a:off x="3686040" y="6459840"/>
-            <a:ext cx="4821480" cy="363600"/>
+            <a:ext cx="4821120" cy="363240"/>
           </a:xfrm>
           <a:prstGeom prst="rect">
             <a:avLst/>
@@ -10111,14 +13092,14 @@
       </p:sp>
       <p:sp>
         <p:nvSpPr>
-          <p:cNvPr id="151" name="CustomShape 4"/>
+          <p:cNvPr id="193" name="CustomShape 4"/>
           <p:cNvSpPr/>
           <p:nvPr/>
         </p:nvSpPr>
         <p:spPr>
           <a:xfrm>
             <a:off x="9900360" y="6459840"/>
-            <a:ext cx="1310760" cy="363600"/>
+            <a:ext cx="1310400" cy="363240"/>
           </a:xfrm>
           <a:prstGeom prst="rect">
             <a:avLst/>
@@ -10142,7 +13123,7 @@
                 <a:spcPct val="100000"/>
               </a:lnSpc>
             </a:pPr>
-            <a:fld id="{BD4B8DE0-685E-4C46-ACA8-E44D36843155}" type="slidenum">
+            <a:fld id="{4FDBA200-2D31-4E3C-ADB9-2C1EA4DEB1D8}" type="slidenum">
               <a:rPr lang="fr-FR" sz="1050" strike="noStrike">
                 <a:solidFill>
                   <a:srgbClr val="ffffff"/>
@@ -10152,303 +13133,6 @@
               </a:rPr>
               <a:t>&lt;number&gt;</a:t>
             </a:fld>
-            <a:endParaRPr/>
-          </a:p>
-        </p:txBody>
-      </p:sp>
-      <p:pic>
-        <p:nvPicPr>
-          <p:cNvPr id="152" name="" descr=""/>
-          <p:cNvPicPr/>
-          <p:nvPr/>
-        </p:nvPicPr>
-        <p:blipFill>
-          <a:blip r:embed="rId1"/>
-          <a:stretch/>
-        </p:blipFill>
-        <p:spPr>
-          <a:xfrm>
-            <a:off x="1514520" y="3692520"/>
-            <a:ext cx="2084400" cy="2570400"/>
-          </a:xfrm>
-          <a:prstGeom prst="rect">
-            <a:avLst/>
-          </a:prstGeom>
-          <a:ln>
-            <a:noFill/>
-          </a:ln>
-        </p:spPr>
-      </p:pic>
-      <p:sp>
-        <p:nvSpPr>
-          <p:cNvPr id="153" name="Line 5"/>
-          <p:cNvSpPr/>
-          <p:nvPr/>
-        </p:nvSpPr>
-        <p:spPr>
-          <a:xfrm>
-            <a:off x="3456000" y="6048000"/>
-            <a:ext cx="2232000" cy="0"/>
-          </a:xfrm>
-          <a:prstGeom prst="line">
-            <a:avLst/>
-          </a:prstGeom>
-          <a:ln>
-            <a:solidFill>
-              <a:srgbClr val="000000"/>
-            </a:solidFill>
-            <a:tailEnd len="med" type="triangle" w="med"/>
-          </a:ln>
-        </p:spPr>
-      </p:sp>
-      <p:sp>
-        <p:nvSpPr>
-          <p:cNvPr id="154" name="CustomShape 6"/>
-          <p:cNvSpPr/>
-          <p:nvPr/>
-        </p:nvSpPr>
-        <p:spPr>
-          <a:xfrm>
-            <a:off x="5688000" y="5904000"/>
-            <a:ext cx="5542920" cy="289080"/>
-          </a:xfrm>
-          <a:prstGeom prst="rect">
-            <a:avLst/>
-          </a:prstGeom>
-          <a:noFill/>
-          <a:ln>
-            <a:noFill/>
-          </a:ln>
-        </p:spPr>
-        <p:style>
-          <a:lnRef idx="0"/>
-          <a:fillRef idx="0"/>
-          <a:effectRef idx="0"/>
-          <a:fontRef idx="minor"/>
-        </p:style>
-        <p:txBody>
-          <a:bodyPr lIns="90000" rIns="90000" tIns="45000" bIns="45000"/>
-          <a:p>
-            <a:r>
-              <a:rPr lang="fr-FR" sz="1400" strike="noStrike">
-                <a:solidFill>
-                  <a:srgbClr val="000000"/>
-                </a:solidFill>
-                <a:latin typeface="Arial"/>
-                <a:ea typeface="DejaVu Sans"/>
-              </a:rPr>
-              <a:t>Convention d'appel Linux (Syscall)</a:t>
-            </a:r>
-            <a:endParaRPr/>
-          </a:p>
-        </p:txBody>
-      </p:sp>
-      <p:sp>
-        <p:nvSpPr>
-          <p:cNvPr id="155" name="Line 7"/>
-          <p:cNvSpPr/>
-          <p:nvPr/>
-        </p:nvSpPr>
-        <p:spPr>
-          <a:xfrm>
-            <a:off x="3456000" y="5904000"/>
-            <a:ext cx="2232000" cy="0"/>
-          </a:xfrm>
-          <a:prstGeom prst="line">
-            <a:avLst/>
-          </a:prstGeom>
-          <a:ln>
-            <a:solidFill>
-              <a:srgbClr val="000000"/>
-            </a:solidFill>
-            <a:tailEnd len="med" type="triangle" w="med"/>
-          </a:ln>
-        </p:spPr>
-      </p:sp>
-      <p:sp>
-        <p:nvSpPr>
-          <p:cNvPr id="156" name="CustomShape 8"/>
-          <p:cNvSpPr/>
-          <p:nvPr/>
-        </p:nvSpPr>
-        <p:spPr>
-          <a:xfrm>
-            <a:off x="5688000" y="5724000"/>
-            <a:ext cx="5542920" cy="289080"/>
-          </a:xfrm>
-          <a:prstGeom prst="rect">
-            <a:avLst/>
-          </a:prstGeom>
-          <a:noFill/>
-          <a:ln>
-            <a:noFill/>
-          </a:ln>
-        </p:spPr>
-        <p:style>
-          <a:lnRef idx="0"/>
-          <a:fillRef idx="0"/>
-          <a:effectRef idx="0"/>
-          <a:fontRef idx="minor"/>
-        </p:style>
-        <p:txBody>
-          <a:bodyPr lIns="90000" rIns="90000" tIns="45000" bIns="45000"/>
-          <a:p>
-            <a:r>
-              <a:rPr lang="fr-FR" sz="1400" strike="noStrike">
-                <a:solidFill>
-                  <a:srgbClr val="000000"/>
-                </a:solidFill>
-                <a:latin typeface="Arial"/>
-                <a:ea typeface="DejaVu Sans"/>
-              </a:rPr>
-              <a:t>0x0b → Syscall (sys_execv)</a:t>
-            </a:r>
-            <a:endParaRPr/>
-          </a:p>
-        </p:txBody>
-      </p:sp>
-      <p:sp>
-        <p:nvSpPr>
-          <p:cNvPr id="157" name="CustomShape 9"/>
-          <p:cNvSpPr/>
-          <p:nvPr/>
-        </p:nvSpPr>
-        <p:spPr>
-          <a:xfrm>
-            <a:off x="3456000" y="4464000"/>
-            <a:ext cx="502920" cy="1294920"/>
-          </a:xfrm>
-          <a:prstGeom prst="rightBrace">
-            <a:avLst>
-              <a:gd name="adj1" fmla="val 1800"/>
-              <a:gd name="adj2" fmla="val 10800"/>
-            </a:avLst>
-          </a:prstGeom>
-          <a:noFill/>
-          <a:ln>
-            <a:solidFill>
-              <a:srgbClr val="3465a4"/>
-            </a:solidFill>
-          </a:ln>
-        </p:spPr>
-        <p:style>
-          <a:lnRef idx="0"/>
-          <a:fillRef idx="0"/>
-          <a:effectRef idx="0"/>
-          <a:fontRef idx="minor"/>
-        </p:style>
-      </p:sp>
-      <p:sp>
-        <p:nvSpPr>
-          <p:cNvPr id="158" name="CustomShape 10"/>
-          <p:cNvSpPr/>
-          <p:nvPr/>
-        </p:nvSpPr>
-        <p:spPr>
-          <a:xfrm>
-            <a:off x="3996000" y="4932000"/>
-            <a:ext cx="5542920" cy="289080"/>
-          </a:xfrm>
-          <a:prstGeom prst="rect">
-            <a:avLst/>
-          </a:prstGeom>
-          <a:noFill/>
-          <a:ln>
-            <a:noFill/>
-          </a:ln>
-        </p:spPr>
-        <p:style>
-          <a:lnRef idx="0"/>
-          <a:fillRef idx="0"/>
-          <a:effectRef idx="0"/>
-          <a:fontRef idx="minor"/>
-        </p:style>
-        <p:txBody>
-          <a:bodyPr lIns="90000" rIns="90000" tIns="45000" bIns="45000"/>
-          <a:p>
-            <a:r>
-              <a:rPr lang="fr-FR" sz="1400" strike="noStrike">
-                <a:solidFill>
-                  <a:srgbClr val="000000"/>
-                </a:solidFill>
-                <a:latin typeface="Arial"/>
-                <a:ea typeface="DejaVu Sans"/>
-              </a:rPr>
-              <a:t>Préparation d'e l'argument (/bin/bash) sur la pile</a:t>
-            </a:r>
-            <a:endParaRPr/>
-          </a:p>
-        </p:txBody>
-      </p:sp>
-      <p:sp>
-        <p:nvSpPr>
-          <p:cNvPr id="159" name="CustomShape 11"/>
-          <p:cNvSpPr/>
-          <p:nvPr/>
-        </p:nvSpPr>
-        <p:spPr>
-          <a:xfrm>
-            <a:off x="3456000" y="3744000"/>
-            <a:ext cx="646920" cy="718920"/>
-          </a:xfrm>
-          <a:prstGeom prst="rightBrace">
-            <a:avLst>
-              <a:gd name="adj1" fmla="val 1800"/>
-              <a:gd name="adj2" fmla="val 10800"/>
-            </a:avLst>
-          </a:prstGeom>
-          <a:noFill/>
-          <a:ln>
-            <a:solidFill>
-              <a:srgbClr val="3465a4"/>
-            </a:solidFill>
-          </a:ln>
-        </p:spPr>
-        <p:style>
-          <a:lnRef idx="0"/>
-          <a:fillRef idx="0"/>
-          <a:effectRef idx="0"/>
-          <a:fontRef idx="minor"/>
-        </p:style>
-      </p:sp>
-      <p:sp>
-        <p:nvSpPr>
-          <p:cNvPr id="160" name="CustomShape 12"/>
-          <p:cNvSpPr/>
-          <p:nvPr/>
-        </p:nvSpPr>
-        <p:spPr>
-          <a:xfrm>
-            <a:off x="4176000" y="3960000"/>
-            <a:ext cx="5542920" cy="289080"/>
-          </a:xfrm>
-          <a:prstGeom prst="rect">
-            <a:avLst/>
-          </a:prstGeom>
-          <a:noFill/>
-          <a:ln>
-            <a:noFill/>
-          </a:ln>
-        </p:spPr>
-        <p:style>
-          <a:lnRef idx="0"/>
-          <a:fillRef idx="0"/>
-          <a:effectRef idx="0"/>
-          <a:fontRef idx="minor"/>
-        </p:style>
-        <p:txBody>
-          <a:bodyPr lIns="90000" rIns="90000" tIns="45000" bIns="45000"/>
-          <a:p>
-            <a:r>
-              <a:rPr lang="fr-FR" sz="1400" strike="noStrike">
-                <a:solidFill>
-                  <a:srgbClr val="000000"/>
-                </a:solidFill>
-                <a:latin typeface="Arial"/>
-                <a:ea typeface="DejaVu Sans"/>
-              </a:rPr>
-              <a:t>Directive pour la compilation</a:t>
-            </a:r>
             <a:endParaRPr/>
           </a:p>
         </p:txBody>
@@ -10504,14 +13188,14 @@
       </p:grpSpPr>
       <p:sp>
         <p:nvSpPr>
-          <p:cNvPr id="161" name="CustomShape 1"/>
+          <p:cNvPr id="194" name="CustomShape 1"/>
           <p:cNvSpPr/>
           <p:nvPr/>
         </p:nvSpPr>
         <p:spPr>
           <a:xfrm>
             <a:off x="1097280" y="286560"/>
-            <a:ext cx="10056960" cy="1449360"/>
+            <a:ext cx="10056600" cy="1449000"/>
           </a:xfrm>
           <a:prstGeom prst="rect">
             <a:avLst/>
@@ -10543,22 +13227,22 @@
                 <a:latin typeface="Calibri Light"/>
                 <a:ea typeface="DejaVu Sans"/>
               </a:rPr>
-              <a:t>Fighting with Hello World !</a:t>
-            </a:r>
-            <a:endParaRPr/>
-          </a:p>
-        </p:txBody>
-      </p:sp>
-      <p:sp>
-        <p:nvSpPr>
-          <p:cNvPr id="162" name="CustomShape 2"/>
+              <a:t>Récupération des tools</a:t>
+            </a:r>
+            <a:endParaRPr/>
+          </a:p>
+        </p:txBody>
+      </p:sp>
+      <p:sp>
+        <p:nvSpPr>
+          <p:cNvPr id="195" name="CustomShape 2"/>
           <p:cNvSpPr/>
           <p:nvPr/>
         </p:nvSpPr>
         <p:spPr>
           <a:xfrm>
-            <a:off x="1102320" y="1872000"/>
-            <a:ext cx="10056960" cy="4021920"/>
+            <a:off x="1097280" y="1845720"/>
+            <a:ext cx="10056600" cy="4021560"/>
           </a:xfrm>
           <a:prstGeom prst="rect">
             <a:avLst/>
@@ -10579,81 +13263,263 @@
           <a:p>
             <a:pPr>
               <a:lnSpc>
-                <a:spcPct val="100000"/>
-              </a:lnSpc>
-              <a:buSzPct val="45000"/>
-              <a:buFont typeface="StarSymbol"/>
-              <a:buChar char="l"/>
+                <a:spcPct val="90000"/>
+              </a:lnSpc>
             </a:pPr>
             <a:r>
               <a:rPr lang="fr-FR" sz="2000" strike="noStrike">
                 <a:solidFill>
-                  <a:srgbClr val="000000"/>
-                </a:solidFill>
-                <a:latin typeface="Calibri"/>
-                <a:ea typeface="DejaVu Sans"/>
-              </a:rPr>
-              <a:t>Objectif : Ecrire un Hello world  – shellcode</a:t>
-            </a:r>
-            <a:endParaRPr/>
-          </a:p>
-          <a:p>
-            <a:pPr lvl="1">
-              <a:lnSpc>
-                <a:spcPct val="100000"/>
-              </a:lnSpc>
-              <a:buSzPct val="75000"/>
-              <a:buFont typeface="StarSymbol"/>
-              <a:buChar char="l"/>
-            </a:pPr>
-            <a:r>
-              <a:rPr lang="fr-FR" sz="1400" strike="noStrike">
-                <a:solidFill>
-                  <a:srgbClr val="000000"/>
-                </a:solidFill>
-                <a:latin typeface="Calibri"/>
-                <a:ea typeface="DejaVu Sans"/>
-              </a:rPr>
-              <a:t>Methode : syscall_write sur la console</a:t>
-            </a:r>
-            <a:endParaRPr/>
-          </a:p>
-          <a:p>
-            <a:pPr>
-              <a:lnSpc>
-                <a:spcPct val="100000"/>
-              </a:lnSpc>
-            </a:pPr>
-            <a:endParaRPr/>
-          </a:p>
-          <a:p>
-            <a:pPr>
-              <a:lnSpc>
-                <a:spcPct val="100000"/>
-              </a:lnSpc>
-            </a:pPr>
-            <a:endParaRPr/>
-          </a:p>
-          <a:p>
-            <a:pPr>
-              <a:lnSpc>
-                <a:spcPct val="100000"/>
-              </a:lnSpc>
-            </a:pPr>
-            <a:endParaRPr/>
-          </a:p>
-        </p:txBody>
-      </p:sp>
-      <p:sp>
-        <p:nvSpPr>
-          <p:cNvPr id="163" name="CustomShape 3"/>
+                  <a:srgbClr val="404040"/>
+                </a:solidFill>
+                <a:latin typeface="Calibri"/>
+                <a:ea typeface="DejaVu Sans"/>
+              </a:rPr>
+              <a:t> – </a:t>
+            </a:r>
+            <a:r>
+              <a:rPr lang="fr-FR" sz="2000" strike="noStrike">
+                <a:solidFill>
+                  <a:srgbClr val="404040"/>
+                </a:solidFill>
+                <a:latin typeface="Calibri"/>
+                <a:ea typeface="DejaVu Sans"/>
+              </a:rPr>
+              <a:t>Creer un tool qui récupére le code hexadécimal de votre code ASM</a:t>
+            </a:r>
+            <a:endParaRPr/>
+          </a:p>
+          <a:p>
+            <a:pPr>
+              <a:lnSpc>
+                <a:spcPct val="90000"/>
+              </a:lnSpc>
+            </a:pPr>
+            <a:endParaRPr/>
+          </a:p>
+          <a:p>
+            <a:pPr>
+              <a:lnSpc>
+                <a:spcPct val="90000"/>
+              </a:lnSpc>
+            </a:pPr>
+            <a:r>
+              <a:rPr lang="fr-FR" sz="2000" strike="noStrike">
+                <a:solidFill>
+                  <a:srgbClr val="404040"/>
+                </a:solidFill>
+                <a:latin typeface="Calibri"/>
+                <a:ea typeface="DejaVu Sans"/>
+              </a:rPr>
+              <a:t>      </a:t>
+            </a:r>
+            <a:r>
+              <a:rPr lang="fr-FR" sz="2000" strike="noStrike">
+                <a:solidFill>
+                  <a:srgbClr val="404040"/>
+                </a:solidFill>
+                <a:latin typeface="Calibri"/>
+                <a:ea typeface="DejaVu Sans"/>
+              </a:rPr>
+              <a:t>Utiliser la commande suivante :</a:t>
+            </a:r>
+            <a:endParaRPr/>
+          </a:p>
+          <a:p>
+            <a:pPr>
+              <a:lnSpc>
+                <a:spcPct val="90000"/>
+              </a:lnSpc>
+            </a:pPr>
+            <a:r>
+              <a:rPr lang="fr-FR" sz="2000" strike="noStrike">
+                <a:solidFill>
+                  <a:srgbClr val="404040"/>
+                </a:solidFill>
+                <a:latin typeface="Calibri"/>
+                <a:ea typeface="DejaVu Sans"/>
+              </a:rPr>
+              <a:t>          → </a:t>
+            </a:r>
+            <a:r>
+              <a:rPr lang="fr-FR" sz="2000" strike="noStrike">
+                <a:solidFill>
+                  <a:srgbClr val="404040"/>
+                </a:solidFill>
+                <a:latin typeface="Calibri"/>
+                <a:ea typeface="DejaVu Sans"/>
+              </a:rPr>
+              <a:t>for i in $(objdump -d $PROG_NAME | grep "^ " | cut -f2); do echo -n '\x'$i;done;echo </a:t>
+            </a:r>
+            <a:endParaRPr/>
+          </a:p>
+          <a:p>
+            <a:pPr>
+              <a:lnSpc>
+                <a:spcPct val="90000"/>
+              </a:lnSpc>
+            </a:pPr>
+            <a:endParaRPr/>
+          </a:p>
+          <a:p>
+            <a:pPr>
+              <a:lnSpc>
+                <a:spcPct val="90000"/>
+              </a:lnSpc>
+            </a:pPr>
+            <a:endParaRPr/>
+          </a:p>
+          <a:p>
+            <a:pPr>
+              <a:lnSpc>
+                <a:spcPct val="90000"/>
+              </a:lnSpc>
+            </a:pPr>
+            <a:r>
+              <a:rPr lang="fr-FR" sz="2000" strike="noStrike">
+                <a:solidFill>
+                  <a:srgbClr val="404040"/>
+                </a:solidFill>
+                <a:latin typeface="Calibri"/>
+                <a:ea typeface="DejaVu Sans"/>
+              </a:rPr>
+              <a:t> – </a:t>
+            </a:r>
+            <a:r>
+              <a:rPr lang="fr-FR" sz="2000" strike="noStrike">
+                <a:solidFill>
+                  <a:srgbClr val="404040"/>
+                </a:solidFill>
+                <a:latin typeface="Calibri"/>
+                <a:ea typeface="DejaVu Sans"/>
+              </a:rPr>
+              <a:t>Compilation + Link :</a:t>
+            </a:r>
+            <a:endParaRPr/>
+          </a:p>
+          <a:p>
+            <a:pPr>
+              <a:lnSpc>
+                <a:spcPct val="90000"/>
+              </a:lnSpc>
+            </a:pPr>
+            <a:r>
+              <a:rPr lang="fr-FR" sz="2000" strike="noStrike">
+                <a:solidFill>
+                  <a:srgbClr val="404040"/>
+                </a:solidFill>
+                <a:latin typeface="Calibri"/>
+                <a:ea typeface="DejaVu Sans"/>
+              </a:rPr>
+              <a:t>         → </a:t>
+            </a:r>
+            <a:r>
+              <a:rPr lang="fr-FR" sz="2000" strike="noStrike">
+                <a:solidFill>
+                  <a:srgbClr val="404040"/>
+                </a:solidFill>
+                <a:latin typeface="Calibri"/>
+                <a:ea typeface="DejaVu Sans"/>
+              </a:rPr>
+              <a:t>32 bits : </a:t>
+            </a:r>
+            <a:endParaRPr/>
+          </a:p>
+          <a:p>
+            <a:pPr>
+              <a:lnSpc>
+                <a:spcPct val="90000"/>
+              </a:lnSpc>
+            </a:pPr>
+            <a:r>
+              <a:rPr lang="fr-FR" sz="2000" strike="noStrike">
+                <a:solidFill>
+                  <a:srgbClr val="404040"/>
+                </a:solidFill>
+                <a:latin typeface="Calibri"/>
+                <a:ea typeface="DejaVu Sans"/>
+              </a:rPr>
+              <a:t>              </a:t>
+            </a:r>
+            <a:r>
+              <a:rPr lang="fr-FR" sz="2000" strike="noStrike">
+                <a:solidFill>
+                  <a:srgbClr val="404040"/>
+                </a:solidFill>
+                <a:latin typeface="Calibri"/>
+                <a:ea typeface="DejaVu Sans"/>
+              </a:rPr>
+              <a:t>nasm -f elf32 -g $PROG_NAME ; ld $PROG_NAME.o -o $PROG_NAME -m elf_i386</a:t>
+            </a:r>
+            <a:endParaRPr/>
+          </a:p>
+          <a:p>
+            <a:pPr>
+              <a:lnSpc>
+                <a:spcPct val="90000"/>
+              </a:lnSpc>
+            </a:pPr>
+            <a:r>
+              <a:rPr lang="fr-FR" sz="2000" strike="noStrike">
+                <a:solidFill>
+                  <a:srgbClr val="404040"/>
+                </a:solidFill>
+                <a:latin typeface="Calibri"/>
+                <a:ea typeface="DejaVu Sans"/>
+              </a:rPr>
+              <a:t>         → </a:t>
+            </a:r>
+            <a:r>
+              <a:rPr lang="fr-FR" sz="2000" strike="noStrike">
+                <a:solidFill>
+                  <a:srgbClr val="404040"/>
+                </a:solidFill>
+                <a:latin typeface="Calibri"/>
+                <a:ea typeface="DejaVu Sans"/>
+              </a:rPr>
+              <a:t>64 bits :</a:t>
+            </a:r>
+            <a:endParaRPr/>
+          </a:p>
+          <a:p>
+            <a:pPr>
+              <a:lnSpc>
+                <a:spcPct val="90000"/>
+              </a:lnSpc>
+            </a:pPr>
+            <a:r>
+              <a:rPr lang="fr-FR" sz="2000" strike="noStrike">
+                <a:solidFill>
+                  <a:srgbClr val="404040"/>
+                </a:solidFill>
+                <a:latin typeface="Calibri"/>
+                <a:ea typeface="DejaVu Sans"/>
+              </a:rPr>
+              <a:t>              </a:t>
+            </a:r>
+            <a:r>
+              <a:rPr lang="fr-FR" sz="2000" strike="noStrike">
+                <a:solidFill>
+                  <a:srgbClr val="404040"/>
+                </a:solidFill>
+                <a:latin typeface="Calibri"/>
+                <a:ea typeface="DejaVu Sans"/>
+              </a:rPr>
+              <a:t>nasm -f elf64 -g $PROG_NAME ; ld $PROG_NAME.o -o $PROG_NAME -m elf_x86_x64</a:t>
+            </a:r>
+            <a:endParaRPr/>
+          </a:p>
+        </p:txBody>
+      </p:sp>
+      <p:sp>
+        <p:nvSpPr>
+          <p:cNvPr id="196" name="CustomShape 3"/>
           <p:cNvSpPr/>
           <p:nvPr/>
         </p:nvSpPr>
         <p:spPr>
           <a:xfrm>
             <a:off x="3686040" y="6459840"/>
-            <a:ext cx="4821480" cy="363600"/>
+            <a:ext cx="4821120" cy="363240"/>
           </a:xfrm>
           <a:prstGeom prst="rect">
             <a:avLst/>
@@ -10693,14 +13559,14 @@
       </p:sp>
       <p:sp>
         <p:nvSpPr>
-          <p:cNvPr id="164" name="CustomShape 4"/>
+          <p:cNvPr id="197" name="CustomShape 4"/>
           <p:cNvSpPr/>
           <p:nvPr/>
         </p:nvSpPr>
         <p:spPr>
           <a:xfrm>
             <a:off x="9900360" y="6459840"/>
-            <a:ext cx="1310760" cy="363600"/>
+            <a:ext cx="1310400" cy="363240"/>
           </a:xfrm>
           <a:prstGeom prst="rect">
             <a:avLst/>
@@ -10724,7 +13590,7 @@
                 <a:spcPct val="100000"/>
               </a:lnSpc>
             </a:pPr>
-            <a:fld id="{D9759B60-DA7D-4A1C-BF88-D66BC6D72F9A}" type="slidenum">
+            <a:fld id="{A0D247E0-3BB8-465F-924B-F5B63BF17C86}" type="slidenum">
               <a:rPr lang="fr-FR" sz="1050" strike="noStrike">
                 <a:solidFill>
                   <a:srgbClr val="ffffff"/>
@@ -10738,52 +13604,6 @@
           </a:p>
         </p:txBody>
       </p:sp>
-      <p:pic>
-        <p:nvPicPr>
-          <p:cNvPr id="165" name="" descr=""/>
-          <p:cNvPicPr/>
-          <p:nvPr/>
-        </p:nvPicPr>
-        <p:blipFill>
-          <a:blip r:embed="rId1"/>
-          <a:stretch/>
-        </p:blipFill>
-        <p:spPr>
-          <a:xfrm>
-            <a:off x="1411200" y="2801880"/>
-            <a:ext cx="7875720" cy="3065760"/>
-          </a:xfrm>
-          <a:prstGeom prst="rect">
-            <a:avLst/>
-          </a:prstGeom>
-          <a:ln>
-            <a:noFill/>
-          </a:ln>
-        </p:spPr>
-      </p:pic>
-      <p:pic>
-        <p:nvPicPr>
-          <p:cNvPr id="166" name="" descr=""/>
-          <p:cNvPicPr/>
-          <p:nvPr/>
-        </p:nvPicPr>
-        <p:blipFill>
-          <a:blip r:embed="rId2"/>
-          <a:stretch/>
-        </p:blipFill>
-        <p:spPr>
-          <a:xfrm>
-            <a:off x="4752000" y="2268000"/>
-            <a:ext cx="7306920" cy="1114920"/>
-          </a:xfrm>
-          <a:prstGeom prst="rect">
-            <a:avLst/>
-          </a:prstGeom>
-          <a:ln>
-            <a:noFill/>
-          </a:ln>
-        </p:spPr>
-      </p:pic>
     </p:spTree>
   </p:cSld>
   <p:timing>
@@ -10835,14 +13655,14 @@
       </p:grpSpPr>
       <p:sp>
         <p:nvSpPr>
-          <p:cNvPr id="167" name="CustomShape 1"/>
+          <p:cNvPr id="198" name="CustomShape 1"/>
           <p:cNvSpPr/>
           <p:nvPr/>
         </p:nvSpPr>
         <p:spPr>
           <a:xfrm>
             <a:off x="1097280" y="286560"/>
-            <a:ext cx="10056960" cy="1449360"/>
+            <a:ext cx="10056600" cy="1449000"/>
           </a:xfrm>
           <a:prstGeom prst="rect">
             <a:avLst/>
@@ -10874,22 +13694,22 @@
                 <a:latin typeface="Calibri Light"/>
                 <a:ea typeface="DejaVu Sans"/>
               </a:rPr>
-              <a:t>Fighting with your shellcode !</a:t>
-            </a:r>
-            <a:endParaRPr/>
-          </a:p>
-        </p:txBody>
-      </p:sp>
-      <p:sp>
-        <p:nvSpPr>
-          <p:cNvPr id="168" name="CustomShape 2"/>
+              <a:t>Fighting with Hello World !</a:t>
+            </a:r>
+            <a:endParaRPr/>
+          </a:p>
+        </p:txBody>
+      </p:sp>
+      <p:sp>
+        <p:nvSpPr>
+          <p:cNvPr id="199" name="CustomShape 2"/>
           <p:cNvSpPr/>
           <p:nvPr/>
         </p:nvSpPr>
         <p:spPr>
           <a:xfrm>
             <a:off x="1097280" y="1845720"/>
-            <a:ext cx="10056960" cy="4021920"/>
+            <a:ext cx="10056600" cy="4021560"/>
           </a:xfrm>
           <a:prstGeom prst="rect">
             <a:avLst/>
@@ -10924,12 +13744,12 @@
                 <a:latin typeface="Calibri"/>
                 <a:ea typeface="DejaVu Sans"/>
               </a:rPr>
-              <a:t>Objectif : Ecrire un shellcode spécial CTF sans NULL byte (0x00) et sans Shell !</a:t>
-            </a:r>
-            <a:endParaRPr/>
-          </a:p>
-          <a:p>
-            <a:pPr>
+              <a:t>Objectif : Ecrire un Hello world  – shellcode</a:t>
+            </a:r>
+            <a:endParaRPr/>
+          </a:p>
+          <a:p>
+            <a:pPr lvl="1">
               <a:lnSpc>
                 <a:spcPct val="100000"/>
               </a:lnSpc>
@@ -10945,12 +13765,12 @@
                 <a:latin typeface="Calibri"/>
                 <a:ea typeface="DejaVu Sans"/>
               </a:rPr>
-              <a:t>Methode :</a:t>
-            </a:r>
-            <a:endParaRPr/>
-          </a:p>
-          <a:p>
-            <a:pPr>
+              <a:t>- Extension de fichier en .asm</a:t>
+            </a:r>
+            <a:endParaRPr/>
+          </a:p>
+          <a:p>
+            <a:pPr lvl="1">
               <a:lnSpc>
                 <a:spcPct val="100000"/>
               </a:lnSpc>
@@ -10966,18 +13786,16 @@
                 <a:latin typeface="Calibri"/>
                 <a:ea typeface="DejaVu Sans"/>
               </a:rPr>
-              <a:t>       </a:t>
-            </a:r>
-            <a:r>
-              <a:rPr lang="fr-FR" sz="2000" strike="noStrike">
-                <a:solidFill>
-                  <a:srgbClr val="000000"/>
-                </a:solidFill>
-                <a:latin typeface="Calibri"/>
-                <a:ea typeface="DejaVu Sans"/>
-              </a:rPr>
-              <a:t>- Sys_read (Le nom du fichier à ouvrir « flag.txt »)</a:t>
-            </a:r>
+              <a:t>- Directive « global _start » et « _start : » </a:t>
+            </a:r>
+            <a:endParaRPr/>
+          </a:p>
+          <a:p>
+            <a:pPr>
+              <a:lnSpc>
+                <a:spcPct val="100000"/>
+              </a:lnSpc>
+            </a:pPr>
             <a:endParaRPr/>
           </a:p>
           <a:p>
@@ -10997,17 +13815,7 @@
                 <a:latin typeface="Calibri"/>
                 <a:ea typeface="DejaVu Sans"/>
               </a:rPr>
-              <a:t>       </a:t>
-            </a:r>
-            <a:r>
-              <a:rPr lang="fr-FR" sz="2000" strike="noStrike">
-                <a:solidFill>
-                  <a:srgbClr val="000000"/>
-                </a:solidFill>
-                <a:latin typeface="Calibri"/>
-                <a:ea typeface="DejaVu Sans"/>
-              </a:rPr>
-              <a:t>- Sys_open (Ouverture du fichier « flag.txt »)</a:t>
+              <a:t>Exemple (sys_execv(/bin/bash)) :</a:t>
             </a:r>
             <a:endParaRPr/>
           </a:p>
@@ -11016,30 +13824,7 @@
               <a:lnSpc>
                 <a:spcPct val="100000"/>
               </a:lnSpc>
-              <a:buSzPct val="45000"/>
-              <a:buFont typeface="StarSymbol"/>
-              <a:buChar char="l"/>
-            </a:pPr>
-            <a:r>
-              <a:rPr lang="fr-FR" sz="2000" strike="noStrike">
-                <a:solidFill>
-                  <a:srgbClr val="000000"/>
-                </a:solidFill>
-                <a:latin typeface="Calibri"/>
-                <a:ea typeface="DejaVu Sans"/>
-              </a:rPr>
-              <a:t>       </a:t>
-            </a:r>
-            <a:r>
-              <a:rPr lang="fr-FR" sz="2000" strike="noStrike">
-                <a:solidFill>
-                  <a:srgbClr val="000000"/>
-                </a:solidFill>
-                <a:latin typeface="Calibri"/>
-                <a:ea typeface="DejaVu Sans"/>
-              </a:rPr>
-              <a:t>- Sys_read (Lecture de fichier « flag.txt »)</a:t>
-            </a:r>
+            </a:pPr>
             <a:endParaRPr/>
           </a:p>
           <a:p>
@@ -11047,68 +13832,21 @@
               <a:lnSpc>
                 <a:spcPct val="100000"/>
               </a:lnSpc>
-              <a:buSzPct val="45000"/>
-              <a:buFont typeface="StarSymbol"/>
-              <a:buChar char="l"/>
-            </a:pPr>
-            <a:r>
-              <a:rPr lang="fr-FR" sz="2000" strike="noStrike">
-                <a:solidFill>
-                  <a:srgbClr val="000000"/>
-                </a:solidFill>
-                <a:latin typeface="Calibri"/>
-                <a:ea typeface="DejaVu Sans"/>
-              </a:rPr>
-              <a:t>       </a:t>
-            </a:r>
-            <a:r>
-              <a:rPr lang="fr-FR" sz="2000" strike="noStrike">
-                <a:solidFill>
-                  <a:srgbClr val="000000"/>
-                </a:solidFill>
-                <a:latin typeface="Calibri"/>
-                <a:ea typeface="DejaVu Sans"/>
-              </a:rPr>
-              <a:t>- Sys_write (Ecriture du resultat sur la console)</a:t>
-            </a:r>
-            <a:endParaRPr/>
-          </a:p>
-          <a:p>
-            <a:pPr>
-              <a:lnSpc>
-                <a:spcPct val="100000"/>
-              </a:lnSpc>
-            </a:pPr>
-            <a:endParaRPr/>
-          </a:p>
-          <a:p>
-            <a:pPr>
-              <a:lnSpc>
-                <a:spcPct val="100000"/>
-              </a:lnSpc>
-            </a:pPr>
-            <a:endParaRPr/>
-          </a:p>
-          <a:p>
-            <a:pPr>
-              <a:lnSpc>
-                <a:spcPct val="100000"/>
-              </a:lnSpc>
-            </a:pPr>
-            <a:endParaRPr/>
-          </a:p>
-        </p:txBody>
-      </p:sp>
-      <p:sp>
-        <p:nvSpPr>
-          <p:cNvPr id="169" name="CustomShape 3"/>
+            </a:pPr>
+            <a:endParaRPr/>
+          </a:p>
+        </p:txBody>
+      </p:sp>
+      <p:sp>
+        <p:nvSpPr>
+          <p:cNvPr id="200" name="CustomShape 3"/>
           <p:cNvSpPr/>
           <p:nvPr/>
         </p:nvSpPr>
         <p:spPr>
           <a:xfrm>
             <a:off x="3686040" y="6459840"/>
-            <a:ext cx="4821480" cy="363600"/>
+            <a:ext cx="4821120" cy="363240"/>
           </a:xfrm>
           <a:prstGeom prst="rect">
             <a:avLst/>
@@ -11148,14 +13886,14 @@
       </p:sp>
       <p:sp>
         <p:nvSpPr>
-          <p:cNvPr id="170" name="CustomShape 4"/>
+          <p:cNvPr id="201" name="CustomShape 4"/>
           <p:cNvSpPr/>
           <p:nvPr/>
         </p:nvSpPr>
         <p:spPr>
           <a:xfrm>
             <a:off x="9900360" y="6459840"/>
-            <a:ext cx="1310760" cy="363600"/>
+            <a:ext cx="1310400" cy="363240"/>
           </a:xfrm>
           <a:prstGeom prst="rect">
             <a:avLst/>
@@ -11179,7 +13917,7 @@
                 <a:spcPct val="100000"/>
               </a:lnSpc>
             </a:pPr>
-            <a:fld id="{79D79904-A3F2-4D7D-A828-3FEFB4092AF4}" type="slidenum">
+            <a:fld id="{28C6209A-C36E-43CD-87B0-6A5E3B08F1C7}" type="slidenum">
               <a:rPr lang="fr-FR" sz="1050" strike="noStrike">
                 <a:solidFill>
                   <a:srgbClr val="ffffff"/>
@@ -11195,7 +13933,7 @@
       </p:sp>
       <p:pic>
         <p:nvPicPr>
-          <p:cNvPr id="171" name="" descr=""/>
+          <p:cNvPr id="202" name="" descr=""/>
           <p:cNvPicPr/>
           <p:nvPr/>
         </p:nvPicPr>
@@ -11205,8 +13943,8 @@
         </p:blipFill>
         <p:spPr>
           <a:xfrm>
-            <a:off x="144000" y="4176000"/>
-            <a:ext cx="11895120" cy="1665360"/>
+            <a:off x="1514520" y="3692520"/>
+            <a:ext cx="2084040" cy="2570040"/>
           </a:xfrm>
           <a:prstGeom prst="rect">
             <a:avLst/>
@@ -11216,6 +13954,280 @@
           </a:ln>
         </p:spPr>
       </p:pic>
+      <p:sp>
+        <p:nvSpPr>
+          <p:cNvPr id="203" name="Line 5"/>
+          <p:cNvSpPr/>
+          <p:nvPr/>
+        </p:nvSpPr>
+        <p:spPr>
+          <a:xfrm>
+            <a:off x="3456000" y="6048000"/>
+            <a:ext cx="2232000" cy="0"/>
+          </a:xfrm>
+          <a:prstGeom prst="line">
+            <a:avLst/>
+          </a:prstGeom>
+          <a:ln>
+            <a:solidFill>
+              <a:srgbClr val="000000"/>
+            </a:solidFill>
+            <a:tailEnd len="med" type="triangle" w="med"/>
+          </a:ln>
+        </p:spPr>
+      </p:sp>
+      <p:sp>
+        <p:nvSpPr>
+          <p:cNvPr id="204" name="CustomShape 6"/>
+          <p:cNvSpPr/>
+          <p:nvPr/>
+        </p:nvSpPr>
+        <p:spPr>
+          <a:xfrm>
+            <a:off x="5688000" y="5904000"/>
+            <a:ext cx="5542560" cy="288720"/>
+          </a:xfrm>
+          <a:prstGeom prst="rect">
+            <a:avLst/>
+          </a:prstGeom>
+          <a:noFill/>
+          <a:ln>
+            <a:noFill/>
+          </a:ln>
+        </p:spPr>
+        <p:style>
+          <a:lnRef idx="0"/>
+          <a:fillRef idx="0"/>
+          <a:effectRef idx="0"/>
+          <a:fontRef idx="minor"/>
+        </p:style>
+        <p:txBody>
+          <a:bodyPr lIns="90000" rIns="90000" tIns="45000" bIns="45000"/>
+          <a:p>
+            <a:r>
+              <a:rPr lang="fr-FR" sz="1400" strike="noStrike">
+                <a:solidFill>
+                  <a:srgbClr val="000000"/>
+                </a:solidFill>
+                <a:latin typeface="Arial"/>
+                <a:ea typeface="DejaVu Sans"/>
+              </a:rPr>
+              <a:t>Convention d'appel Linux (Syscall)</a:t>
+            </a:r>
+            <a:endParaRPr/>
+          </a:p>
+        </p:txBody>
+      </p:sp>
+      <p:sp>
+        <p:nvSpPr>
+          <p:cNvPr id="205" name="Line 7"/>
+          <p:cNvSpPr/>
+          <p:nvPr/>
+        </p:nvSpPr>
+        <p:spPr>
+          <a:xfrm>
+            <a:off x="3456000" y="5904000"/>
+            <a:ext cx="2232000" cy="0"/>
+          </a:xfrm>
+          <a:prstGeom prst="line">
+            <a:avLst/>
+          </a:prstGeom>
+          <a:ln>
+            <a:solidFill>
+              <a:srgbClr val="000000"/>
+            </a:solidFill>
+            <a:tailEnd len="med" type="triangle" w="med"/>
+          </a:ln>
+        </p:spPr>
+      </p:sp>
+      <p:sp>
+        <p:nvSpPr>
+          <p:cNvPr id="206" name="CustomShape 8"/>
+          <p:cNvSpPr/>
+          <p:nvPr/>
+        </p:nvSpPr>
+        <p:spPr>
+          <a:xfrm>
+            <a:off x="5688000" y="5724000"/>
+            <a:ext cx="5542560" cy="288720"/>
+          </a:xfrm>
+          <a:prstGeom prst="rect">
+            <a:avLst/>
+          </a:prstGeom>
+          <a:noFill/>
+          <a:ln>
+            <a:noFill/>
+          </a:ln>
+        </p:spPr>
+        <p:style>
+          <a:lnRef idx="0"/>
+          <a:fillRef idx="0"/>
+          <a:effectRef idx="0"/>
+          <a:fontRef idx="minor"/>
+        </p:style>
+        <p:txBody>
+          <a:bodyPr lIns="90000" rIns="90000" tIns="45000" bIns="45000"/>
+          <a:p>
+            <a:r>
+              <a:rPr lang="fr-FR" sz="1400" strike="noStrike">
+                <a:solidFill>
+                  <a:srgbClr val="000000"/>
+                </a:solidFill>
+                <a:latin typeface="Arial"/>
+                <a:ea typeface="DejaVu Sans"/>
+              </a:rPr>
+              <a:t>0x0b → Syscall (sys_execv)</a:t>
+            </a:r>
+            <a:endParaRPr/>
+          </a:p>
+        </p:txBody>
+      </p:sp>
+      <p:sp>
+        <p:nvSpPr>
+          <p:cNvPr id="207" name="CustomShape 9"/>
+          <p:cNvSpPr/>
+          <p:nvPr/>
+        </p:nvSpPr>
+        <p:spPr>
+          <a:xfrm>
+            <a:off x="3456000" y="4464000"/>
+            <a:ext cx="502560" cy="1294560"/>
+          </a:xfrm>
+          <a:prstGeom prst="rightBrace">
+            <a:avLst>
+              <a:gd name="adj1" fmla="val 1800"/>
+              <a:gd name="adj2" fmla="val 10800"/>
+            </a:avLst>
+          </a:prstGeom>
+          <a:noFill/>
+          <a:ln>
+            <a:solidFill>
+              <a:srgbClr val="3465a4"/>
+            </a:solidFill>
+          </a:ln>
+        </p:spPr>
+        <p:style>
+          <a:lnRef idx="0"/>
+          <a:fillRef idx="0"/>
+          <a:effectRef idx="0"/>
+          <a:fontRef idx="minor"/>
+        </p:style>
+      </p:sp>
+      <p:sp>
+        <p:nvSpPr>
+          <p:cNvPr id="208" name="CustomShape 10"/>
+          <p:cNvSpPr/>
+          <p:nvPr/>
+        </p:nvSpPr>
+        <p:spPr>
+          <a:xfrm>
+            <a:off x="3996000" y="4932000"/>
+            <a:ext cx="5542560" cy="288720"/>
+          </a:xfrm>
+          <a:prstGeom prst="rect">
+            <a:avLst/>
+          </a:prstGeom>
+          <a:noFill/>
+          <a:ln>
+            <a:noFill/>
+          </a:ln>
+        </p:spPr>
+        <p:style>
+          <a:lnRef idx="0"/>
+          <a:fillRef idx="0"/>
+          <a:effectRef idx="0"/>
+          <a:fontRef idx="minor"/>
+        </p:style>
+        <p:txBody>
+          <a:bodyPr lIns="90000" rIns="90000" tIns="45000" bIns="45000"/>
+          <a:p>
+            <a:r>
+              <a:rPr lang="fr-FR" sz="1400" strike="noStrike">
+                <a:solidFill>
+                  <a:srgbClr val="000000"/>
+                </a:solidFill>
+                <a:latin typeface="Arial"/>
+                <a:ea typeface="DejaVu Sans"/>
+              </a:rPr>
+              <a:t>Préparation d'e l'argument (/bin/bash) sur la pile</a:t>
+            </a:r>
+            <a:endParaRPr/>
+          </a:p>
+        </p:txBody>
+      </p:sp>
+      <p:sp>
+        <p:nvSpPr>
+          <p:cNvPr id="209" name="CustomShape 11"/>
+          <p:cNvSpPr/>
+          <p:nvPr/>
+        </p:nvSpPr>
+        <p:spPr>
+          <a:xfrm>
+            <a:off x="3456000" y="3744000"/>
+            <a:ext cx="646560" cy="718560"/>
+          </a:xfrm>
+          <a:prstGeom prst="rightBrace">
+            <a:avLst>
+              <a:gd name="adj1" fmla="val 1800"/>
+              <a:gd name="adj2" fmla="val 10800"/>
+            </a:avLst>
+          </a:prstGeom>
+          <a:noFill/>
+          <a:ln>
+            <a:solidFill>
+              <a:srgbClr val="3465a4"/>
+            </a:solidFill>
+          </a:ln>
+        </p:spPr>
+        <p:style>
+          <a:lnRef idx="0"/>
+          <a:fillRef idx="0"/>
+          <a:effectRef idx="0"/>
+          <a:fontRef idx="minor"/>
+        </p:style>
+      </p:sp>
+      <p:sp>
+        <p:nvSpPr>
+          <p:cNvPr id="210" name="CustomShape 12"/>
+          <p:cNvSpPr/>
+          <p:nvPr/>
+        </p:nvSpPr>
+        <p:spPr>
+          <a:xfrm>
+            <a:off x="4176000" y="3960000"/>
+            <a:ext cx="5542560" cy="288720"/>
+          </a:xfrm>
+          <a:prstGeom prst="rect">
+            <a:avLst/>
+          </a:prstGeom>
+          <a:noFill/>
+          <a:ln>
+            <a:noFill/>
+          </a:ln>
+        </p:spPr>
+        <p:style>
+          <a:lnRef idx="0"/>
+          <a:fillRef idx="0"/>
+          <a:effectRef idx="0"/>
+          <a:fontRef idx="minor"/>
+        </p:style>
+        <p:txBody>
+          <a:bodyPr lIns="90000" rIns="90000" tIns="45000" bIns="45000"/>
+          <a:p>
+            <a:r>
+              <a:rPr lang="fr-FR" sz="1400" strike="noStrike">
+                <a:solidFill>
+                  <a:srgbClr val="000000"/>
+                </a:solidFill>
+                <a:latin typeface="Arial"/>
+                <a:ea typeface="DejaVu Sans"/>
+              </a:rPr>
+              <a:t>Directive pour la compilation</a:t>
+            </a:r>
+            <a:endParaRPr/>
+          </a:p>
+        </p:txBody>
+      </p:sp>
     </p:spTree>
   </p:cSld>
   <p:timing>
@@ -12138,4 +15150,227 @@
     </a:fmtScheme>
   </a:themeElements>
 </a:theme>
+</file>
+
+<file path=ppt/theme/theme5.xml><?xml version="1.0" encoding="utf-8"?>
+<a:theme xmlns:a="http://schemas.openxmlformats.org/drawingml/2006/main" name="Office Theme">
+  <a:themeElements>
+    <a:clrScheme name="Office">
+      <a:dk1>
+        <a:sysClr val="windowText" lastClr="000000"/>
+      </a:dk1>
+      <a:lt1>
+        <a:sysClr val="window" lastClr="FFFFFF"/>
+      </a:lt1>
+      <a:dk2>
+        <a:srgbClr val="1F497D"/>
+      </a:dk2>
+      <a:lt2>
+        <a:srgbClr val="EEECE1"/>
+      </a:lt2>
+      <a:accent1>
+        <a:srgbClr val="4F81BD"/>
+      </a:accent1>
+      <a:accent2>
+        <a:srgbClr val="C0504D"/>
+      </a:accent2>
+      <a:accent3>
+        <a:srgbClr val="9BBB59"/>
+      </a:accent3>
+      <a:accent4>
+        <a:srgbClr val="8064A2"/>
+      </a:accent4>
+      <a:accent5>
+        <a:srgbClr val="4BACC6"/>
+      </a:accent5>
+      <a:accent6>
+        <a:srgbClr val="F79646"/>
+      </a:accent6>
+      <a:hlink>
+        <a:srgbClr val="0000FF"/>
+      </a:hlink>
+      <a:folHlink>
+        <a:srgbClr val="800080"/>
+      </a:folHlink>
+    </a:clrScheme>
+    <a:fontScheme name="Office">
+      <a:majorFont>
+        <a:latin typeface="Arial"/>
+        <a:ea typeface="DejaVu Sans"/>
+        <a:cs typeface="DejaVu Sans"/>
+      </a:majorFont>
+      <a:minorFont>
+        <a:latin typeface="Arial"/>
+        <a:ea typeface="DejaVu Sans"/>
+        <a:cs typeface="DejaVu Sans"/>
+      </a:minorFont>
+    </a:fontScheme>
+    <a:fmtScheme name="Office">
+      <a:fillStyleLst>
+        <a:solidFill>
+          <a:schemeClr val="phClr"/>
+        </a:solidFill>
+        <a:gradFill rotWithShape="1">
+          <a:gsLst>
+            <a:gs pos="0">
+              <a:schemeClr val="phClr">
+                <a:tint val="50000"/>
+                <a:satMod val="300000"/>
+              </a:schemeClr>
+            </a:gs>
+            <a:gs pos="35000">
+              <a:schemeClr val="phClr">
+                <a:tint val="37000"/>
+                <a:satMod val="300000"/>
+              </a:schemeClr>
+            </a:gs>
+            <a:gs pos="100000">
+              <a:schemeClr val="phClr">
+                <a:tint val="15000"/>
+                <a:satMod val="350000"/>
+              </a:schemeClr>
+            </a:gs>
+          </a:gsLst>
+          <a:lin ang="16200000" scaled="1"/>
+        </a:gradFill>
+        <a:gradFill rotWithShape="1">
+          <a:gsLst>
+            <a:gs pos="0">
+              <a:schemeClr val="phClr">
+                <a:shade val="51000"/>
+                <a:satMod val="130000"/>
+              </a:schemeClr>
+            </a:gs>
+            <a:gs pos="80000">
+              <a:schemeClr val="phClr">
+                <a:shade val="93000"/>
+                <a:satMod val="130000"/>
+              </a:schemeClr>
+            </a:gs>
+            <a:gs pos="100000">
+              <a:schemeClr val="phClr">
+                <a:shade val="94000"/>
+                <a:satMod val="135000"/>
+              </a:schemeClr>
+            </a:gs>
+          </a:gsLst>
+          <a:lin ang="16200000" scaled="0"/>
+        </a:gradFill>
+      </a:fillStyleLst>
+      <a:lnStyleLst>
+        <a:ln w="9525" cap="flat" cmpd="sng" algn="ctr">
+          <a:solidFill>
+            <a:schemeClr val="phClr">
+              <a:shade val="95000"/>
+              <a:satMod val="105000"/>
+            </a:schemeClr>
+          </a:solidFill>
+          <a:prstDash val="solid"/>
+        </a:ln>
+        <a:ln w="25400" cap="flat" cmpd="sng" algn="ctr">
+          <a:solidFill>
+            <a:schemeClr val="phClr"/>
+          </a:solidFill>
+          <a:prstDash val="solid"/>
+        </a:ln>
+        <a:ln w="38100" cap="flat" cmpd="sng" algn="ctr">
+          <a:solidFill>
+            <a:schemeClr val="phClr"/>
+          </a:solidFill>
+          <a:prstDash val="solid"/>
+        </a:ln>
+      </a:lnStyleLst>
+      <a:effectStyleLst>
+        <a:effectStyle>
+          <a:effectLst>
+            <a:outerShdw blurRad="40000" dist="20000" dir="5400000" rotWithShape="0">
+              <a:srgbClr val="000000">
+                <a:alpha val="38000"/>
+              </a:srgbClr>
+            </a:outerShdw>
+          </a:effectLst>
+        </a:effectStyle>
+        <a:effectStyle>
+          <a:effectLst>
+            <a:outerShdw blurRad="40000" dist="23000" dir="5400000" rotWithShape="0">
+              <a:srgbClr val="000000">
+                <a:alpha val="35000"/>
+              </a:srgbClr>
+            </a:outerShdw>
+          </a:effectLst>
+        </a:effectStyle>
+        <a:effectStyle>
+          <a:effectLst>
+            <a:outerShdw blurRad="40000" dist="23000" dir="5400000" rotWithShape="0">
+              <a:srgbClr val="000000">
+                <a:alpha val="35000"/>
+              </a:srgbClr>
+            </a:outerShdw>
+          </a:effectLst>
+          <a:scene3d>
+            <a:camera prst="orthographicFront">
+              <a:rot lat="0" lon="0" rev="0"/>
+            </a:camera>
+            <a:lightRig rig="threePt" dir="t">
+              <a:rot lat="0" lon="0" rev="1200000"/>
+            </a:lightRig>
+          </a:scene3d>
+          <a:sp3d>
+            <a:bevelT w="63500" h="25400"/>
+          </a:sp3d>
+        </a:effectStyle>
+      </a:effectStyleLst>
+      <a:bgFillStyleLst>
+        <a:solidFill>
+          <a:schemeClr val="phClr"/>
+        </a:solidFill>
+        <a:gradFill rotWithShape="1">
+          <a:gsLst>
+            <a:gs pos="0">
+              <a:schemeClr val="phClr">
+                <a:tint val="40000"/>
+                <a:satMod val="350000"/>
+              </a:schemeClr>
+            </a:gs>
+            <a:gs pos="40000">
+              <a:schemeClr val="phClr">
+                <a:tint val="45000"/>
+                <a:shade val="99000"/>
+                <a:satMod val="350000"/>
+              </a:schemeClr>
+            </a:gs>
+            <a:gs pos="100000">
+              <a:schemeClr val="phClr">
+                <a:shade val="20000"/>
+                <a:satMod val="255000"/>
+              </a:schemeClr>
+            </a:gs>
+          </a:gsLst>
+          <a:path path="circle">
+            <a:fillToRect l="50000" t="-80000" r="50000" b="180000"/>
+          </a:path>
+        </a:gradFill>
+        <a:gradFill rotWithShape="1">
+          <a:gsLst>
+            <a:gs pos="0">
+              <a:schemeClr val="phClr">
+                <a:tint val="80000"/>
+                <a:satMod val="300000"/>
+              </a:schemeClr>
+            </a:gs>
+            <a:gs pos="100000">
+              <a:schemeClr val="phClr">
+                <a:shade val="30000"/>
+                <a:satMod val="200000"/>
+              </a:schemeClr>
+            </a:gs>
+          </a:gsLst>
+          <a:path path="circle">
+            <a:fillToRect l="50000" t="50000" r="50000" b="50000"/>
+          </a:path>
+        </a:gradFill>
+      </a:bgFillStyleLst>
+    </a:fmtScheme>
+  </a:themeElements>
+</a:theme>
 </file>